--- a/CAPSTONE GEN AI.pptx
+++ b/CAPSTONE GEN AI.pptx
@@ -1,6 +1,6 @@
 
 <file path=ppt/presentation.xml><?xml version="1.0" encoding="utf-8"?>
-<p:presentation xmlns:a="http://schemas.openxmlformats.org/drawingml/2006/main" xmlns:r="http://schemas.openxmlformats.org/officeDocument/2006/relationships" xmlns:p="http://schemas.openxmlformats.org/presentationml/2006/main" saveSubsetFonts="1">
+<p:presentation xmlns:a="http://schemas.openxmlformats.org/drawingml/2006/main" xmlns:r="http://schemas.openxmlformats.org/officeDocument/2006/relationships" xmlns:p="http://schemas.openxmlformats.org/presentationml/2006/main" saveSubsetFonts="1" autoCompressPictures="0">
   <p:sldMasterIdLst>
     <p:sldMasterId id="2147483648" r:id="rId1"/>
   </p:sldMasterIdLst>
@@ -11,14 +11,17 @@
     <p:sldId id="259" r:id="rId5"/>
     <p:sldId id="260" r:id="rId6"/>
     <p:sldId id="261" r:id="rId7"/>
+    <p:sldId id="262" r:id="rId8"/>
+    <p:sldId id="263" r:id="rId9"/>
+    <p:sldId id="264" r:id="rId10"/>
   </p:sldIdLst>
-  <p:sldSz cx="12192000" cy="6858000"/>
+  <p:sldSz cx="9144000" cy="6858000" type="screen4x3"/>
   <p:notesSz cx="6858000" cy="9144000"/>
   <p:defaultTextStyle>
     <a:defPPr>
-      <a:defRPr lang="uk-UA"/>
+      <a:defRPr lang="en-US"/>
     </a:defPPr>
-    <a:lvl1pPr marL="0" algn="l" defTabSz="914400" rtl="0" eaLnBrk="1" latinLnBrk="0" hangingPunct="1">
+    <a:lvl1pPr marL="0" algn="l" defTabSz="457200" rtl="0" eaLnBrk="1" latinLnBrk="0" hangingPunct="1">
       <a:defRPr sz="1800" kern="1200">
         <a:solidFill>
           <a:schemeClr val="tx1"/>
@@ -28,7 +31,7 @@
         <a:cs typeface="+mn-cs"/>
       </a:defRPr>
     </a:lvl1pPr>
-    <a:lvl2pPr marL="457200" algn="l" defTabSz="914400" rtl="0" eaLnBrk="1" latinLnBrk="0" hangingPunct="1">
+    <a:lvl2pPr marL="457200" algn="l" defTabSz="457200" rtl="0" eaLnBrk="1" latinLnBrk="0" hangingPunct="1">
       <a:defRPr sz="1800" kern="1200">
         <a:solidFill>
           <a:schemeClr val="tx1"/>
@@ -38,7 +41,7 @@
         <a:cs typeface="+mn-cs"/>
       </a:defRPr>
     </a:lvl2pPr>
-    <a:lvl3pPr marL="914400" algn="l" defTabSz="914400" rtl="0" eaLnBrk="1" latinLnBrk="0" hangingPunct="1">
+    <a:lvl3pPr marL="914400" algn="l" defTabSz="457200" rtl="0" eaLnBrk="1" latinLnBrk="0" hangingPunct="1">
       <a:defRPr sz="1800" kern="1200">
         <a:solidFill>
           <a:schemeClr val="tx1"/>
@@ -48,7 +51,7 @@
         <a:cs typeface="+mn-cs"/>
       </a:defRPr>
     </a:lvl3pPr>
-    <a:lvl4pPr marL="1371600" algn="l" defTabSz="914400" rtl="0" eaLnBrk="1" latinLnBrk="0" hangingPunct="1">
+    <a:lvl4pPr marL="1371600" algn="l" defTabSz="457200" rtl="0" eaLnBrk="1" latinLnBrk="0" hangingPunct="1">
       <a:defRPr sz="1800" kern="1200">
         <a:solidFill>
           <a:schemeClr val="tx1"/>
@@ -58,7 +61,7 @@
         <a:cs typeface="+mn-cs"/>
       </a:defRPr>
     </a:lvl4pPr>
-    <a:lvl5pPr marL="1828800" algn="l" defTabSz="914400" rtl="0" eaLnBrk="1" latinLnBrk="0" hangingPunct="1">
+    <a:lvl5pPr marL="1828800" algn="l" defTabSz="457200" rtl="0" eaLnBrk="1" latinLnBrk="0" hangingPunct="1">
       <a:defRPr sz="1800" kern="1200">
         <a:solidFill>
           <a:schemeClr val="tx1"/>
@@ -68,7 +71,7 @@
         <a:cs typeface="+mn-cs"/>
       </a:defRPr>
     </a:lvl5pPr>
-    <a:lvl6pPr marL="2286000" algn="l" defTabSz="914400" rtl="0" eaLnBrk="1" latinLnBrk="0" hangingPunct="1">
+    <a:lvl6pPr marL="2286000" algn="l" defTabSz="457200" rtl="0" eaLnBrk="1" latinLnBrk="0" hangingPunct="1">
       <a:defRPr sz="1800" kern="1200">
         <a:solidFill>
           <a:schemeClr val="tx1"/>
@@ -78,7 +81,7 @@
         <a:cs typeface="+mn-cs"/>
       </a:defRPr>
     </a:lvl6pPr>
-    <a:lvl7pPr marL="2743200" algn="l" defTabSz="914400" rtl="0" eaLnBrk="1" latinLnBrk="0" hangingPunct="1">
+    <a:lvl7pPr marL="2743200" algn="l" defTabSz="457200" rtl="0" eaLnBrk="1" latinLnBrk="0" hangingPunct="1">
       <a:defRPr sz="1800" kern="1200">
         <a:solidFill>
           <a:schemeClr val="tx1"/>
@@ -88,7 +91,7 @@
         <a:cs typeface="+mn-cs"/>
       </a:defRPr>
     </a:lvl7pPr>
-    <a:lvl8pPr marL="3200400" algn="l" defTabSz="914400" rtl="0" eaLnBrk="1" latinLnBrk="0" hangingPunct="1">
+    <a:lvl8pPr marL="3200400" algn="l" defTabSz="457200" rtl="0" eaLnBrk="1" latinLnBrk="0" hangingPunct="1">
       <a:defRPr sz="1800" kern="1200">
         <a:solidFill>
           <a:schemeClr val="tx1"/>
@@ -98,7 +101,7 @@
         <a:cs typeface="+mn-cs"/>
       </a:defRPr>
     </a:lvl8pPr>
-    <a:lvl9pPr marL="3657600" algn="l" defTabSz="914400" rtl="0" eaLnBrk="1" latinLnBrk="0" hangingPunct="1">
+    <a:lvl9pPr marL="3657600" algn="l" defTabSz="457200" rtl="0" eaLnBrk="1" latinLnBrk="0" hangingPunct="1">
       <a:defRPr sz="1800" kern="1200">
         <a:solidFill>
           <a:schemeClr val="tx1"/>
@@ -109,41 +112,28 @@
       </a:defRPr>
     </a:lvl9pPr>
   </p:defaultTextStyle>
+  <p:extLst>
+    <p:ext uri="{EFAFB233-063F-42B5-8137-9DF3F51BA10A}">
+      <p15:sldGuideLst xmlns:p15="http://schemas.microsoft.com/office/powerpoint/2012/main">
+        <p15:guide id="1" orient="horz" pos="2160">
+          <p15:clr>
+            <a:srgbClr val="A4A3A4"/>
+          </p15:clr>
+        </p15:guide>
+        <p15:guide id="2" pos="2880">
+          <p15:clr>
+            <a:srgbClr val="A4A3A4"/>
+          </p15:clr>
+        </p15:guide>
+      </p15:sldGuideLst>
+    </p:ext>
+  </p:extLst>
 </p:presentation>
-</file>
-
-<file path=ppt/changesInfos/changesInfo1.xml><?xml version="1.0" encoding="utf-8"?>
-<pc:chgInfo xmlns:a="http://schemas.openxmlformats.org/drawingml/2006/main" xmlns:r="http://schemas.openxmlformats.org/officeDocument/2006/relationships" xmlns:ac="http://schemas.microsoft.com/office/drawing/2013/main/command" xmlns:pc="http://schemas.microsoft.com/office/powerpoint/2013/main/command">
-  <pc:docChgLst>
-    <pc:chgData name="Andriy Andriy" userId="91ae6ec863900894" providerId="LiveId" clId="{8AF4F740-2424-459B-83CB-0F952E331391}"/>
-    <pc:docChg chg="modSld">
-      <pc:chgData name="Andriy Andriy" userId="91ae6ec863900894" providerId="LiveId" clId="{8AF4F740-2424-459B-83CB-0F952E331391}" dt="2025-06-01T02:09:37.768" v="80" actId="20577"/>
-      <pc:docMkLst>
-        <pc:docMk/>
-      </pc:docMkLst>
-      <pc:sldChg chg="modSp mod">
-        <pc:chgData name="Andriy Andriy" userId="91ae6ec863900894" providerId="LiveId" clId="{8AF4F740-2424-459B-83CB-0F952E331391}" dt="2025-06-01T02:09:37.768" v="80" actId="20577"/>
-        <pc:sldMkLst>
-          <pc:docMk/>
-          <pc:sldMk cId="3539098690" sldId="261"/>
-        </pc:sldMkLst>
-        <pc:spChg chg="mod">
-          <ac:chgData name="Andriy Andriy" userId="91ae6ec863900894" providerId="LiveId" clId="{8AF4F740-2424-459B-83CB-0F952E331391}" dt="2025-06-01T02:09:37.768" v="80" actId="20577"/>
-          <ac:spMkLst>
-            <pc:docMk/>
-            <pc:sldMk cId="3539098690" sldId="261"/>
-            <ac:spMk id="3" creationId="{9D6194FF-9DB6-2710-B5C2-35D0F1CCC0D5}"/>
-          </ac:spMkLst>
-        </pc:spChg>
-      </pc:sldChg>
-    </pc:docChg>
-  </pc:docChgLst>
-</pc:chgInfo>
 </file>
 
 <file path=ppt/slideLayouts/slideLayout1.xml><?xml version="1.0" encoding="utf-8"?>
 <p:sldLayout xmlns:a="http://schemas.openxmlformats.org/drawingml/2006/main" xmlns:r="http://schemas.openxmlformats.org/officeDocument/2006/relationships" xmlns:p="http://schemas.openxmlformats.org/presentationml/2006/main" type="title" preserve="1">
-  <p:cSld name="Титульний слайд">
+  <p:cSld name="Title Slide">
     <p:spTree>
       <p:nvGrpSpPr>
         <p:cNvPr id="1" name=""/>
@@ -160,13 +150,7 @@
       </p:grpSpPr>
       <p:sp>
         <p:nvSpPr>
-          <p:cNvPr id="2" name="Заголовок 1">
-            <a:extLst>
-              <a:ext uri="{FF2B5EF4-FFF2-40B4-BE49-F238E27FC236}">
-                <a16:creationId xmlns:a16="http://schemas.microsoft.com/office/drawing/2014/main" id="{6728E684-D3C4-9575-F119-367AC2F11799}"/>
-              </a:ext>
-            </a:extLst>
-          </p:cNvPr>
+          <p:cNvPr id="2" name="Title 1"/>
           <p:cNvSpPr>
             <a:spLocks noGrp="1"/>
           </p:cNvSpPr>
@@ -176,35 +160,24 @@
         </p:nvSpPr>
         <p:spPr>
           <a:xfrm>
-            <a:off x="1524000" y="1122363"/>
-            <a:ext cx="9144000" cy="2387600"/>
+            <a:off x="685800" y="2130425"/>
+            <a:ext cx="7772400" cy="1470025"/>
           </a:xfrm>
         </p:spPr>
         <p:txBody>
-          <a:bodyPr anchor="b"/>
-          <a:lstStyle>
-            <a:lvl1pPr algn="ctr">
-              <a:defRPr sz="6000"/>
-            </a:lvl1pPr>
-          </a:lstStyle>
-          <a:p>
-            <a:r>
-              <a:rPr lang="uk-UA"/>
-              <a:t>Клацніть, щоб редагувати стиль зразка заголовка</a:t>
-            </a:r>
-            <a:endParaRPr lang="en-US"/>
-          </a:p>
-        </p:txBody>
-      </p:sp>
-      <p:sp>
-        <p:nvSpPr>
-          <p:cNvPr id="3" name="Підзаголовок 2">
-            <a:extLst>
-              <a:ext uri="{FF2B5EF4-FFF2-40B4-BE49-F238E27FC236}">
-                <a16:creationId xmlns:a16="http://schemas.microsoft.com/office/drawing/2014/main" id="{96BD2601-14DD-D284-1EEC-3EFC4B75381E}"/>
-              </a:ext>
-            </a:extLst>
-          </p:cNvPr>
+          <a:bodyPr/>
+          <a:lstStyle/>
+          <a:p>
+            <a:r>
+              <a:rPr lang="en-US"/>
+              <a:t>Click to edit Master title style</a:t>
+            </a:r>
+          </a:p>
+        </p:txBody>
+      </p:sp>
+      <p:sp>
+        <p:nvSpPr>
+          <p:cNvPr id="3" name="Subtitle 2"/>
           <p:cNvSpPr>
             <a:spLocks noGrp="1"/>
           </p:cNvSpPr>
@@ -214,8 +187,8 @@
         </p:nvSpPr>
         <p:spPr>
           <a:xfrm>
-            <a:off x="1524000" y="3602038"/>
-            <a:ext cx="9144000" cy="1655762"/>
+            <a:off x="1371600" y="3886200"/>
+            <a:ext cx="6400800" cy="1752600"/>
           </a:xfrm>
         </p:spPr>
         <p:txBody>
@@ -223,59 +196,106 @@
           <a:lstStyle>
             <a:lvl1pPr marL="0" indent="0" algn="ctr">
               <a:buNone/>
-              <a:defRPr sz="2400"/>
+              <a:defRPr>
+                <a:solidFill>
+                  <a:schemeClr val="tx1">
+                    <a:tint val="75000"/>
+                  </a:schemeClr>
+                </a:solidFill>
+              </a:defRPr>
             </a:lvl1pPr>
             <a:lvl2pPr marL="457200" indent="0" algn="ctr">
               <a:buNone/>
-              <a:defRPr sz="2000"/>
+              <a:defRPr>
+                <a:solidFill>
+                  <a:schemeClr val="tx1">
+                    <a:tint val="75000"/>
+                  </a:schemeClr>
+                </a:solidFill>
+              </a:defRPr>
             </a:lvl2pPr>
             <a:lvl3pPr marL="914400" indent="0" algn="ctr">
               <a:buNone/>
-              <a:defRPr sz="1800"/>
+              <a:defRPr>
+                <a:solidFill>
+                  <a:schemeClr val="tx1">
+                    <a:tint val="75000"/>
+                  </a:schemeClr>
+                </a:solidFill>
+              </a:defRPr>
             </a:lvl3pPr>
             <a:lvl4pPr marL="1371600" indent="0" algn="ctr">
               <a:buNone/>
-              <a:defRPr sz="1600"/>
+              <a:defRPr>
+                <a:solidFill>
+                  <a:schemeClr val="tx1">
+                    <a:tint val="75000"/>
+                  </a:schemeClr>
+                </a:solidFill>
+              </a:defRPr>
             </a:lvl4pPr>
             <a:lvl5pPr marL="1828800" indent="0" algn="ctr">
               <a:buNone/>
-              <a:defRPr sz="1600"/>
+              <a:defRPr>
+                <a:solidFill>
+                  <a:schemeClr val="tx1">
+                    <a:tint val="75000"/>
+                  </a:schemeClr>
+                </a:solidFill>
+              </a:defRPr>
             </a:lvl5pPr>
             <a:lvl6pPr marL="2286000" indent="0" algn="ctr">
               <a:buNone/>
-              <a:defRPr sz="1600"/>
+              <a:defRPr>
+                <a:solidFill>
+                  <a:schemeClr val="tx1">
+                    <a:tint val="75000"/>
+                  </a:schemeClr>
+                </a:solidFill>
+              </a:defRPr>
             </a:lvl6pPr>
             <a:lvl7pPr marL="2743200" indent="0" algn="ctr">
               <a:buNone/>
-              <a:defRPr sz="1600"/>
+              <a:defRPr>
+                <a:solidFill>
+                  <a:schemeClr val="tx1">
+                    <a:tint val="75000"/>
+                  </a:schemeClr>
+                </a:solidFill>
+              </a:defRPr>
             </a:lvl7pPr>
             <a:lvl8pPr marL="3200400" indent="0" algn="ctr">
               <a:buNone/>
-              <a:defRPr sz="1600"/>
+              <a:defRPr>
+                <a:solidFill>
+                  <a:schemeClr val="tx1">
+                    <a:tint val="75000"/>
+                  </a:schemeClr>
+                </a:solidFill>
+              </a:defRPr>
             </a:lvl8pPr>
             <a:lvl9pPr marL="3657600" indent="0" algn="ctr">
               <a:buNone/>
-              <a:defRPr sz="1600"/>
+              <a:defRPr>
+                <a:solidFill>
+                  <a:schemeClr val="tx1">
+                    <a:tint val="75000"/>
+                  </a:schemeClr>
+                </a:solidFill>
+              </a:defRPr>
             </a:lvl9pPr>
           </a:lstStyle>
           <a:p>
             <a:r>
-              <a:rPr lang="uk-UA"/>
-              <a:t>Клацніть, щоб редагувати стиль зразка підзаголовка</a:t>
-            </a:r>
-            <a:endParaRPr lang="en-US"/>
-          </a:p>
-        </p:txBody>
-      </p:sp>
-      <p:sp>
-        <p:nvSpPr>
-          <p:cNvPr id="4" name="Місце для дати 3">
-            <a:extLst>
-              <a:ext uri="{FF2B5EF4-FFF2-40B4-BE49-F238E27FC236}">
-                <a16:creationId xmlns:a16="http://schemas.microsoft.com/office/drawing/2014/main" id="{3FFF0D73-59FC-DA45-D7F8-524E0696A211}"/>
-              </a:ext>
-            </a:extLst>
-          </p:cNvPr>
+              <a:rPr lang="en-US"/>
+              <a:t>Click to edit Master subtitle style</a:t>
+            </a:r>
+          </a:p>
+        </p:txBody>
+      </p:sp>
+      <p:sp>
+        <p:nvSpPr>
+          <p:cNvPr id="4" name="Date Placeholder 3"/>
           <p:cNvSpPr>
             <a:spLocks noGrp="1"/>
           </p:cNvSpPr>
@@ -288,9 +308,9 @@
           <a:bodyPr/>
           <a:lstStyle/>
           <a:p>
-            <a:fld id="{6E69947A-EF42-4931-A170-4AC3F012DA2C}" type="datetimeFigureOut">
+            <a:fld id="{5BCAD085-E8A6-8845-BD4E-CB4CCA059FC4}" type="datetimeFigureOut">
               <a:rPr lang="en-US" smtClean="0"/>
-              <a:t>6/1/2025</a:t>
+              <a:t>6/2/2025</a:t>
             </a:fld>
             <a:endParaRPr lang="en-US"/>
           </a:p>
@@ -298,13 +318,7 @@
       </p:sp>
       <p:sp>
         <p:nvSpPr>
-          <p:cNvPr id="5" name="Місце для нижнього колонтитула 4">
-            <a:extLst>
-              <a:ext uri="{FF2B5EF4-FFF2-40B4-BE49-F238E27FC236}">
-                <a16:creationId xmlns:a16="http://schemas.microsoft.com/office/drawing/2014/main" id="{6283B0B3-2996-BD44-86C4-ADDA91F40753}"/>
-              </a:ext>
-            </a:extLst>
-          </p:cNvPr>
+          <p:cNvPr id="5" name="Footer Placeholder 4"/>
           <p:cNvSpPr>
             <a:spLocks noGrp="1"/>
           </p:cNvSpPr>
@@ -323,13 +337,7 @@
       </p:sp>
       <p:sp>
         <p:nvSpPr>
-          <p:cNvPr id="6" name="Місце для номера слайда 5">
-            <a:extLst>
-              <a:ext uri="{FF2B5EF4-FFF2-40B4-BE49-F238E27FC236}">
-                <a16:creationId xmlns:a16="http://schemas.microsoft.com/office/drawing/2014/main" id="{B7C33BA8-1CFF-0114-A25A-B7A8926E84EB}"/>
-              </a:ext>
-            </a:extLst>
-          </p:cNvPr>
+          <p:cNvPr id="6" name="Slide Number Placeholder 5"/>
           <p:cNvSpPr>
             <a:spLocks noGrp="1"/>
           </p:cNvSpPr>
@@ -342,7 +350,7 @@
           <a:bodyPr/>
           <a:lstStyle/>
           <a:p>
-            <a:fld id="{EF5F5AF1-9EFB-44E5-B679-0B3BA2C10A2C}" type="slidenum">
+            <a:fld id="{C1FF6DA9-008F-8B48-92A6-B652298478BF}" type="slidenum">
               <a:rPr lang="en-US" smtClean="0"/>
               <a:t>‹№›</a:t>
             </a:fld>
@@ -353,7 +361,7 @@
     </p:spTree>
     <p:extLst>
       <p:ext uri="{BB962C8B-B14F-4D97-AF65-F5344CB8AC3E}">
-        <p14:creationId xmlns:p14="http://schemas.microsoft.com/office/powerpoint/2010/main" val="1333305340"/>
+        <p14:creationId xmlns:p14="http://schemas.microsoft.com/office/powerpoint/2010/main" val="3168075583"/>
       </p:ext>
     </p:extLst>
   </p:cSld>
@@ -365,7 +373,7 @@
 
 <file path=ppt/slideLayouts/slideLayout10.xml><?xml version="1.0" encoding="utf-8"?>
 <p:sldLayout xmlns:a="http://schemas.openxmlformats.org/drawingml/2006/main" xmlns:r="http://schemas.openxmlformats.org/officeDocument/2006/relationships" xmlns:p="http://schemas.openxmlformats.org/presentationml/2006/main" type="vertTx" preserve="1">
-  <p:cSld name="Заголовок і вертикальний текст">
+  <p:cSld name="Title and Vertical Text">
     <p:spTree>
       <p:nvGrpSpPr>
         <p:cNvPr id="1" name=""/>
@@ -382,13 +390,7 @@
       </p:grpSpPr>
       <p:sp>
         <p:nvSpPr>
-          <p:cNvPr id="2" name="Заголовок 1">
-            <a:extLst>
-              <a:ext uri="{FF2B5EF4-FFF2-40B4-BE49-F238E27FC236}">
-                <a16:creationId xmlns:a16="http://schemas.microsoft.com/office/drawing/2014/main" id="{3F217631-7FDA-1991-D188-967465133AD3}"/>
-              </a:ext>
-            </a:extLst>
-          </p:cNvPr>
+          <p:cNvPr id="2" name="Title 1"/>
           <p:cNvSpPr>
             <a:spLocks noGrp="1"/>
           </p:cNvSpPr>
@@ -402,22 +404,15 @@
           <a:lstStyle/>
           <a:p>
             <a:r>
-              <a:rPr lang="uk-UA"/>
-              <a:t>Клацніть, щоб редагувати стиль зразка заголовка</a:t>
-            </a:r>
-            <a:endParaRPr lang="en-US"/>
-          </a:p>
-        </p:txBody>
-      </p:sp>
-      <p:sp>
-        <p:nvSpPr>
-          <p:cNvPr id="3" name="Місце для вертикального тексту 2">
-            <a:extLst>
-              <a:ext uri="{FF2B5EF4-FFF2-40B4-BE49-F238E27FC236}">
-                <a16:creationId xmlns:a16="http://schemas.microsoft.com/office/drawing/2014/main" id="{C61069A9-8047-7B0D-7277-0046DE3F55C5}"/>
-              </a:ext>
-            </a:extLst>
-          </p:cNvPr>
+              <a:rPr lang="en-US"/>
+              <a:t>Click to edit Master title style</a:t>
+            </a:r>
+          </a:p>
+        </p:txBody>
+      </p:sp>
+      <p:sp>
+        <p:nvSpPr>
+          <p:cNvPr id="3" name="Vertical Text Placeholder 2"/>
           <p:cNvSpPr>
             <a:spLocks noGrp="1"/>
           </p:cNvSpPr>
@@ -432,50 +427,43 @@
           <a:p>
             <a:pPr lvl="0"/>
             <a:r>
-              <a:rPr lang="uk-UA"/>
-              <a:t>Клацніть, щоб відредагувати стилі зразків тексту</a:t>
+              <a:rPr lang="en-US"/>
+              <a:t>Click to edit Master text styles</a:t>
             </a:r>
           </a:p>
           <a:p>
             <a:pPr lvl="1"/>
             <a:r>
-              <a:rPr lang="uk-UA"/>
-              <a:t>Другий рівень</a:t>
+              <a:rPr lang="en-US"/>
+              <a:t>Second level</a:t>
             </a:r>
           </a:p>
           <a:p>
             <a:pPr lvl="2"/>
             <a:r>
-              <a:rPr lang="uk-UA"/>
-              <a:t>Третій рівень</a:t>
+              <a:rPr lang="en-US"/>
+              <a:t>Third level</a:t>
             </a:r>
           </a:p>
           <a:p>
             <a:pPr lvl="3"/>
             <a:r>
-              <a:rPr lang="uk-UA"/>
-              <a:t>Четвертий рівень</a:t>
+              <a:rPr lang="en-US"/>
+              <a:t>Fourth level</a:t>
             </a:r>
           </a:p>
           <a:p>
             <a:pPr lvl="4"/>
             <a:r>
-              <a:rPr lang="uk-UA"/>
-              <a:t>П’ятий рівень</a:t>
-            </a:r>
-            <a:endParaRPr lang="en-US"/>
-          </a:p>
-        </p:txBody>
-      </p:sp>
-      <p:sp>
-        <p:nvSpPr>
-          <p:cNvPr id="4" name="Місце для дати 3">
-            <a:extLst>
-              <a:ext uri="{FF2B5EF4-FFF2-40B4-BE49-F238E27FC236}">
-                <a16:creationId xmlns:a16="http://schemas.microsoft.com/office/drawing/2014/main" id="{8E2BA8D0-640D-218C-D524-0FF26A5EC0FB}"/>
-              </a:ext>
-            </a:extLst>
-          </p:cNvPr>
+              <a:rPr lang="en-US"/>
+              <a:t>Fifth level</a:t>
+            </a:r>
+          </a:p>
+        </p:txBody>
+      </p:sp>
+      <p:sp>
+        <p:nvSpPr>
+          <p:cNvPr id="4" name="Date Placeholder 3"/>
           <p:cNvSpPr>
             <a:spLocks noGrp="1"/>
           </p:cNvSpPr>
@@ -488,9 +476,9 @@
           <a:bodyPr/>
           <a:lstStyle/>
           <a:p>
-            <a:fld id="{6E69947A-EF42-4931-A170-4AC3F012DA2C}" type="datetimeFigureOut">
+            <a:fld id="{5BCAD085-E8A6-8845-BD4E-CB4CCA059FC4}" type="datetimeFigureOut">
               <a:rPr lang="en-US" smtClean="0"/>
-              <a:t>6/1/2025</a:t>
+              <a:t>6/2/2025</a:t>
             </a:fld>
             <a:endParaRPr lang="en-US"/>
           </a:p>
@@ -498,13 +486,7 @@
       </p:sp>
       <p:sp>
         <p:nvSpPr>
-          <p:cNvPr id="5" name="Місце для нижнього колонтитула 4">
-            <a:extLst>
-              <a:ext uri="{FF2B5EF4-FFF2-40B4-BE49-F238E27FC236}">
-                <a16:creationId xmlns:a16="http://schemas.microsoft.com/office/drawing/2014/main" id="{05FBDB98-7656-D3E0-BCED-2EEBE24DFFBB}"/>
-              </a:ext>
-            </a:extLst>
-          </p:cNvPr>
+          <p:cNvPr id="5" name="Footer Placeholder 4"/>
           <p:cNvSpPr>
             <a:spLocks noGrp="1"/>
           </p:cNvSpPr>
@@ -523,13 +505,7 @@
       </p:sp>
       <p:sp>
         <p:nvSpPr>
-          <p:cNvPr id="6" name="Місце для номера слайда 5">
-            <a:extLst>
-              <a:ext uri="{FF2B5EF4-FFF2-40B4-BE49-F238E27FC236}">
-                <a16:creationId xmlns:a16="http://schemas.microsoft.com/office/drawing/2014/main" id="{FCD75176-82A7-7C83-5255-9D0D77B7519D}"/>
-              </a:ext>
-            </a:extLst>
-          </p:cNvPr>
+          <p:cNvPr id="6" name="Slide Number Placeholder 5"/>
           <p:cNvSpPr>
             <a:spLocks noGrp="1"/>
           </p:cNvSpPr>
@@ -542,7 +518,7 @@
           <a:bodyPr/>
           <a:lstStyle/>
           <a:p>
-            <a:fld id="{EF5F5AF1-9EFB-44E5-B679-0B3BA2C10A2C}" type="slidenum">
+            <a:fld id="{C1FF6DA9-008F-8B48-92A6-B652298478BF}" type="slidenum">
               <a:rPr lang="en-US" smtClean="0"/>
               <a:t>‹№›</a:t>
             </a:fld>
@@ -553,7 +529,7 @@
     </p:spTree>
     <p:extLst>
       <p:ext uri="{BB962C8B-B14F-4D97-AF65-F5344CB8AC3E}">
-        <p14:creationId xmlns:p14="http://schemas.microsoft.com/office/powerpoint/2010/main" val="2314300969"/>
+        <p14:creationId xmlns:p14="http://schemas.microsoft.com/office/powerpoint/2010/main" val="2910927964"/>
       </p:ext>
     </p:extLst>
   </p:cSld>
@@ -565,7 +541,7 @@
 
 <file path=ppt/slideLayouts/slideLayout11.xml><?xml version="1.0" encoding="utf-8"?>
 <p:sldLayout xmlns:a="http://schemas.openxmlformats.org/drawingml/2006/main" xmlns:r="http://schemas.openxmlformats.org/officeDocument/2006/relationships" xmlns:p="http://schemas.openxmlformats.org/presentationml/2006/main" type="vertTitleAndTx" preserve="1">
-  <p:cSld name="Вертикальний заголовок і текст">
+  <p:cSld name="Vertical Title and Text">
     <p:spTree>
       <p:nvGrpSpPr>
         <p:cNvPr id="1" name=""/>
@@ -582,13 +558,7 @@
       </p:grpSpPr>
       <p:sp>
         <p:nvSpPr>
-          <p:cNvPr id="2" name="Вертикальний заголовок 1">
-            <a:extLst>
-              <a:ext uri="{FF2B5EF4-FFF2-40B4-BE49-F238E27FC236}">
-                <a16:creationId xmlns:a16="http://schemas.microsoft.com/office/drawing/2014/main" id="{47C57D77-3918-F6B9-3FB5-1ED2235A10DE}"/>
-              </a:ext>
-            </a:extLst>
-          </p:cNvPr>
+          <p:cNvPr id="2" name="Vertical Title 1"/>
           <p:cNvSpPr>
             <a:spLocks noGrp="1"/>
           </p:cNvSpPr>
@@ -598,8 +568,8 @@
         </p:nvSpPr>
         <p:spPr>
           <a:xfrm>
-            <a:off x="8724900" y="365125"/>
-            <a:ext cx="2628900" cy="5811838"/>
+            <a:off x="6629400" y="274638"/>
+            <a:ext cx="2057400" cy="5851525"/>
           </a:xfrm>
         </p:spPr>
         <p:txBody>
@@ -607,22 +577,15 @@
           <a:lstStyle/>
           <a:p>
             <a:r>
-              <a:rPr lang="uk-UA"/>
-              <a:t>Клацніть, щоб редагувати стиль зразка заголовка</a:t>
-            </a:r>
-            <a:endParaRPr lang="en-US"/>
-          </a:p>
-        </p:txBody>
-      </p:sp>
-      <p:sp>
-        <p:nvSpPr>
-          <p:cNvPr id="3" name="Місце для вертикального тексту 2">
-            <a:extLst>
-              <a:ext uri="{FF2B5EF4-FFF2-40B4-BE49-F238E27FC236}">
-                <a16:creationId xmlns:a16="http://schemas.microsoft.com/office/drawing/2014/main" id="{42AFEBEB-403D-FAA7-060C-A07859CC2D05}"/>
-              </a:ext>
-            </a:extLst>
-          </p:cNvPr>
+              <a:rPr lang="en-US"/>
+              <a:t>Click to edit Master title style</a:t>
+            </a:r>
+          </a:p>
+        </p:txBody>
+      </p:sp>
+      <p:sp>
+        <p:nvSpPr>
+          <p:cNvPr id="3" name="Vertical Text Placeholder 2"/>
           <p:cNvSpPr>
             <a:spLocks noGrp="1"/>
           </p:cNvSpPr>
@@ -632,8 +595,8 @@
         </p:nvSpPr>
         <p:spPr>
           <a:xfrm>
-            <a:off x="838200" y="365125"/>
-            <a:ext cx="7734300" cy="5811838"/>
+            <a:off x="457200" y="274638"/>
+            <a:ext cx="6019800" cy="5851525"/>
           </a:xfrm>
         </p:spPr>
         <p:txBody>
@@ -642,50 +605,43 @@
           <a:p>
             <a:pPr lvl="0"/>
             <a:r>
-              <a:rPr lang="uk-UA"/>
-              <a:t>Клацніть, щоб відредагувати стилі зразків тексту</a:t>
+              <a:rPr lang="en-US"/>
+              <a:t>Click to edit Master text styles</a:t>
             </a:r>
           </a:p>
           <a:p>
             <a:pPr lvl="1"/>
             <a:r>
-              <a:rPr lang="uk-UA"/>
-              <a:t>Другий рівень</a:t>
+              <a:rPr lang="en-US"/>
+              <a:t>Second level</a:t>
             </a:r>
           </a:p>
           <a:p>
             <a:pPr lvl="2"/>
             <a:r>
-              <a:rPr lang="uk-UA"/>
-              <a:t>Третій рівень</a:t>
+              <a:rPr lang="en-US"/>
+              <a:t>Third level</a:t>
             </a:r>
           </a:p>
           <a:p>
             <a:pPr lvl="3"/>
             <a:r>
-              <a:rPr lang="uk-UA"/>
-              <a:t>Четвертий рівень</a:t>
+              <a:rPr lang="en-US"/>
+              <a:t>Fourth level</a:t>
             </a:r>
           </a:p>
           <a:p>
             <a:pPr lvl="4"/>
             <a:r>
-              <a:rPr lang="uk-UA"/>
-              <a:t>П’ятий рівень</a:t>
-            </a:r>
-            <a:endParaRPr lang="en-US"/>
-          </a:p>
-        </p:txBody>
-      </p:sp>
-      <p:sp>
-        <p:nvSpPr>
-          <p:cNvPr id="4" name="Місце для дати 3">
-            <a:extLst>
-              <a:ext uri="{FF2B5EF4-FFF2-40B4-BE49-F238E27FC236}">
-                <a16:creationId xmlns:a16="http://schemas.microsoft.com/office/drawing/2014/main" id="{BD27BACA-7A03-5590-0833-CD07D93FD4F0}"/>
-              </a:ext>
-            </a:extLst>
-          </p:cNvPr>
+              <a:rPr lang="en-US"/>
+              <a:t>Fifth level</a:t>
+            </a:r>
+          </a:p>
+        </p:txBody>
+      </p:sp>
+      <p:sp>
+        <p:nvSpPr>
+          <p:cNvPr id="4" name="Date Placeholder 3"/>
           <p:cNvSpPr>
             <a:spLocks noGrp="1"/>
           </p:cNvSpPr>
@@ -698,9 +654,9 @@
           <a:bodyPr/>
           <a:lstStyle/>
           <a:p>
-            <a:fld id="{6E69947A-EF42-4931-A170-4AC3F012DA2C}" type="datetimeFigureOut">
+            <a:fld id="{5BCAD085-E8A6-8845-BD4E-CB4CCA059FC4}" type="datetimeFigureOut">
               <a:rPr lang="en-US" smtClean="0"/>
-              <a:t>6/1/2025</a:t>
+              <a:t>6/2/2025</a:t>
             </a:fld>
             <a:endParaRPr lang="en-US"/>
           </a:p>
@@ -708,13 +664,7 @@
       </p:sp>
       <p:sp>
         <p:nvSpPr>
-          <p:cNvPr id="5" name="Місце для нижнього колонтитула 4">
-            <a:extLst>
-              <a:ext uri="{FF2B5EF4-FFF2-40B4-BE49-F238E27FC236}">
-                <a16:creationId xmlns:a16="http://schemas.microsoft.com/office/drawing/2014/main" id="{C9844E88-FD6A-3AB5-D31A-9B9A08E82D93}"/>
-              </a:ext>
-            </a:extLst>
-          </p:cNvPr>
+          <p:cNvPr id="5" name="Footer Placeholder 4"/>
           <p:cNvSpPr>
             <a:spLocks noGrp="1"/>
           </p:cNvSpPr>
@@ -733,13 +683,7 @@
       </p:sp>
       <p:sp>
         <p:nvSpPr>
-          <p:cNvPr id="6" name="Місце для номера слайда 5">
-            <a:extLst>
-              <a:ext uri="{FF2B5EF4-FFF2-40B4-BE49-F238E27FC236}">
-                <a16:creationId xmlns:a16="http://schemas.microsoft.com/office/drawing/2014/main" id="{AAACE219-C85B-4982-6B9B-9F24FCCC3481}"/>
-              </a:ext>
-            </a:extLst>
-          </p:cNvPr>
+          <p:cNvPr id="6" name="Slide Number Placeholder 5"/>
           <p:cNvSpPr>
             <a:spLocks noGrp="1"/>
           </p:cNvSpPr>
@@ -752,7 +696,7 @@
           <a:bodyPr/>
           <a:lstStyle/>
           <a:p>
-            <a:fld id="{EF5F5AF1-9EFB-44E5-B679-0B3BA2C10A2C}" type="slidenum">
+            <a:fld id="{C1FF6DA9-008F-8B48-92A6-B652298478BF}" type="slidenum">
               <a:rPr lang="en-US" smtClean="0"/>
               <a:t>‹№›</a:t>
             </a:fld>
@@ -763,7 +707,7 @@
     </p:spTree>
     <p:extLst>
       <p:ext uri="{BB962C8B-B14F-4D97-AF65-F5344CB8AC3E}">
-        <p14:creationId xmlns:p14="http://schemas.microsoft.com/office/powerpoint/2010/main" val="3327850776"/>
+        <p14:creationId xmlns:p14="http://schemas.microsoft.com/office/powerpoint/2010/main" val="3612223792"/>
       </p:ext>
     </p:extLst>
   </p:cSld>
@@ -775,7 +719,7 @@
 
 <file path=ppt/slideLayouts/slideLayout2.xml><?xml version="1.0" encoding="utf-8"?>
 <p:sldLayout xmlns:a="http://schemas.openxmlformats.org/drawingml/2006/main" xmlns:r="http://schemas.openxmlformats.org/officeDocument/2006/relationships" xmlns:p="http://schemas.openxmlformats.org/presentationml/2006/main" type="obj" preserve="1">
-  <p:cSld name="Назва та вміст">
+  <p:cSld name="Title and Content">
     <p:spTree>
       <p:nvGrpSpPr>
         <p:cNvPr id="1" name=""/>
@@ -792,13 +736,7 @@
       </p:grpSpPr>
       <p:sp>
         <p:nvSpPr>
-          <p:cNvPr id="2" name="Заголовок 1">
-            <a:extLst>
-              <a:ext uri="{FF2B5EF4-FFF2-40B4-BE49-F238E27FC236}">
-                <a16:creationId xmlns:a16="http://schemas.microsoft.com/office/drawing/2014/main" id="{A31D3F6D-85A8-DC95-150B-3D516119AB50}"/>
-              </a:ext>
-            </a:extLst>
-          </p:cNvPr>
+          <p:cNvPr id="2" name="Title 1"/>
           <p:cNvSpPr>
             <a:spLocks noGrp="1"/>
           </p:cNvSpPr>
@@ -812,22 +750,15 @@
           <a:lstStyle/>
           <a:p>
             <a:r>
-              <a:rPr lang="uk-UA"/>
-              <a:t>Клацніть, щоб редагувати стиль зразка заголовка</a:t>
-            </a:r>
-            <a:endParaRPr lang="en-US"/>
-          </a:p>
-        </p:txBody>
-      </p:sp>
-      <p:sp>
-        <p:nvSpPr>
-          <p:cNvPr id="3" name="Місце для вмісту 2">
-            <a:extLst>
-              <a:ext uri="{FF2B5EF4-FFF2-40B4-BE49-F238E27FC236}">
-                <a16:creationId xmlns:a16="http://schemas.microsoft.com/office/drawing/2014/main" id="{8628D1E9-320C-69C8-5149-02B6961D23CF}"/>
-              </a:ext>
-            </a:extLst>
-          </p:cNvPr>
+              <a:rPr lang="en-US"/>
+              <a:t>Click to edit Master title style</a:t>
+            </a:r>
+          </a:p>
+        </p:txBody>
+      </p:sp>
+      <p:sp>
+        <p:nvSpPr>
+          <p:cNvPr id="3" name="Content Placeholder 2"/>
           <p:cNvSpPr>
             <a:spLocks noGrp="1"/>
           </p:cNvSpPr>
@@ -842,50 +773,43 @@
           <a:p>
             <a:pPr lvl="0"/>
             <a:r>
-              <a:rPr lang="uk-UA"/>
-              <a:t>Клацніть, щоб відредагувати стилі зразків тексту</a:t>
+              <a:rPr lang="en-US"/>
+              <a:t>Click to edit Master text styles</a:t>
             </a:r>
           </a:p>
           <a:p>
             <a:pPr lvl="1"/>
             <a:r>
-              <a:rPr lang="uk-UA"/>
-              <a:t>Другий рівень</a:t>
+              <a:rPr lang="en-US"/>
+              <a:t>Second level</a:t>
             </a:r>
           </a:p>
           <a:p>
             <a:pPr lvl="2"/>
             <a:r>
-              <a:rPr lang="uk-UA"/>
-              <a:t>Третій рівень</a:t>
+              <a:rPr lang="en-US"/>
+              <a:t>Third level</a:t>
             </a:r>
           </a:p>
           <a:p>
             <a:pPr lvl="3"/>
             <a:r>
-              <a:rPr lang="uk-UA"/>
-              <a:t>Четвертий рівень</a:t>
+              <a:rPr lang="en-US"/>
+              <a:t>Fourth level</a:t>
             </a:r>
           </a:p>
           <a:p>
             <a:pPr lvl="4"/>
             <a:r>
-              <a:rPr lang="uk-UA"/>
-              <a:t>П’ятий рівень</a:t>
-            </a:r>
-            <a:endParaRPr lang="en-US"/>
-          </a:p>
-        </p:txBody>
-      </p:sp>
-      <p:sp>
-        <p:nvSpPr>
-          <p:cNvPr id="4" name="Місце для дати 3">
-            <a:extLst>
-              <a:ext uri="{FF2B5EF4-FFF2-40B4-BE49-F238E27FC236}">
-                <a16:creationId xmlns:a16="http://schemas.microsoft.com/office/drawing/2014/main" id="{65DA9458-EDEA-3B6F-201F-B788358E3760}"/>
-              </a:ext>
-            </a:extLst>
-          </p:cNvPr>
+              <a:rPr lang="en-US"/>
+              <a:t>Fifth level</a:t>
+            </a:r>
+          </a:p>
+        </p:txBody>
+      </p:sp>
+      <p:sp>
+        <p:nvSpPr>
+          <p:cNvPr id="4" name="Date Placeholder 3"/>
           <p:cNvSpPr>
             <a:spLocks noGrp="1"/>
           </p:cNvSpPr>
@@ -898,9 +822,9 @@
           <a:bodyPr/>
           <a:lstStyle/>
           <a:p>
-            <a:fld id="{6E69947A-EF42-4931-A170-4AC3F012DA2C}" type="datetimeFigureOut">
+            <a:fld id="{5BCAD085-E8A6-8845-BD4E-CB4CCA059FC4}" type="datetimeFigureOut">
               <a:rPr lang="en-US" smtClean="0"/>
-              <a:t>6/1/2025</a:t>
+              <a:t>6/2/2025</a:t>
             </a:fld>
             <a:endParaRPr lang="en-US"/>
           </a:p>
@@ -908,13 +832,7 @@
       </p:sp>
       <p:sp>
         <p:nvSpPr>
-          <p:cNvPr id="5" name="Місце для нижнього колонтитула 4">
-            <a:extLst>
-              <a:ext uri="{FF2B5EF4-FFF2-40B4-BE49-F238E27FC236}">
-                <a16:creationId xmlns:a16="http://schemas.microsoft.com/office/drawing/2014/main" id="{4C4435BF-0E80-EC07-8594-D68C40799E1B}"/>
-              </a:ext>
-            </a:extLst>
-          </p:cNvPr>
+          <p:cNvPr id="5" name="Footer Placeholder 4"/>
           <p:cNvSpPr>
             <a:spLocks noGrp="1"/>
           </p:cNvSpPr>
@@ -933,13 +851,7 @@
       </p:sp>
       <p:sp>
         <p:nvSpPr>
-          <p:cNvPr id="6" name="Місце для номера слайда 5">
-            <a:extLst>
-              <a:ext uri="{FF2B5EF4-FFF2-40B4-BE49-F238E27FC236}">
-                <a16:creationId xmlns:a16="http://schemas.microsoft.com/office/drawing/2014/main" id="{F0405D34-6D5A-CCA5-38CF-DF103AEF78DF}"/>
-              </a:ext>
-            </a:extLst>
-          </p:cNvPr>
+          <p:cNvPr id="6" name="Slide Number Placeholder 5"/>
           <p:cNvSpPr>
             <a:spLocks noGrp="1"/>
           </p:cNvSpPr>
@@ -952,7 +864,7 @@
           <a:bodyPr/>
           <a:lstStyle/>
           <a:p>
-            <a:fld id="{EF5F5AF1-9EFB-44E5-B679-0B3BA2C10A2C}" type="slidenum">
+            <a:fld id="{C1FF6DA9-008F-8B48-92A6-B652298478BF}" type="slidenum">
               <a:rPr lang="en-US" smtClean="0"/>
               <a:t>‹№›</a:t>
             </a:fld>
@@ -963,7 +875,7 @@
     </p:spTree>
     <p:extLst>
       <p:ext uri="{BB962C8B-B14F-4D97-AF65-F5344CB8AC3E}">
-        <p14:creationId xmlns:p14="http://schemas.microsoft.com/office/powerpoint/2010/main" val="3560279088"/>
+        <p14:creationId xmlns:p14="http://schemas.microsoft.com/office/powerpoint/2010/main" val="2614314258"/>
       </p:ext>
     </p:extLst>
   </p:cSld>
@@ -975,7 +887,7 @@
 
 <file path=ppt/slideLayouts/slideLayout3.xml><?xml version="1.0" encoding="utf-8"?>
 <p:sldLayout xmlns:a="http://schemas.openxmlformats.org/drawingml/2006/main" xmlns:r="http://schemas.openxmlformats.org/officeDocument/2006/relationships" xmlns:p="http://schemas.openxmlformats.org/presentationml/2006/main" type="secHead" preserve="1">
-  <p:cSld name="Назва розділу">
+  <p:cSld name="Section Header">
     <p:spTree>
       <p:nvGrpSpPr>
         <p:cNvPr id="1" name=""/>
@@ -992,13 +904,7 @@
       </p:grpSpPr>
       <p:sp>
         <p:nvSpPr>
-          <p:cNvPr id="2" name="Заголовок 1">
-            <a:extLst>
-              <a:ext uri="{FF2B5EF4-FFF2-40B4-BE49-F238E27FC236}">
-                <a16:creationId xmlns:a16="http://schemas.microsoft.com/office/drawing/2014/main" id="{8CAF289F-2640-2FA1-F604-D1FAC10493C4}"/>
-              </a:ext>
-            </a:extLst>
-          </p:cNvPr>
+          <p:cNvPr id="2" name="Title 1"/>
           <p:cNvSpPr>
             <a:spLocks noGrp="1"/>
           </p:cNvSpPr>
@@ -1008,137 +914,130 @@
         </p:nvSpPr>
         <p:spPr>
           <a:xfrm>
-            <a:off x="831850" y="1709738"/>
-            <a:ext cx="10515600" cy="2852737"/>
+            <a:off x="722313" y="4406900"/>
+            <a:ext cx="7772400" cy="1362075"/>
           </a:xfrm>
         </p:spPr>
         <p:txBody>
+          <a:bodyPr anchor="t"/>
+          <a:lstStyle>
+            <a:lvl1pPr algn="l">
+              <a:defRPr sz="4000" b="1" cap="all"/>
+            </a:lvl1pPr>
+          </a:lstStyle>
+          <a:p>
+            <a:r>
+              <a:rPr lang="en-US"/>
+              <a:t>Click to edit Master title style</a:t>
+            </a:r>
+          </a:p>
+        </p:txBody>
+      </p:sp>
+      <p:sp>
+        <p:nvSpPr>
+          <p:cNvPr id="3" name="Text Placeholder 2"/>
+          <p:cNvSpPr>
+            <a:spLocks noGrp="1"/>
+          </p:cNvSpPr>
+          <p:nvPr>
+            <p:ph type="body" idx="1"/>
+          </p:nvPr>
+        </p:nvSpPr>
+        <p:spPr>
+          <a:xfrm>
+            <a:off x="722313" y="2906713"/>
+            <a:ext cx="7772400" cy="1500187"/>
+          </a:xfrm>
+        </p:spPr>
+        <p:txBody>
           <a:bodyPr anchor="b"/>
           <a:lstStyle>
-            <a:lvl1pPr>
-              <a:defRPr sz="6000"/>
-            </a:lvl1pPr>
-          </a:lstStyle>
-          <a:p>
-            <a:r>
-              <a:rPr lang="uk-UA"/>
-              <a:t>Клацніть, щоб редагувати стиль зразка заголовка</a:t>
-            </a:r>
-            <a:endParaRPr lang="en-US"/>
-          </a:p>
-        </p:txBody>
-      </p:sp>
-      <p:sp>
-        <p:nvSpPr>
-          <p:cNvPr id="3" name="Місце для тексту 2">
-            <a:extLst>
-              <a:ext uri="{FF2B5EF4-FFF2-40B4-BE49-F238E27FC236}">
-                <a16:creationId xmlns:a16="http://schemas.microsoft.com/office/drawing/2014/main" id="{D14BAA4B-9D25-A802-A804-955C38D19506}"/>
-              </a:ext>
-            </a:extLst>
-          </p:cNvPr>
-          <p:cNvSpPr>
-            <a:spLocks noGrp="1"/>
-          </p:cNvSpPr>
-          <p:nvPr>
-            <p:ph type="body" idx="1"/>
-          </p:nvPr>
-        </p:nvSpPr>
-        <p:spPr>
-          <a:xfrm>
-            <a:off x="831850" y="4589463"/>
-            <a:ext cx="10515600" cy="1500187"/>
-          </a:xfrm>
-        </p:spPr>
-        <p:txBody>
-          <a:bodyPr/>
-          <a:lstStyle>
             <a:lvl1pPr marL="0" indent="0">
               <a:buNone/>
-              <a:defRPr sz="2400">
+              <a:defRPr sz="2000">
                 <a:solidFill>
                   <a:schemeClr val="tx1">
-                    <a:tint val="82000"/>
+                    <a:tint val="75000"/>
                   </a:schemeClr>
                 </a:solidFill>
               </a:defRPr>
             </a:lvl1pPr>
             <a:lvl2pPr marL="457200" indent="0">
               <a:buNone/>
-              <a:defRPr sz="2000">
+              <a:defRPr sz="1800">
                 <a:solidFill>
                   <a:schemeClr val="tx1">
-                    <a:tint val="82000"/>
+                    <a:tint val="75000"/>
                   </a:schemeClr>
                 </a:solidFill>
               </a:defRPr>
             </a:lvl2pPr>
             <a:lvl3pPr marL="914400" indent="0">
               <a:buNone/>
-              <a:defRPr sz="1800">
+              <a:defRPr sz="1600">
                 <a:solidFill>
                   <a:schemeClr val="tx1">
-                    <a:tint val="82000"/>
+                    <a:tint val="75000"/>
                   </a:schemeClr>
                 </a:solidFill>
               </a:defRPr>
             </a:lvl3pPr>
             <a:lvl4pPr marL="1371600" indent="0">
               <a:buNone/>
-              <a:defRPr sz="1600">
+              <a:defRPr sz="1400">
                 <a:solidFill>
                   <a:schemeClr val="tx1">
-                    <a:tint val="82000"/>
+                    <a:tint val="75000"/>
                   </a:schemeClr>
                 </a:solidFill>
               </a:defRPr>
             </a:lvl4pPr>
             <a:lvl5pPr marL="1828800" indent="0">
               <a:buNone/>
-              <a:defRPr sz="1600">
+              <a:defRPr sz="1400">
                 <a:solidFill>
                   <a:schemeClr val="tx1">
-                    <a:tint val="82000"/>
+                    <a:tint val="75000"/>
                   </a:schemeClr>
                 </a:solidFill>
               </a:defRPr>
             </a:lvl5pPr>
             <a:lvl6pPr marL="2286000" indent="0">
               <a:buNone/>
-              <a:defRPr sz="1600">
+              <a:defRPr sz="1400">
                 <a:solidFill>
                   <a:schemeClr val="tx1">
-                    <a:tint val="82000"/>
+                    <a:tint val="75000"/>
                   </a:schemeClr>
                 </a:solidFill>
               </a:defRPr>
             </a:lvl6pPr>
             <a:lvl7pPr marL="2743200" indent="0">
               <a:buNone/>
-              <a:defRPr sz="1600">
+              <a:defRPr sz="1400">
                 <a:solidFill>
                   <a:schemeClr val="tx1">
-                    <a:tint val="82000"/>
+                    <a:tint val="75000"/>
                   </a:schemeClr>
                 </a:solidFill>
               </a:defRPr>
             </a:lvl7pPr>
             <a:lvl8pPr marL="3200400" indent="0">
               <a:buNone/>
-              <a:defRPr sz="1600">
+              <a:defRPr sz="1400">
                 <a:solidFill>
                   <a:schemeClr val="tx1">
-                    <a:tint val="82000"/>
+                    <a:tint val="75000"/>
                   </a:schemeClr>
                 </a:solidFill>
               </a:defRPr>
             </a:lvl8pPr>
             <a:lvl9pPr marL="3657600" indent="0">
               <a:buNone/>
-              <a:defRPr sz="1600">
+              <a:defRPr sz="1400">
                 <a:solidFill>
                   <a:schemeClr val="tx1">
-                    <a:tint val="82000"/>
+                    <a:tint val="75000"/>
                   </a:schemeClr>
                 </a:solidFill>
               </a:defRPr>
@@ -1147,21 +1046,15 @@
           <a:p>
             <a:pPr lvl="0"/>
             <a:r>
-              <a:rPr lang="uk-UA"/>
-              <a:t>Клацніть, щоб відредагувати стилі зразків тексту</a:t>
-            </a:r>
-          </a:p>
-        </p:txBody>
-      </p:sp>
-      <p:sp>
-        <p:nvSpPr>
-          <p:cNvPr id="4" name="Місце для дати 3">
-            <a:extLst>
-              <a:ext uri="{FF2B5EF4-FFF2-40B4-BE49-F238E27FC236}">
-                <a16:creationId xmlns:a16="http://schemas.microsoft.com/office/drawing/2014/main" id="{1C3DFDA7-566B-6FAA-BAFB-E67469E400E2}"/>
-              </a:ext>
-            </a:extLst>
-          </p:cNvPr>
+              <a:rPr lang="en-US"/>
+              <a:t>Click to edit Master text styles</a:t>
+            </a:r>
+          </a:p>
+        </p:txBody>
+      </p:sp>
+      <p:sp>
+        <p:nvSpPr>
+          <p:cNvPr id="4" name="Date Placeholder 3"/>
           <p:cNvSpPr>
             <a:spLocks noGrp="1"/>
           </p:cNvSpPr>
@@ -1174,9 +1067,9 @@
           <a:bodyPr/>
           <a:lstStyle/>
           <a:p>
-            <a:fld id="{6E69947A-EF42-4931-A170-4AC3F012DA2C}" type="datetimeFigureOut">
+            <a:fld id="{5BCAD085-E8A6-8845-BD4E-CB4CCA059FC4}" type="datetimeFigureOut">
               <a:rPr lang="en-US" smtClean="0"/>
-              <a:t>6/1/2025</a:t>
+              <a:t>6/2/2025</a:t>
             </a:fld>
             <a:endParaRPr lang="en-US"/>
           </a:p>
@@ -1184,13 +1077,7 @@
       </p:sp>
       <p:sp>
         <p:nvSpPr>
-          <p:cNvPr id="5" name="Місце для нижнього колонтитула 4">
-            <a:extLst>
-              <a:ext uri="{FF2B5EF4-FFF2-40B4-BE49-F238E27FC236}">
-                <a16:creationId xmlns:a16="http://schemas.microsoft.com/office/drawing/2014/main" id="{DD3FF8EF-E7B1-2F7D-F08E-4CF933B31A0D}"/>
-              </a:ext>
-            </a:extLst>
-          </p:cNvPr>
+          <p:cNvPr id="5" name="Footer Placeholder 4"/>
           <p:cNvSpPr>
             <a:spLocks noGrp="1"/>
           </p:cNvSpPr>
@@ -1209,13 +1096,7 @@
       </p:sp>
       <p:sp>
         <p:nvSpPr>
-          <p:cNvPr id="6" name="Місце для номера слайда 5">
-            <a:extLst>
-              <a:ext uri="{FF2B5EF4-FFF2-40B4-BE49-F238E27FC236}">
-                <a16:creationId xmlns:a16="http://schemas.microsoft.com/office/drawing/2014/main" id="{08E6B0D8-C9E5-E792-8CA6-13F8986779FA}"/>
-              </a:ext>
-            </a:extLst>
-          </p:cNvPr>
+          <p:cNvPr id="6" name="Slide Number Placeholder 5"/>
           <p:cNvSpPr>
             <a:spLocks noGrp="1"/>
           </p:cNvSpPr>
@@ -1228,7 +1109,7 @@
           <a:bodyPr/>
           <a:lstStyle/>
           <a:p>
-            <a:fld id="{EF5F5AF1-9EFB-44E5-B679-0B3BA2C10A2C}" type="slidenum">
+            <a:fld id="{C1FF6DA9-008F-8B48-92A6-B652298478BF}" type="slidenum">
               <a:rPr lang="en-US" smtClean="0"/>
               <a:t>‹№›</a:t>
             </a:fld>
@@ -1239,7 +1120,7 @@
     </p:spTree>
     <p:extLst>
       <p:ext uri="{BB962C8B-B14F-4D97-AF65-F5344CB8AC3E}">
-        <p14:creationId xmlns:p14="http://schemas.microsoft.com/office/powerpoint/2010/main" val="2957621825"/>
+        <p14:creationId xmlns:p14="http://schemas.microsoft.com/office/powerpoint/2010/main" val="960648375"/>
       </p:ext>
     </p:extLst>
   </p:cSld>
@@ -1251,7 +1132,7 @@
 
 <file path=ppt/slideLayouts/slideLayout4.xml><?xml version="1.0" encoding="utf-8"?>
 <p:sldLayout xmlns:a="http://schemas.openxmlformats.org/drawingml/2006/main" xmlns:r="http://schemas.openxmlformats.org/officeDocument/2006/relationships" xmlns:p="http://schemas.openxmlformats.org/presentationml/2006/main" type="twoObj" preserve="1">
-  <p:cSld name="Два об’єкти">
+  <p:cSld name="Two Content">
     <p:spTree>
       <p:nvGrpSpPr>
         <p:cNvPr id="1" name=""/>
@@ -1268,13 +1149,7 @@
       </p:grpSpPr>
       <p:sp>
         <p:nvSpPr>
-          <p:cNvPr id="2" name="Заголовок 1">
-            <a:extLst>
-              <a:ext uri="{FF2B5EF4-FFF2-40B4-BE49-F238E27FC236}">
-                <a16:creationId xmlns:a16="http://schemas.microsoft.com/office/drawing/2014/main" id="{6CC51823-917D-7E39-DD40-1623C0143750}"/>
-              </a:ext>
-            </a:extLst>
-          </p:cNvPr>
+          <p:cNvPr id="2" name="Title 1"/>
           <p:cNvSpPr>
             <a:spLocks noGrp="1"/>
           </p:cNvSpPr>
@@ -1288,22 +1163,15 @@
           <a:lstStyle/>
           <a:p>
             <a:r>
-              <a:rPr lang="uk-UA"/>
-              <a:t>Клацніть, щоб редагувати стиль зразка заголовка</a:t>
-            </a:r>
-            <a:endParaRPr lang="en-US"/>
-          </a:p>
-        </p:txBody>
-      </p:sp>
-      <p:sp>
-        <p:nvSpPr>
-          <p:cNvPr id="3" name="Місце для вмісту 2">
-            <a:extLst>
-              <a:ext uri="{FF2B5EF4-FFF2-40B4-BE49-F238E27FC236}">
-                <a16:creationId xmlns:a16="http://schemas.microsoft.com/office/drawing/2014/main" id="{3DC23991-6AC6-0B54-BB5A-C45E7FCFA8FF}"/>
-              </a:ext>
-            </a:extLst>
-          </p:cNvPr>
+              <a:rPr lang="en-US"/>
+              <a:t>Click to edit Master title style</a:t>
+            </a:r>
+          </a:p>
+        </p:txBody>
+      </p:sp>
+      <p:sp>
+        <p:nvSpPr>
+          <p:cNvPr id="3" name="Content Placeholder 2"/>
           <p:cNvSpPr>
             <a:spLocks noGrp="1"/>
           </p:cNvSpPr>
@@ -1313,60 +1181,81 @@
         </p:nvSpPr>
         <p:spPr>
           <a:xfrm>
-            <a:off x="838200" y="1825625"/>
-            <a:ext cx="5181600" cy="4351338"/>
+            <a:off x="457200" y="1600200"/>
+            <a:ext cx="4038600" cy="4525963"/>
           </a:xfrm>
         </p:spPr>
         <p:txBody>
           <a:bodyPr/>
-          <a:lstStyle/>
+          <a:lstStyle>
+            <a:lvl1pPr>
+              <a:defRPr sz="2800"/>
+            </a:lvl1pPr>
+            <a:lvl2pPr>
+              <a:defRPr sz="2400"/>
+            </a:lvl2pPr>
+            <a:lvl3pPr>
+              <a:defRPr sz="2000"/>
+            </a:lvl3pPr>
+            <a:lvl4pPr>
+              <a:defRPr sz="1800"/>
+            </a:lvl4pPr>
+            <a:lvl5pPr>
+              <a:defRPr sz="1800"/>
+            </a:lvl5pPr>
+            <a:lvl6pPr>
+              <a:defRPr sz="1800"/>
+            </a:lvl6pPr>
+            <a:lvl7pPr>
+              <a:defRPr sz="1800"/>
+            </a:lvl7pPr>
+            <a:lvl8pPr>
+              <a:defRPr sz="1800"/>
+            </a:lvl8pPr>
+            <a:lvl9pPr>
+              <a:defRPr sz="1800"/>
+            </a:lvl9pPr>
+          </a:lstStyle>
           <a:p>
             <a:pPr lvl="0"/>
             <a:r>
-              <a:rPr lang="uk-UA"/>
-              <a:t>Клацніть, щоб відредагувати стилі зразків тексту</a:t>
+              <a:rPr lang="en-US"/>
+              <a:t>Click to edit Master text styles</a:t>
             </a:r>
           </a:p>
           <a:p>
             <a:pPr lvl="1"/>
             <a:r>
-              <a:rPr lang="uk-UA"/>
-              <a:t>Другий рівень</a:t>
+              <a:rPr lang="en-US"/>
+              <a:t>Second level</a:t>
             </a:r>
           </a:p>
           <a:p>
             <a:pPr lvl="2"/>
             <a:r>
-              <a:rPr lang="uk-UA"/>
-              <a:t>Третій рівень</a:t>
+              <a:rPr lang="en-US"/>
+              <a:t>Third level</a:t>
             </a:r>
           </a:p>
           <a:p>
             <a:pPr lvl="3"/>
             <a:r>
-              <a:rPr lang="uk-UA"/>
-              <a:t>Четвертий рівень</a:t>
+              <a:rPr lang="en-US"/>
+              <a:t>Fourth level</a:t>
             </a:r>
           </a:p>
           <a:p>
             <a:pPr lvl="4"/>
             <a:r>
-              <a:rPr lang="uk-UA"/>
-              <a:t>П’ятий рівень</a:t>
-            </a:r>
-            <a:endParaRPr lang="en-US"/>
-          </a:p>
-        </p:txBody>
-      </p:sp>
-      <p:sp>
-        <p:nvSpPr>
-          <p:cNvPr id="4" name="Місце для вмісту 3">
-            <a:extLst>
-              <a:ext uri="{FF2B5EF4-FFF2-40B4-BE49-F238E27FC236}">
-                <a16:creationId xmlns:a16="http://schemas.microsoft.com/office/drawing/2014/main" id="{7A2E6B26-F7C3-D59A-2E5E-422B06E6930A}"/>
-              </a:ext>
-            </a:extLst>
-          </p:cNvPr>
+              <a:rPr lang="en-US"/>
+              <a:t>Fifth level</a:t>
+            </a:r>
+          </a:p>
+        </p:txBody>
+      </p:sp>
+      <p:sp>
+        <p:nvSpPr>
+          <p:cNvPr id="4" name="Content Placeholder 3"/>
           <p:cNvSpPr>
             <a:spLocks noGrp="1"/>
           </p:cNvSpPr>
@@ -1376,60 +1265,81 @@
         </p:nvSpPr>
         <p:spPr>
           <a:xfrm>
-            <a:off x="6172200" y="1825625"/>
-            <a:ext cx="5181600" cy="4351338"/>
+            <a:off x="4648200" y="1600200"/>
+            <a:ext cx="4038600" cy="4525963"/>
           </a:xfrm>
         </p:spPr>
         <p:txBody>
           <a:bodyPr/>
-          <a:lstStyle/>
+          <a:lstStyle>
+            <a:lvl1pPr>
+              <a:defRPr sz="2800"/>
+            </a:lvl1pPr>
+            <a:lvl2pPr>
+              <a:defRPr sz="2400"/>
+            </a:lvl2pPr>
+            <a:lvl3pPr>
+              <a:defRPr sz="2000"/>
+            </a:lvl3pPr>
+            <a:lvl4pPr>
+              <a:defRPr sz="1800"/>
+            </a:lvl4pPr>
+            <a:lvl5pPr>
+              <a:defRPr sz="1800"/>
+            </a:lvl5pPr>
+            <a:lvl6pPr>
+              <a:defRPr sz="1800"/>
+            </a:lvl6pPr>
+            <a:lvl7pPr>
+              <a:defRPr sz="1800"/>
+            </a:lvl7pPr>
+            <a:lvl8pPr>
+              <a:defRPr sz="1800"/>
+            </a:lvl8pPr>
+            <a:lvl9pPr>
+              <a:defRPr sz="1800"/>
+            </a:lvl9pPr>
+          </a:lstStyle>
           <a:p>
             <a:pPr lvl="0"/>
             <a:r>
-              <a:rPr lang="uk-UA"/>
-              <a:t>Клацніть, щоб відредагувати стилі зразків тексту</a:t>
+              <a:rPr lang="en-US"/>
+              <a:t>Click to edit Master text styles</a:t>
             </a:r>
           </a:p>
           <a:p>
             <a:pPr lvl="1"/>
             <a:r>
-              <a:rPr lang="uk-UA"/>
-              <a:t>Другий рівень</a:t>
+              <a:rPr lang="en-US"/>
+              <a:t>Second level</a:t>
             </a:r>
           </a:p>
           <a:p>
             <a:pPr lvl="2"/>
             <a:r>
-              <a:rPr lang="uk-UA"/>
-              <a:t>Третій рівень</a:t>
+              <a:rPr lang="en-US"/>
+              <a:t>Third level</a:t>
             </a:r>
           </a:p>
           <a:p>
             <a:pPr lvl="3"/>
             <a:r>
-              <a:rPr lang="uk-UA"/>
-              <a:t>Четвертий рівень</a:t>
+              <a:rPr lang="en-US"/>
+              <a:t>Fourth level</a:t>
             </a:r>
           </a:p>
           <a:p>
             <a:pPr lvl="4"/>
             <a:r>
-              <a:rPr lang="uk-UA"/>
-              <a:t>П’ятий рівень</a:t>
-            </a:r>
-            <a:endParaRPr lang="en-US"/>
-          </a:p>
-        </p:txBody>
-      </p:sp>
-      <p:sp>
-        <p:nvSpPr>
-          <p:cNvPr id="5" name="Місце для дати 4">
-            <a:extLst>
-              <a:ext uri="{FF2B5EF4-FFF2-40B4-BE49-F238E27FC236}">
-                <a16:creationId xmlns:a16="http://schemas.microsoft.com/office/drawing/2014/main" id="{EBBF3A0D-2DE7-938F-3D96-29250F0018D7}"/>
-              </a:ext>
-            </a:extLst>
-          </p:cNvPr>
+              <a:rPr lang="en-US"/>
+              <a:t>Fifth level</a:t>
+            </a:r>
+          </a:p>
+        </p:txBody>
+      </p:sp>
+      <p:sp>
+        <p:nvSpPr>
+          <p:cNvPr id="5" name="Date Placeholder 4"/>
           <p:cNvSpPr>
             <a:spLocks noGrp="1"/>
           </p:cNvSpPr>
@@ -1442,9 +1352,9 @@
           <a:bodyPr/>
           <a:lstStyle/>
           <a:p>
-            <a:fld id="{6E69947A-EF42-4931-A170-4AC3F012DA2C}" type="datetimeFigureOut">
+            <a:fld id="{5BCAD085-E8A6-8845-BD4E-CB4CCA059FC4}" type="datetimeFigureOut">
               <a:rPr lang="en-US" smtClean="0"/>
-              <a:t>6/1/2025</a:t>
+              <a:t>6/2/2025</a:t>
             </a:fld>
             <a:endParaRPr lang="en-US"/>
           </a:p>
@@ -1452,13 +1362,7 @@
       </p:sp>
       <p:sp>
         <p:nvSpPr>
-          <p:cNvPr id="6" name="Місце для нижнього колонтитула 5">
-            <a:extLst>
-              <a:ext uri="{FF2B5EF4-FFF2-40B4-BE49-F238E27FC236}">
-                <a16:creationId xmlns:a16="http://schemas.microsoft.com/office/drawing/2014/main" id="{BB8FAD30-06E6-1E2F-06BF-0CDC881224CA}"/>
-              </a:ext>
-            </a:extLst>
-          </p:cNvPr>
+          <p:cNvPr id="6" name="Footer Placeholder 5"/>
           <p:cNvSpPr>
             <a:spLocks noGrp="1"/>
           </p:cNvSpPr>
@@ -1477,13 +1381,7 @@
       </p:sp>
       <p:sp>
         <p:nvSpPr>
-          <p:cNvPr id="7" name="Місце для номера слайда 6">
-            <a:extLst>
-              <a:ext uri="{FF2B5EF4-FFF2-40B4-BE49-F238E27FC236}">
-                <a16:creationId xmlns:a16="http://schemas.microsoft.com/office/drawing/2014/main" id="{18300AD1-FF4A-A34D-2848-F939C05B6A22}"/>
-              </a:ext>
-            </a:extLst>
-          </p:cNvPr>
+          <p:cNvPr id="7" name="Slide Number Placeholder 6"/>
           <p:cNvSpPr>
             <a:spLocks noGrp="1"/>
           </p:cNvSpPr>
@@ -1496,7 +1394,7 @@
           <a:bodyPr/>
           <a:lstStyle/>
           <a:p>
-            <a:fld id="{EF5F5AF1-9EFB-44E5-B679-0B3BA2C10A2C}" type="slidenum">
+            <a:fld id="{C1FF6DA9-008F-8B48-92A6-B652298478BF}" type="slidenum">
               <a:rPr lang="en-US" smtClean="0"/>
               <a:t>‹№›</a:t>
             </a:fld>
@@ -1507,7 +1405,7 @@
     </p:spTree>
     <p:extLst>
       <p:ext uri="{BB962C8B-B14F-4D97-AF65-F5344CB8AC3E}">
-        <p14:creationId xmlns:p14="http://schemas.microsoft.com/office/powerpoint/2010/main" val="489173970"/>
+        <p14:creationId xmlns:p14="http://schemas.microsoft.com/office/powerpoint/2010/main" val="2782244947"/>
       </p:ext>
     </p:extLst>
   </p:cSld>
@@ -1519,7 +1417,7 @@
 
 <file path=ppt/slideLayouts/slideLayout5.xml><?xml version="1.0" encoding="utf-8"?>
 <p:sldLayout xmlns:a="http://schemas.openxmlformats.org/drawingml/2006/main" xmlns:r="http://schemas.openxmlformats.org/officeDocument/2006/relationships" xmlns:p="http://schemas.openxmlformats.org/presentationml/2006/main" type="twoTxTwoObj" preserve="1">
-  <p:cSld name="Порівняння">
+  <p:cSld name="Comparison">
     <p:spTree>
       <p:nvGrpSpPr>
         <p:cNvPr id="1" name=""/>
@@ -1536,58 +1434,44 @@
       </p:grpSpPr>
       <p:sp>
         <p:nvSpPr>
-          <p:cNvPr id="2" name="Заголовок 1">
-            <a:extLst>
-              <a:ext uri="{FF2B5EF4-FFF2-40B4-BE49-F238E27FC236}">
-                <a16:creationId xmlns:a16="http://schemas.microsoft.com/office/drawing/2014/main" id="{FFB8910F-4FB4-5E7E-0C15-9C8C9347909D}"/>
-              </a:ext>
-            </a:extLst>
-          </p:cNvPr>
+          <p:cNvPr id="2" name="Title 1"/>
           <p:cNvSpPr>
             <a:spLocks noGrp="1"/>
           </p:cNvSpPr>
           <p:nvPr>
             <p:ph type="title"/>
+          </p:nvPr>
+        </p:nvSpPr>
+        <p:spPr/>
+        <p:txBody>
+          <a:bodyPr/>
+          <a:lstStyle>
+            <a:lvl1pPr>
+              <a:defRPr/>
+            </a:lvl1pPr>
+          </a:lstStyle>
+          <a:p>
+            <a:r>
+              <a:rPr lang="en-US"/>
+              <a:t>Click to edit Master title style</a:t>
+            </a:r>
+          </a:p>
+        </p:txBody>
+      </p:sp>
+      <p:sp>
+        <p:nvSpPr>
+          <p:cNvPr id="3" name="Text Placeholder 2"/>
+          <p:cNvSpPr>
+            <a:spLocks noGrp="1"/>
+          </p:cNvSpPr>
+          <p:nvPr>
+            <p:ph type="body" idx="1"/>
           </p:nvPr>
         </p:nvSpPr>
         <p:spPr>
           <a:xfrm>
-            <a:off x="839788" y="365125"/>
-            <a:ext cx="10515600" cy="1325563"/>
-          </a:xfrm>
-        </p:spPr>
-        <p:txBody>
-          <a:bodyPr/>
-          <a:lstStyle/>
-          <a:p>
-            <a:r>
-              <a:rPr lang="uk-UA"/>
-              <a:t>Клацніть, щоб редагувати стиль зразка заголовка</a:t>
-            </a:r>
-            <a:endParaRPr lang="en-US"/>
-          </a:p>
-        </p:txBody>
-      </p:sp>
-      <p:sp>
-        <p:nvSpPr>
-          <p:cNvPr id="3" name="Місце для тексту 2">
-            <a:extLst>
-              <a:ext uri="{FF2B5EF4-FFF2-40B4-BE49-F238E27FC236}">
-                <a16:creationId xmlns:a16="http://schemas.microsoft.com/office/drawing/2014/main" id="{C0DA0E23-B3F0-9B9A-0737-2AD04A2180F5}"/>
-              </a:ext>
-            </a:extLst>
-          </p:cNvPr>
-          <p:cNvSpPr>
-            <a:spLocks noGrp="1"/>
-          </p:cNvSpPr>
-          <p:nvPr>
-            <p:ph type="body" idx="1"/>
-          </p:nvPr>
-        </p:nvSpPr>
-        <p:spPr>
-          <a:xfrm>
-            <a:off x="839788" y="1681163"/>
-            <a:ext cx="5157787" cy="823912"/>
+            <a:off x="457200" y="1535113"/>
+            <a:ext cx="4040188" cy="639762"/>
           </a:xfrm>
         </p:spPr>
         <p:txBody>
@@ -1633,21 +1517,15 @@
           <a:p>
             <a:pPr lvl="0"/>
             <a:r>
-              <a:rPr lang="uk-UA"/>
-              <a:t>Клацніть, щоб відредагувати стилі зразків тексту</a:t>
-            </a:r>
-          </a:p>
-        </p:txBody>
-      </p:sp>
-      <p:sp>
-        <p:nvSpPr>
-          <p:cNvPr id="4" name="Місце для вмісту 3">
-            <a:extLst>
-              <a:ext uri="{FF2B5EF4-FFF2-40B4-BE49-F238E27FC236}">
-                <a16:creationId xmlns:a16="http://schemas.microsoft.com/office/drawing/2014/main" id="{66920A82-1A15-DC02-CA4E-619B61C8D6DF}"/>
-              </a:ext>
-            </a:extLst>
-          </p:cNvPr>
+              <a:rPr lang="en-US"/>
+              <a:t>Click to edit Master text styles</a:t>
+            </a:r>
+          </a:p>
+        </p:txBody>
+      </p:sp>
+      <p:sp>
+        <p:nvSpPr>
+          <p:cNvPr id="4" name="Content Placeholder 3"/>
           <p:cNvSpPr>
             <a:spLocks noGrp="1"/>
           </p:cNvSpPr>
@@ -1657,60 +1535,81 @@
         </p:nvSpPr>
         <p:spPr>
           <a:xfrm>
-            <a:off x="839788" y="2505075"/>
-            <a:ext cx="5157787" cy="3684588"/>
+            <a:off x="457200" y="2174875"/>
+            <a:ext cx="4040188" cy="3951288"/>
           </a:xfrm>
         </p:spPr>
         <p:txBody>
           <a:bodyPr/>
-          <a:lstStyle/>
+          <a:lstStyle>
+            <a:lvl1pPr>
+              <a:defRPr sz="2400"/>
+            </a:lvl1pPr>
+            <a:lvl2pPr>
+              <a:defRPr sz="2000"/>
+            </a:lvl2pPr>
+            <a:lvl3pPr>
+              <a:defRPr sz="1800"/>
+            </a:lvl3pPr>
+            <a:lvl4pPr>
+              <a:defRPr sz="1600"/>
+            </a:lvl4pPr>
+            <a:lvl5pPr>
+              <a:defRPr sz="1600"/>
+            </a:lvl5pPr>
+            <a:lvl6pPr>
+              <a:defRPr sz="1600"/>
+            </a:lvl6pPr>
+            <a:lvl7pPr>
+              <a:defRPr sz="1600"/>
+            </a:lvl7pPr>
+            <a:lvl8pPr>
+              <a:defRPr sz="1600"/>
+            </a:lvl8pPr>
+            <a:lvl9pPr>
+              <a:defRPr sz="1600"/>
+            </a:lvl9pPr>
+          </a:lstStyle>
           <a:p>
             <a:pPr lvl="0"/>
             <a:r>
-              <a:rPr lang="uk-UA"/>
-              <a:t>Клацніть, щоб відредагувати стилі зразків тексту</a:t>
+              <a:rPr lang="en-US"/>
+              <a:t>Click to edit Master text styles</a:t>
             </a:r>
           </a:p>
           <a:p>
             <a:pPr lvl="1"/>
             <a:r>
-              <a:rPr lang="uk-UA"/>
-              <a:t>Другий рівень</a:t>
+              <a:rPr lang="en-US"/>
+              <a:t>Second level</a:t>
             </a:r>
           </a:p>
           <a:p>
             <a:pPr lvl="2"/>
             <a:r>
-              <a:rPr lang="uk-UA"/>
-              <a:t>Третій рівень</a:t>
+              <a:rPr lang="en-US"/>
+              <a:t>Third level</a:t>
             </a:r>
           </a:p>
           <a:p>
             <a:pPr lvl="3"/>
             <a:r>
-              <a:rPr lang="uk-UA"/>
-              <a:t>Четвертий рівень</a:t>
+              <a:rPr lang="en-US"/>
+              <a:t>Fourth level</a:t>
             </a:r>
           </a:p>
           <a:p>
             <a:pPr lvl="4"/>
             <a:r>
-              <a:rPr lang="uk-UA"/>
-              <a:t>П’ятий рівень</a:t>
-            </a:r>
-            <a:endParaRPr lang="en-US"/>
-          </a:p>
-        </p:txBody>
-      </p:sp>
-      <p:sp>
-        <p:nvSpPr>
-          <p:cNvPr id="5" name="Місце для тексту 4">
-            <a:extLst>
-              <a:ext uri="{FF2B5EF4-FFF2-40B4-BE49-F238E27FC236}">
-                <a16:creationId xmlns:a16="http://schemas.microsoft.com/office/drawing/2014/main" id="{3AA3C35A-9477-84C3-9DD4-174F7DF5FE3B}"/>
-              </a:ext>
-            </a:extLst>
-          </p:cNvPr>
+              <a:rPr lang="en-US"/>
+              <a:t>Fifth level</a:t>
+            </a:r>
+          </a:p>
+        </p:txBody>
+      </p:sp>
+      <p:sp>
+        <p:nvSpPr>
+          <p:cNvPr id="5" name="Text Placeholder 4"/>
           <p:cNvSpPr>
             <a:spLocks noGrp="1"/>
           </p:cNvSpPr>
@@ -1720,8 +1619,8 @@
         </p:nvSpPr>
         <p:spPr>
           <a:xfrm>
-            <a:off x="6172200" y="1681163"/>
-            <a:ext cx="5183188" cy="823912"/>
+            <a:off x="4645025" y="1535113"/>
+            <a:ext cx="4041775" cy="639762"/>
           </a:xfrm>
         </p:spPr>
         <p:txBody>
@@ -1767,21 +1666,15 @@
           <a:p>
             <a:pPr lvl="0"/>
             <a:r>
-              <a:rPr lang="uk-UA"/>
-              <a:t>Клацніть, щоб відредагувати стилі зразків тексту</a:t>
-            </a:r>
-          </a:p>
-        </p:txBody>
-      </p:sp>
-      <p:sp>
-        <p:nvSpPr>
-          <p:cNvPr id="6" name="Місце для вмісту 5">
-            <a:extLst>
-              <a:ext uri="{FF2B5EF4-FFF2-40B4-BE49-F238E27FC236}">
-                <a16:creationId xmlns:a16="http://schemas.microsoft.com/office/drawing/2014/main" id="{CD8EEBBB-80B0-58B9-3296-1C7AC9FA93B0}"/>
-              </a:ext>
-            </a:extLst>
-          </p:cNvPr>
+              <a:rPr lang="en-US"/>
+              <a:t>Click to edit Master text styles</a:t>
+            </a:r>
+          </a:p>
+        </p:txBody>
+      </p:sp>
+      <p:sp>
+        <p:nvSpPr>
+          <p:cNvPr id="6" name="Content Placeholder 5"/>
           <p:cNvSpPr>
             <a:spLocks noGrp="1"/>
           </p:cNvSpPr>
@@ -1791,60 +1684,81 @@
         </p:nvSpPr>
         <p:spPr>
           <a:xfrm>
-            <a:off x="6172200" y="2505075"/>
-            <a:ext cx="5183188" cy="3684588"/>
+            <a:off x="4645025" y="2174875"/>
+            <a:ext cx="4041775" cy="3951288"/>
           </a:xfrm>
         </p:spPr>
         <p:txBody>
           <a:bodyPr/>
-          <a:lstStyle/>
+          <a:lstStyle>
+            <a:lvl1pPr>
+              <a:defRPr sz="2400"/>
+            </a:lvl1pPr>
+            <a:lvl2pPr>
+              <a:defRPr sz="2000"/>
+            </a:lvl2pPr>
+            <a:lvl3pPr>
+              <a:defRPr sz="1800"/>
+            </a:lvl3pPr>
+            <a:lvl4pPr>
+              <a:defRPr sz="1600"/>
+            </a:lvl4pPr>
+            <a:lvl5pPr>
+              <a:defRPr sz="1600"/>
+            </a:lvl5pPr>
+            <a:lvl6pPr>
+              <a:defRPr sz="1600"/>
+            </a:lvl6pPr>
+            <a:lvl7pPr>
+              <a:defRPr sz="1600"/>
+            </a:lvl7pPr>
+            <a:lvl8pPr>
+              <a:defRPr sz="1600"/>
+            </a:lvl8pPr>
+            <a:lvl9pPr>
+              <a:defRPr sz="1600"/>
+            </a:lvl9pPr>
+          </a:lstStyle>
           <a:p>
             <a:pPr lvl="0"/>
             <a:r>
-              <a:rPr lang="uk-UA"/>
-              <a:t>Клацніть, щоб відредагувати стилі зразків тексту</a:t>
+              <a:rPr lang="en-US"/>
+              <a:t>Click to edit Master text styles</a:t>
             </a:r>
           </a:p>
           <a:p>
             <a:pPr lvl="1"/>
             <a:r>
-              <a:rPr lang="uk-UA"/>
-              <a:t>Другий рівень</a:t>
+              <a:rPr lang="en-US"/>
+              <a:t>Second level</a:t>
             </a:r>
           </a:p>
           <a:p>
             <a:pPr lvl="2"/>
             <a:r>
-              <a:rPr lang="uk-UA"/>
-              <a:t>Третій рівень</a:t>
+              <a:rPr lang="en-US"/>
+              <a:t>Third level</a:t>
             </a:r>
           </a:p>
           <a:p>
             <a:pPr lvl="3"/>
             <a:r>
-              <a:rPr lang="uk-UA"/>
-              <a:t>Четвертий рівень</a:t>
+              <a:rPr lang="en-US"/>
+              <a:t>Fourth level</a:t>
             </a:r>
           </a:p>
           <a:p>
             <a:pPr lvl="4"/>
             <a:r>
-              <a:rPr lang="uk-UA"/>
-              <a:t>П’ятий рівень</a:t>
-            </a:r>
-            <a:endParaRPr lang="en-US"/>
-          </a:p>
-        </p:txBody>
-      </p:sp>
-      <p:sp>
-        <p:nvSpPr>
-          <p:cNvPr id="7" name="Місце для дати 6">
-            <a:extLst>
-              <a:ext uri="{FF2B5EF4-FFF2-40B4-BE49-F238E27FC236}">
-                <a16:creationId xmlns:a16="http://schemas.microsoft.com/office/drawing/2014/main" id="{99F9403F-9755-6E60-4906-51F54E7A5E9A}"/>
-              </a:ext>
-            </a:extLst>
-          </p:cNvPr>
+              <a:rPr lang="en-US"/>
+              <a:t>Fifth level</a:t>
+            </a:r>
+          </a:p>
+        </p:txBody>
+      </p:sp>
+      <p:sp>
+        <p:nvSpPr>
+          <p:cNvPr id="7" name="Date Placeholder 6"/>
           <p:cNvSpPr>
             <a:spLocks noGrp="1"/>
           </p:cNvSpPr>
@@ -1857,9 +1771,9 @@
           <a:bodyPr/>
           <a:lstStyle/>
           <a:p>
-            <a:fld id="{6E69947A-EF42-4931-A170-4AC3F012DA2C}" type="datetimeFigureOut">
+            <a:fld id="{5BCAD085-E8A6-8845-BD4E-CB4CCA059FC4}" type="datetimeFigureOut">
               <a:rPr lang="en-US" smtClean="0"/>
-              <a:t>6/1/2025</a:t>
+              <a:t>6/2/2025</a:t>
             </a:fld>
             <a:endParaRPr lang="en-US"/>
           </a:p>
@@ -1867,13 +1781,7 @@
       </p:sp>
       <p:sp>
         <p:nvSpPr>
-          <p:cNvPr id="8" name="Місце для нижнього колонтитула 7">
-            <a:extLst>
-              <a:ext uri="{FF2B5EF4-FFF2-40B4-BE49-F238E27FC236}">
-                <a16:creationId xmlns:a16="http://schemas.microsoft.com/office/drawing/2014/main" id="{4A3906AF-F342-C977-0FAC-468114C87011}"/>
-              </a:ext>
-            </a:extLst>
-          </p:cNvPr>
+          <p:cNvPr id="8" name="Footer Placeholder 7"/>
           <p:cNvSpPr>
             <a:spLocks noGrp="1"/>
           </p:cNvSpPr>
@@ -1892,13 +1800,7 @@
       </p:sp>
       <p:sp>
         <p:nvSpPr>
-          <p:cNvPr id="9" name="Місце для номера слайда 8">
-            <a:extLst>
-              <a:ext uri="{FF2B5EF4-FFF2-40B4-BE49-F238E27FC236}">
-                <a16:creationId xmlns:a16="http://schemas.microsoft.com/office/drawing/2014/main" id="{72497D9D-9131-034F-83B0-A54D58063554}"/>
-              </a:ext>
-            </a:extLst>
-          </p:cNvPr>
+          <p:cNvPr id="9" name="Slide Number Placeholder 8"/>
           <p:cNvSpPr>
             <a:spLocks noGrp="1"/>
           </p:cNvSpPr>
@@ -1911,7 +1813,7 @@
           <a:bodyPr/>
           <a:lstStyle/>
           <a:p>
-            <a:fld id="{EF5F5AF1-9EFB-44E5-B679-0B3BA2C10A2C}" type="slidenum">
+            <a:fld id="{C1FF6DA9-008F-8B48-92A6-B652298478BF}" type="slidenum">
               <a:rPr lang="en-US" smtClean="0"/>
               <a:t>‹№›</a:t>
             </a:fld>
@@ -1922,7 +1824,7 @@
     </p:spTree>
     <p:extLst>
       <p:ext uri="{BB962C8B-B14F-4D97-AF65-F5344CB8AC3E}">
-        <p14:creationId xmlns:p14="http://schemas.microsoft.com/office/powerpoint/2010/main" val="1196705340"/>
+        <p14:creationId xmlns:p14="http://schemas.microsoft.com/office/powerpoint/2010/main" val="990158736"/>
       </p:ext>
     </p:extLst>
   </p:cSld>
@@ -1934,7 +1836,7 @@
 
 <file path=ppt/slideLayouts/slideLayout6.xml><?xml version="1.0" encoding="utf-8"?>
 <p:sldLayout xmlns:a="http://schemas.openxmlformats.org/drawingml/2006/main" xmlns:r="http://schemas.openxmlformats.org/officeDocument/2006/relationships" xmlns:p="http://schemas.openxmlformats.org/presentationml/2006/main" type="titleOnly" preserve="1">
-  <p:cSld name="Лише заголовок">
+  <p:cSld name="Title Only">
     <p:spTree>
       <p:nvGrpSpPr>
         <p:cNvPr id="1" name=""/>
@@ -1951,13 +1853,7 @@
       </p:grpSpPr>
       <p:sp>
         <p:nvSpPr>
-          <p:cNvPr id="2" name="Заголовок 1">
-            <a:extLst>
-              <a:ext uri="{FF2B5EF4-FFF2-40B4-BE49-F238E27FC236}">
-                <a16:creationId xmlns:a16="http://schemas.microsoft.com/office/drawing/2014/main" id="{781B4267-B9E1-2D54-9B44-D24DB18B3E4D}"/>
-              </a:ext>
-            </a:extLst>
-          </p:cNvPr>
+          <p:cNvPr id="2" name="Title 1"/>
           <p:cNvSpPr>
             <a:spLocks noGrp="1"/>
           </p:cNvSpPr>
@@ -1971,22 +1867,15 @@
           <a:lstStyle/>
           <a:p>
             <a:r>
-              <a:rPr lang="uk-UA"/>
-              <a:t>Клацніть, щоб редагувати стиль зразка заголовка</a:t>
-            </a:r>
-            <a:endParaRPr lang="en-US"/>
-          </a:p>
-        </p:txBody>
-      </p:sp>
-      <p:sp>
-        <p:nvSpPr>
-          <p:cNvPr id="3" name="Місце для дати 2">
-            <a:extLst>
-              <a:ext uri="{FF2B5EF4-FFF2-40B4-BE49-F238E27FC236}">
-                <a16:creationId xmlns:a16="http://schemas.microsoft.com/office/drawing/2014/main" id="{CEBBCBD6-601A-F301-0FCE-F4EAC2C2422E}"/>
-              </a:ext>
-            </a:extLst>
-          </p:cNvPr>
+              <a:rPr lang="en-US"/>
+              <a:t>Click to edit Master title style</a:t>
+            </a:r>
+          </a:p>
+        </p:txBody>
+      </p:sp>
+      <p:sp>
+        <p:nvSpPr>
+          <p:cNvPr id="3" name="Date Placeholder 2"/>
           <p:cNvSpPr>
             <a:spLocks noGrp="1"/>
           </p:cNvSpPr>
@@ -1999,9 +1888,9 @@
           <a:bodyPr/>
           <a:lstStyle/>
           <a:p>
-            <a:fld id="{6E69947A-EF42-4931-A170-4AC3F012DA2C}" type="datetimeFigureOut">
+            <a:fld id="{5BCAD085-E8A6-8845-BD4E-CB4CCA059FC4}" type="datetimeFigureOut">
               <a:rPr lang="en-US" smtClean="0"/>
-              <a:t>6/1/2025</a:t>
+              <a:t>6/2/2025</a:t>
             </a:fld>
             <a:endParaRPr lang="en-US"/>
           </a:p>
@@ -2009,13 +1898,7 @@
       </p:sp>
       <p:sp>
         <p:nvSpPr>
-          <p:cNvPr id="4" name="Місце для нижнього колонтитула 3">
-            <a:extLst>
-              <a:ext uri="{FF2B5EF4-FFF2-40B4-BE49-F238E27FC236}">
-                <a16:creationId xmlns:a16="http://schemas.microsoft.com/office/drawing/2014/main" id="{8D6F8D2B-61B6-80AB-1D93-1F3221515D66}"/>
-              </a:ext>
-            </a:extLst>
-          </p:cNvPr>
+          <p:cNvPr id="4" name="Footer Placeholder 3"/>
           <p:cNvSpPr>
             <a:spLocks noGrp="1"/>
           </p:cNvSpPr>
@@ -2034,13 +1917,7 @@
       </p:sp>
       <p:sp>
         <p:nvSpPr>
-          <p:cNvPr id="5" name="Місце для номера слайда 4">
-            <a:extLst>
-              <a:ext uri="{FF2B5EF4-FFF2-40B4-BE49-F238E27FC236}">
-                <a16:creationId xmlns:a16="http://schemas.microsoft.com/office/drawing/2014/main" id="{135554AF-EA70-ACAE-772A-1BE92319E43F}"/>
-              </a:ext>
-            </a:extLst>
-          </p:cNvPr>
+          <p:cNvPr id="5" name="Slide Number Placeholder 4"/>
           <p:cNvSpPr>
             <a:spLocks noGrp="1"/>
           </p:cNvSpPr>
@@ -2053,7 +1930,7 @@
           <a:bodyPr/>
           <a:lstStyle/>
           <a:p>
-            <a:fld id="{EF5F5AF1-9EFB-44E5-B679-0B3BA2C10A2C}" type="slidenum">
+            <a:fld id="{C1FF6DA9-008F-8B48-92A6-B652298478BF}" type="slidenum">
               <a:rPr lang="en-US" smtClean="0"/>
               <a:t>‹№›</a:t>
             </a:fld>
@@ -2064,7 +1941,7 @@
     </p:spTree>
     <p:extLst>
       <p:ext uri="{BB962C8B-B14F-4D97-AF65-F5344CB8AC3E}">
-        <p14:creationId xmlns:p14="http://schemas.microsoft.com/office/powerpoint/2010/main" val="3827254640"/>
+        <p14:creationId xmlns:p14="http://schemas.microsoft.com/office/powerpoint/2010/main" val="727027711"/>
       </p:ext>
     </p:extLst>
   </p:cSld>
@@ -2076,7 +1953,7 @@
 
 <file path=ppt/slideLayouts/slideLayout7.xml><?xml version="1.0" encoding="utf-8"?>
 <p:sldLayout xmlns:a="http://schemas.openxmlformats.org/drawingml/2006/main" xmlns:r="http://schemas.openxmlformats.org/officeDocument/2006/relationships" xmlns:p="http://schemas.openxmlformats.org/presentationml/2006/main" type="blank" preserve="1">
-  <p:cSld name="Пустий слайд">
+  <p:cSld name="Blank">
     <p:spTree>
       <p:nvGrpSpPr>
         <p:cNvPr id="1" name=""/>
@@ -2093,13 +1970,7 @@
       </p:grpSpPr>
       <p:sp>
         <p:nvSpPr>
-          <p:cNvPr id="2" name="Місце для дати 1">
-            <a:extLst>
-              <a:ext uri="{FF2B5EF4-FFF2-40B4-BE49-F238E27FC236}">
-                <a16:creationId xmlns:a16="http://schemas.microsoft.com/office/drawing/2014/main" id="{526020CF-EC53-EA2E-41FD-7CCD5F40B02A}"/>
-              </a:ext>
-            </a:extLst>
-          </p:cNvPr>
+          <p:cNvPr id="2" name="Date Placeholder 1"/>
           <p:cNvSpPr>
             <a:spLocks noGrp="1"/>
           </p:cNvSpPr>
@@ -2112,9 +1983,9 @@
           <a:bodyPr/>
           <a:lstStyle/>
           <a:p>
-            <a:fld id="{6E69947A-EF42-4931-A170-4AC3F012DA2C}" type="datetimeFigureOut">
+            <a:fld id="{5BCAD085-E8A6-8845-BD4E-CB4CCA059FC4}" type="datetimeFigureOut">
               <a:rPr lang="en-US" smtClean="0"/>
-              <a:t>6/1/2025</a:t>
+              <a:t>6/2/2025</a:t>
             </a:fld>
             <a:endParaRPr lang="en-US"/>
           </a:p>
@@ -2122,13 +1993,7 @@
       </p:sp>
       <p:sp>
         <p:nvSpPr>
-          <p:cNvPr id="3" name="Місце для нижнього колонтитула 2">
-            <a:extLst>
-              <a:ext uri="{FF2B5EF4-FFF2-40B4-BE49-F238E27FC236}">
-                <a16:creationId xmlns:a16="http://schemas.microsoft.com/office/drawing/2014/main" id="{929D8B08-916B-ED4E-2E8F-3970C8B8D2F5}"/>
-              </a:ext>
-            </a:extLst>
-          </p:cNvPr>
+          <p:cNvPr id="3" name="Footer Placeholder 2"/>
           <p:cNvSpPr>
             <a:spLocks noGrp="1"/>
           </p:cNvSpPr>
@@ -2147,13 +2012,7 @@
       </p:sp>
       <p:sp>
         <p:nvSpPr>
-          <p:cNvPr id="4" name="Місце для номера слайда 3">
-            <a:extLst>
-              <a:ext uri="{FF2B5EF4-FFF2-40B4-BE49-F238E27FC236}">
-                <a16:creationId xmlns:a16="http://schemas.microsoft.com/office/drawing/2014/main" id="{F95FB5DC-3F64-29CF-E819-AC1D8C51903C}"/>
-              </a:ext>
-            </a:extLst>
-          </p:cNvPr>
+          <p:cNvPr id="4" name="Slide Number Placeholder 3"/>
           <p:cNvSpPr>
             <a:spLocks noGrp="1"/>
           </p:cNvSpPr>
@@ -2166,7 +2025,7 @@
           <a:bodyPr/>
           <a:lstStyle/>
           <a:p>
-            <a:fld id="{EF5F5AF1-9EFB-44E5-B679-0B3BA2C10A2C}" type="slidenum">
+            <a:fld id="{C1FF6DA9-008F-8B48-92A6-B652298478BF}" type="slidenum">
               <a:rPr lang="en-US" smtClean="0"/>
               <a:t>‹№›</a:t>
             </a:fld>
@@ -2177,7 +2036,7 @@
     </p:spTree>
     <p:extLst>
       <p:ext uri="{BB962C8B-B14F-4D97-AF65-F5344CB8AC3E}">
-        <p14:creationId xmlns:p14="http://schemas.microsoft.com/office/powerpoint/2010/main" val="365782518"/>
+        <p14:creationId xmlns:p14="http://schemas.microsoft.com/office/powerpoint/2010/main" val="1212999818"/>
       </p:ext>
     </p:extLst>
   </p:cSld>
@@ -2189,7 +2048,7 @@
 
 <file path=ppt/slideLayouts/slideLayout8.xml><?xml version="1.0" encoding="utf-8"?>
 <p:sldLayout xmlns:a="http://schemas.openxmlformats.org/drawingml/2006/main" xmlns:r="http://schemas.openxmlformats.org/officeDocument/2006/relationships" xmlns:p="http://schemas.openxmlformats.org/presentationml/2006/main" type="objTx" preserve="1">
-  <p:cSld name="Вміст і підпис">
+  <p:cSld name="Content with Caption">
     <p:spTree>
       <p:nvGrpSpPr>
         <p:cNvPr id="1" name=""/>
@@ -2206,13 +2065,7 @@
       </p:grpSpPr>
       <p:sp>
         <p:nvSpPr>
-          <p:cNvPr id="2" name="Заголовок 1">
-            <a:extLst>
-              <a:ext uri="{FF2B5EF4-FFF2-40B4-BE49-F238E27FC236}">
-                <a16:creationId xmlns:a16="http://schemas.microsoft.com/office/drawing/2014/main" id="{18780A21-E207-A67C-DA57-581314A4EB44}"/>
-              </a:ext>
-            </a:extLst>
-          </p:cNvPr>
+          <p:cNvPr id="2" name="Title 1"/>
           <p:cNvSpPr>
             <a:spLocks noGrp="1"/>
           </p:cNvSpPr>
@@ -2222,35 +2075,28 @@
         </p:nvSpPr>
         <p:spPr>
           <a:xfrm>
-            <a:off x="839788" y="457200"/>
-            <a:ext cx="3932237" cy="1600200"/>
+            <a:off x="457200" y="273050"/>
+            <a:ext cx="3008313" cy="1162050"/>
           </a:xfrm>
         </p:spPr>
         <p:txBody>
           <a:bodyPr anchor="b"/>
           <a:lstStyle>
-            <a:lvl1pPr>
-              <a:defRPr sz="3200"/>
+            <a:lvl1pPr algn="l">
+              <a:defRPr sz="2000" b="1"/>
             </a:lvl1pPr>
           </a:lstStyle>
           <a:p>
             <a:r>
-              <a:rPr lang="uk-UA"/>
-              <a:t>Клацніть, щоб редагувати стиль зразка заголовка</a:t>
-            </a:r>
-            <a:endParaRPr lang="en-US"/>
-          </a:p>
-        </p:txBody>
-      </p:sp>
-      <p:sp>
-        <p:nvSpPr>
-          <p:cNvPr id="3" name="Місце для вмісту 2">
-            <a:extLst>
-              <a:ext uri="{FF2B5EF4-FFF2-40B4-BE49-F238E27FC236}">
-                <a16:creationId xmlns:a16="http://schemas.microsoft.com/office/drawing/2014/main" id="{9DF5B9CC-05FB-DD42-EF4F-62361BEE4D90}"/>
-              </a:ext>
-            </a:extLst>
-          </p:cNvPr>
+              <a:rPr lang="en-US"/>
+              <a:t>Click to edit Master title style</a:t>
+            </a:r>
+          </a:p>
+        </p:txBody>
+      </p:sp>
+      <p:sp>
+        <p:nvSpPr>
+          <p:cNvPr id="3" name="Content Placeholder 2"/>
           <p:cNvSpPr>
             <a:spLocks noGrp="1"/>
           </p:cNvSpPr>
@@ -2260,8 +2106,8 @@
         </p:nvSpPr>
         <p:spPr>
           <a:xfrm>
-            <a:off x="5183188" y="987425"/>
-            <a:ext cx="6172200" cy="4873625"/>
+            <a:off x="3575050" y="273050"/>
+            <a:ext cx="5111750" cy="5853113"/>
           </a:xfrm>
         </p:spPr>
         <p:txBody>
@@ -2298,50 +2144,43 @@
           <a:p>
             <a:pPr lvl="0"/>
             <a:r>
-              <a:rPr lang="uk-UA"/>
-              <a:t>Клацніть, щоб відредагувати стилі зразків тексту</a:t>
+              <a:rPr lang="en-US"/>
+              <a:t>Click to edit Master text styles</a:t>
             </a:r>
           </a:p>
           <a:p>
             <a:pPr lvl="1"/>
             <a:r>
-              <a:rPr lang="uk-UA"/>
-              <a:t>Другий рівень</a:t>
+              <a:rPr lang="en-US"/>
+              <a:t>Second level</a:t>
             </a:r>
           </a:p>
           <a:p>
             <a:pPr lvl="2"/>
             <a:r>
-              <a:rPr lang="uk-UA"/>
-              <a:t>Третій рівень</a:t>
+              <a:rPr lang="en-US"/>
+              <a:t>Third level</a:t>
             </a:r>
           </a:p>
           <a:p>
             <a:pPr lvl="3"/>
             <a:r>
-              <a:rPr lang="uk-UA"/>
-              <a:t>Четвертий рівень</a:t>
+              <a:rPr lang="en-US"/>
+              <a:t>Fourth level</a:t>
             </a:r>
           </a:p>
           <a:p>
             <a:pPr lvl="4"/>
             <a:r>
-              <a:rPr lang="uk-UA"/>
-              <a:t>П’ятий рівень</a:t>
-            </a:r>
-            <a:endParaRPr lang="en-US"/>
-          </a:p>
-        </p:txBody>
-      </p:sp>
-      <p:sp>
-        <p:nvSpPr>
-          <p:cNvPr id="4" name="Місце для тексту 3">
-            <a:extLst>
-              <a:ext uri="{FF2B5EF4-FFF2-40B4-BE49-F238E27FC236}">
-                <a16:creationId xmlns:a16="http://schemas.microsoft.com/office/drawing/2014/main" id="{A0B8CA82-DAEB-DBFD-80E7-67A13A7CABE0}"/>
-              </a:ext>
-            </a:extLst>
-          </p:cNvPr>
+              <a:rPr lang="en-US"/>
+              <a:t>Fifth level</a:t>
+            </a:r>
+          </a:p>
+        </p:txBody>
+      </p:sp>
+      <p:sp>
+        <p:nvSpPr>
+          <p:cNvPr id="4" name="Text Placeholder 3"/>
           <p:cNvSpPr>
             <a:spLocks noGrp="1"/>
           </p:cNvSpPr>
@@ -2351,8 +2190,8 @@
         </p:nvSpPr>
         <p:spPr>
           <a:xfrm>
-            <a:off x="839788" y="2057400"/>
-            <a:ext cx="3932237" cy="3811588"/>
+            <a:off x="457200" y="1435100"/>
+            <a:ext cx="3008313" cy="4691063"/>
           </a:xfrm>
         </p:spPr>
         <p:txBody>
@@ -2360,59 +2199,53 @@
           <a:lstStyle>
             <a:lvl1pPr marL="0" indent="0">
               <a:buNone/>
-              <a:defRPr sz="1600"/>
+              <a:defRPr sz="1400"/>
             </a:lvl1pPr>
             <a:lvl2pPr marL="457200" indent="0">
               <a:buNone/>
-              <a:defRPr sz="1400"/>
+              <a:defRPr sz="1200"/>
             </a:lvl2pPr>
             <a:lvl3pPr marL="914400" indent="0">
               <a:buNone/>
-              <a:defRPr sz="1200"/>
+              <a:defRPr sz="1000"/>
             </a:lvl3pPr>
             <a:lvl4pPr marL="1371600" indent="0">
               <a:buNone/>
-              <a:defRPr sz="1000"/>
+              <a:defRPr sz="900"/>
             </a:lvl4pPr>
             <a:lvl5pPr marL="1828800" indent="0">
               <a:buNone/>
-              <a:defRPr sz="1000"/>
+              <a:defRPr sz="900"/>
             </a:lvl5pPr>
             <a:lvl6pPr marL="2286000" indent="0">
               <a:buNone/>
-              <a:defRPr sz="1000"/>
+              <a:defRPr sz="900"/>
             </a:lvl6pPr>
             <a:lvl7pPr marL="2743200" indent="0">
               <a:buNone/>
-              <a:defRPr sz="1000"/>
+              <a:defRPr sz="900"/>
             </a:lvl7pPr>
             <a:lvl8pPr marL="3200400" indent="0">
               <a:buNone/>
-              <a:defRPr sz="1000"/>
+              <a:defRPr sz="900"/>
             </a:lvl8pPr>
             <a:lvl9pPr marL="3657600" indent="0">
               <a:buNone/>
-              <a:defRPr sz="1000"/>
+              <a:defRPr sz="900"/>
             </a:lvl9pPr>
           </a:lstStyle>
           <a:p>
             <a:pPr lvl="0"/>
             <a:r>
-              <a:rPr lang="uk-UA"/>
-              <a:t>Клацніть, щоб відредагувати стилі зразків тексту</a:t>
-            </a:r>
-          </a:p>
-        </p:txBody>
-      </p:sp>
-      <p:sp>
-        <p:nvSpPr>
-          <p:cNvPr id="5" name="Місце для дати 4">
-            <a:extLst>
-              <a:ext uri="{FF2B5EF4-FFF2-40B4-BE49-F238E27FC236}">
-                <a16:creationId xmlns:a16="http://schemas.microsoft.com/office/drawing/2014/main" id="{814F5C15-90F5-ED52-35AA-D6A0257FF50D}"/>
-              </a:ext>
-            </a:extLst>
-          </p:cNvPr>
+              <a:rPr lang="en-US"/>
+              <a:t>Click to edit Master text styles</a:t>
+            </a:r>
+          </a:p>
+        </p:txBody>
+      </p:sp>
+      <p:sp>
+        <p:nvSpPr>
+          <p:cNvPr id="5" name="Date Placeholder 4"/>
           <p:cNvSpPr>
             <a:spLocks noGrp="1"/>
           </p:cNvSpPr>
@@ -2425,9 +2258,9 @@
           <a:bodyPr/>
           <a:lstStyle/>
           <a:p>
-            <a:fld id="{6E69947A-EF42-4931-A170-4AC3F012DA2C}" type="datetimeFigureOut">
+            <a:fld id="{5BCAD085-E8A6-8845-BD4E-CB4CCA059FC4}" type="datetimeFigureOut">
               <a:rPr lang="en-US" smtClean="0"/>
-              <a:t>6/1/2025</a:t>
+              <a:t>6/2/2025</a:t>
             </a:fld>
             <a:endParaRPr lang="en-US"/>
           </a:p>
@@ -2435,13 +2268,7 @@
       </p:sp>
       <p:sp>
         <p:nvSpPr>
-          <p:cNvPr id="6" name="Місце для нижнього колонтитула 5">
-            <a:extLst>
-              <a:ext uri="{FF2B5EF4-FFF2-40B4-BE49-F238E27FC236}">
-                <a16:creationId xmlns:a16="http://schemas.microsoft.com/office/drawing/2014/main" id="{46EF637D-61CB-C440-3DDE-F23C13AC694C}"/>
-              </a:ext>
-            </a:extLst>
-          </p:cNvPr>
+          <p:cNvPr id="6" name="Footer Placeholder 5"/>
           <p:cNvSpPr>
             <a:spLocks noGrp="1"/>
           </p:cNvSpPr>
@@ -2460,13 +2287,7 @@
       </p:sp>
       <p:sp>
         <p:nvSpPr>
-          <p:cNvPr id="7" name="Місце для номера слайда 6">
-            <a:extLst>
-              <a:ext uri="{FF2B5EF4-FFF2-40B4-BE49-F238E27FC236}">
-                <a16:creationId xmlns:a16="http://schemas.microsoft.com/office/drawing/2014/main" id="{C0575EF3-4C82-4659-4320-152EF7788BAC}"/>
-              </a:ext>
-            </a:extLst>
-          </p:cNvPr>
+          <p:cNvPr id="7" name="Slide Number Placeholder 6"/>
           <p:cNvSpPr>
             <a:spLocks noGrp="1"/>
           </p:cNvSpPr>
@@ -2479,7 +2300,7 @@
           <a:bodyPr/>
           <a:lstStyle/>
           <a:p>
-            <a:fld id="{EF5F5AF1-9EFB-44E5-B679-0B3BA2C10A2C}" type="slidenum">
+            <a:fld id="{C1FF6DA9-008F-8B48-92A6-B652298478BF}" type="slidenum">
               <a:rPr lang="en-US" smtClean="0"/>
               <a:t>‹№›</a:t>
             </a:fld>
@@ -2490,7 +2311,7 @@
     </p:spTree>
     <p:extLst>
       <p:ext uri="{BB962C8B-B14F-4D97-AF65-F5344CB8AC3E}">
-        <p14:creationId xmlns:p14="http://schemas.microsoft.com/office/powerpoint/2010/main" val="3563800145"/>
+        <p14:creationId xmlns:p14="http://schemas.microsoft.com/office/powerpoint/2010/main" val="1840726560"/>
       </p:ext>
     </p:extLst>
   </p:cSld>
@@ -2502,7 +2323,7 @@
 
 <file path=ppt/slideLayouts/slideLayout9.xml><?xml version="1.0" encoding="utf-8"?>
 <p:sldLayout xmlns:a="http://schemas.openxmlformats.org/drawingml/2006/main" xmlns:r="http://schemas.openxmlformats.org/officeDocument/2006/relationships" xmlns:p="http://schemas.openxmlformats.org/presentationml/2006/main" type="picTx" preserve="1">
-  <p:cSld name="Рисунок і підпис">
+  <p:cSld name="Picture with Caption">
     <p:spTree>
       <p:nvGrpSpPr>
         <p:cNvPr id="1" name=""/>
@@ -2519,13 +2340,7 @@
       </p:grpSpPr>
       <p:sp>
         <p:nvSpPr>
-          <p:cNvPr id="2" name="Заголовок 1">
-            <a:extLst>
-              <a:ext uri="{FF2B5EF4-FFF2-40B4-BE49-F238E27FC236}">
-                <a16:creationId xmlns:a16="http://schemas.microsoft.com/office/drawing/2014/main" id="{DBC0A0B7-EF55-D6DB-3726-A2F0C3CFE014}"/>
-              </a:ext>
-            </a:extLst>
-          </p:cNvPr>
+          <p:cNvPr id="2" name="Title 1"/>
           <p:cNvSpPr>
             <a:spLocks noGrp="1"/>
           </p:cNvSpPr>
@@ -2535,35 +2350,28 @@
         </p:nvSpPr>
         <p:spPr>
           <a:xfrm>
-            <a:off x="839788" y="457200"/>
-            <a:ext cx="3932237" cy="1600200"/>
+            <a:off x="1792288" y="4800600"/>
+            <a:ext cx="5486400" cy="566738"/>
           </a:xfrm>
         </p:spPr>
         <p:txBody>
           <a:bodyPr anchor="b"/>
           <a:lstStyle>
-            <a:lvl1pPr>
-              <a:defRPr sz="3200"/>
+            <a:lvl1pPr algn="l">
+              <a:defRPr sz="2000" b="1"/>
             </a:lvl1pPr>
           </a:lstStyle>
           <a:p>
             <a:r>
-              <a:rPr lang="uk-UA"/>
-              <a:t>Клацніть, щоб редагувати стиль зразка заголовка</a:t>
-            </a:r>
-            <a:endParaRPr lang="en-US"/>
-          </a:p>
-        </p:txBody>
-      </p:sp>
-      <p:sp>
-        <p:nvSpPr>
-          <p:cNvPr id="3" name="Місце для зображення 2">
-            <a:extLst>
-              <a:ext uri="{FF2B5EF4-FFF2-40B4-BE49-F238E27FC236}">
-                <a16:creationId xmlns:a16="http://schemas.microsoft.com/office/drawing/2014/main" id="{E198EC7C-CD27-A5A4-7BE2-748438639C81}"/>
-              </a:ext>
-            </a:extLst>
-          </p:cNvPr>
+              <a:rPr lang="en-US"/>
+              <a:t>Click to edit Master title style</a:t>
+            </a:r>
+          </a:p>
+        </p:txBody>
+      </p:sp>
+      <p:sp>
+        <p:nvSpPr>
+          <p:cNvPr id="3" name="Picture Placeholder 2"/>
           <p:cNvSpPr>
             <a:spLocks noGrp="1"/>
           </p:cNvSpPr>
@@ -2573,8 +2381,8 @@
         </p:nvSpPr>
         <p:spPr>
           <a:xfrm>
-            <a:off x="5183188" y="987425"/>
-            <a:ext cx="6172200" cy="4873625"/>
+            <a:off x="1792288" y="612775"/>
+            <a:ext cx="5486400" cy="4114800"/>
           </a:xfrm>
         </p:spPr>
         <p:txBody>
@@ -2624,13 +2432,7 @@
       </p:sp>
       <p:sp>
         <p:nvSpPr>
-          <p:cNvPr id="4" name="Місце для тексту 3">
-            <a:extLst>
-              <a:ext uri="{FF2B5EF4-FFF2-40B4-BE49-F238E27FC236}">
-                <a16:creationId xmlns:a16="http://schemas.microsoft.com/office/drawing/2014/main" id="{BDDDC325-0677-9451-3533-949468D2EACC}"/>
-              </a:ext>
-            </a:extLst>
-          </p:cNvPr>
+          <p:cNvPr id="4" name="Text Placeholder 3"/>
           <p:cNvSpPr>
             <a:spLocks noGrp="1"/>
           </p:cNvSpPr>
@@ -2640,8 +2442,8 @@
         </p:nvSpPr>
         <p:spPr>
           <a:xfrm>
-            <a:off x="839788" y="2057400"/>
-            <a:ext cx="3932237" cy="3811588"/>
+            <a:off x="1792288" y="5367338"/>
+            <a:ext cx="5486400" cy="804862"/>
           </a:xfrm>
         </p:spPr>
         <p:txBody>
@@ -2649,59 +2451,53 @@
           <a:lstStyle>
             <a:lvl1pPr marL="0" indent="0">
               <a:buNone/>
-              <a:defRPr sz="1600"/>
+              <a:defRPr sz="1400"/>
             </a:lvl1pPr>
             <a:lvl2pPr marL="457200" indent="0">
               <a:buNone/>
-              <a:defRPr sz="1400"/>
+              <a:defRPr sz="1200"/>
             </a:lvl2pPr>
             <a:lvl3pPr marL="914400" indent="0">
               <a:buNone/>
-              <a:defRPr sz="1200"/>
+              <a:defRPr sz="1000"/>
             </a:lvl3pPr>
             <a:lvl4pPr marL="1371600" indent="0">
               <a:buNone/>
-              <a:defRPr sz="1000"/>
+              <a:defRPr sz="900"/>
             </a:lvl4pPr>
             <a:lvl5pPr marL="1828800" indent="0">
               <a:buNone/>
-              <a:defRPr sz="1000"/>
+              <a:defRPr sz="900"/>
             </a:lvl5pPr>
             <a:lvl6pPr marL="2286000" indent="0">
               <a:buNone/>
-              <a:defRPr sz="1000"/>
+              <a:defRPr sz="900"/>
             </a:lvl6pPr>
             <a:lvl7pPr marL="2743200" indent="0">
               <a:buNone/>
-              <a:defRPr sz="1000"/>
+              <a:defRPr sz="900"/>
             </a:lvl7pPr>
             <a:lvl8pPr marL="3200400" indent="0">
               <a:buNone/>
-              <a:defRPr sz="1000"/>
+              <a:defRPr sz="900"/>
             </a:lvl8pPr>
             <a:lvl9pPr marL="3657600" indent="0">
               <a:buNone/>
-              <a:defRPr sz="1000"/>
+              <a:defRPr sz="900"/>
             </a:lvl9pPr>
           </a:lstStyle>
           <a:p>
             <a:pPr lvl="0"/>
             <a:r>
-              <a:rPr lang="uk-UA"/>
-              <a:t>Клацніть, щоб відредагувати стилі зразків тексту</a:t>
-            </a:r>
-          </a:p>
-        </p:txBody>
-      </p:sp>
-      <p:sp>
-        <p:nvSpPr>
-          <p:cNvPr id="5" name="Місце для дати 4">
-            <a:extLst>
-              <a:ext uri="{FF2B5EF4-FFF2-40B4-BE49-F238E27FC236}">
-                <a16:creationId xmlns:a16="http://schemas.microsoft.com/office/drawing/2014/main" id="{ECE077C3-6005-7900-53C0-5512541D182E}"/>
-              </a:ext>
-            </a:extLst>
-          </p:cNvPr>
+              <a:rPr lang="en-US"/>
+              <a:t>Click to edit Master text styles</a:t>
+            </a:r>
+          </a:p>
+        </p:txBody>
+      </p:sp>
+      <p:sp>
+        <p:nvSpPr>
+          <p:cNvPr id="5" name="Date Placeholder 4"/>
           <p:cNvSpPr>
             <a:spLocks noGrp="1"/>
           </p:cNvSpPr>
@@ -2714,9 +2510,9 @@
           <a:bodyPr/>
           <a:lstStyle/>
           <a:p>
-            <a:fld id="{6E69947A-EF42-4931-A170-4AC3F012DA2C}" type="datetimeFigureOut">
+            <a:fld id="{5BCAD085-E8A6-8845-BD4E-CB4CCA059FC4}" type="datetimeFigureOut">
               <a:rPr lang="en-US" smtClean="0"/>
-              <a:t>6/1/2025</a:t>
+              <a:t>6/2/2025</a:t>
             </a:fld>
             <a:endParaRPr lang="en-US"/>
           </a:p>
@@ -2724,13 +2520,7 @@
       </p:sp>
       <p:sp>
         <p:nvSpPr>
-          <p:cNvPr id="6" name="Місце для нижнього колонтитула 5">
-            <a:extLst>
-              <a:ext uri="{FF2B5EF4-FFF2-40B4-BE49-F238E27FC236}">
-                <a16:creationId xmlns:a16="http://schemas.microsoft.com/office/drawing/2014/main" id="{5E4E4F12-C7B8-6146-B103-F54927CEC407}"/>
-              </a:ext>
-            </a:extLst>
-          </p:cNvPr>
+          <p:cNvPr id="6" name="Footer Placeholder 5"/>
           <p:cNvSpPr>
             <a:spLocks noGrp="1"/>
           </p:cNvSpPr>
@@ -2749,13 +2539,7 @@
       </p:sp>
       <p:sp>
         <p:nvSpPr>
-          <p:cNvPr id="7" name="Місце для номера слайда 6">
-            <a:extLst>
-              <a:ext uri="{FF2B5EF4-FFF2-40B4-BE49-F238E27FC236}">
-                <a16:creationId xmlns:a16="http://schemas.microsoft.com/office/drawing/2014/main" id="{31B97F23-74C8-CDE2-3565-C9F092BCF5AC}"/>
-              </a:ext>
-            </a:extLst>
-          </p:cNvPr>
+          <p:cNvPr id="7" name="Slide Number Placeholder 6"/>
           <p:cNvSpPr>
             <a:spLocks noGrp="1"/>
           </p:cNvSpPr>
@@ -2768,7 +2552,7 @@
           <a:bodyPr/>
           <a:lstStyle/>
           <a:p>
-            <a:fld id="{EF5F5AF1-9EFB-44E5-B679-0B3BA2C10A2C}" type="slidenum">
+            <a:fld id="{C1FF6DA9-008F-8B48-92A6-B652298478BF}" type="slidenum">
               <a:rPr lang="en-US" smtClean="0"/>
               <a:t>‹№›</a:t>
             </a:fld>
@@ -2779,7 +2563,7 @@
     </p:spTree>
     <p:extLst>
       <p:ext uri="{BB962C8B-B14F-4D97-AF65-F5344CB8AC3E}">
-        <p14:creationId xmlns:p14="http://schemas.microsoft.com/office/powerpoint/2010/main" val="982387395"/>
+        <p14:creationId xmlns:p14="http://schemas.microsoft.com/office/powerpoint/2010/main" val="3889236939"/>
       </p:ext>
     </p:extLst>
   </p:cSld>
@@ -2813,13 +2597,7 @@
       </p:grpSpPr>
       <p:sp>
         <p:nvSpPr>
-          <p:cNvPr id="2" name="Місце для заголовка 1">
-            <a:extLst>
-              <a:ext uri="{FF2B5EF4-FFF2-40B4-BE49-F238E27FC236}">
-                <a16:creationId xmlns:a16="http://schemas.microsoft.com/office/drawing/2014/main" id="{32EE2FC8-42AF-F1C1-59AB-960FA74C233C}"/>
-              </a:ext>
-            </a:extLst>
-          </p:cNvPr>
+          <p:cNvPr id="2" name="Title Placeholder 1"/>
           <p:cNvSpPr>
             <a:spLocks noGrp="1"/>
           </p:cNvSpPr>
@@ -2829,8 +2607,8 @@
         </p:nvSpPr>
         <p:spPr>
           <a:xfrm>
-            <a:off x="838200" y="365125"/>
-            <a:ext cx="10515600" cy="1325563"/>
+            <a:off x="457200" y="274638"/>
+            <a:ext cx="8229600" cy="1143000"/>
           </a:xfrm>
           <a:prstGeom prst="rect">
             <a:avLst/>
@@ -2843,22 +2621,15 @@
           <a:lstStyle/>
           <a:p>
             <a:r>
-              <a:rPr lang="uk-UA"/>
-              <a:t>Клацніть, щоб редагувати стиль зразка заголовка</a:t>
-            </a:r>
-            <a:endParaRPr lang="en-US"/>
-          </a:p>
-        </p:txBody>
-      </p:sp>
-      <p:sp>
-        <p:nvSpPr>
-          <p:cNvPr id="3" name="Місце для тексту 2">
-            <a:extLst>
-              <a:ext uri="{FF2B5EF4-FFF2-40B4-BE49-F238E27FC236}">
-                <a16:creationId xmlns:a16="http://schemas.microsoft.com/office/drawing/2014/main" id="{8B561EE4-91A5-EFD1-4930-63F6D8E6409B}"/>
-              </a:ext>
-            </a:extLst>
-          </p:cNvPr>
+              <a:rPr lang="en-US"/>
+              <a:t>Click to edit Master title style</a:t>
+            </a:r>
+          </a:p>
+        </p:txBody>
+      </p:sp>
+      <p:sp>
+        <p:nvSpPr>
+          <p:cNvPr id="3" name="Text Placeholder 2"/>
           <p:cNvSpPr>
             <a:spLocks noGrp="1"/>
           </p:cNvSpPr>
@@ -2868,8 +2639,8 @@
         </p:nvSpPr>
         <p:spPr>
           <a:xfrm>
-            <a:off x="838200" y="1825625"/>
-            <a:ext cx="10515600" cy="4351338"/>
+            <a:off x="457200" y="1600200"/>
+            <a:ext cx="8229600" cy="4525963"/>
           </a:xfrm>
           <a:prstGeom prst="rect">
             <a:avLst/>
@@ -2883,50 +2654,43 @@
           <a:p>
             <a:pPr lvl="0"/>
             <a:r>
-              <a:rPr lang="uk-UA"/>
-              <a:t>Клацніть, щоб відредагувати стилі зразків тексту</a:t>
+              <a:rPr lang="en-US"/>
+              <a:t>Click to edit Master text styles</a:t>
             </a:r>
           </a:p>
           <a:p>
             <a:pPr lvl="1"/>
             <a:r>
-              <a:rPr lang="uk-UA"/>
-              <a:t>Другий рівень</a:t>
+              <a:rPr lang="en-US"/>
+              <a:t>Second level</a:t>
             </a:r>
           </a:p>
           <a:p>
             <a:pPr lvl="2"/>
             <a:r>
-              <a:rPr lang="uk-UA"/>
-              <a:t>Третій рівень</a:t>
+              <a:rPr lang="en-US"/>
+              <a:t>Third level</a:t>
             </a:r>
           </a:p>
           <a:p>
             <a:pPr lvl="3"/>
             <a:r>
-              <a:rPr lang="uk-UA"/>
-              <a:t>Четвертий рівень</a:t>
+              <a:rPr lang="en-US"/>
+              <a:t>Fourth level</a:t>
             </a:r>
           </a:p>
           <a:p>
             <a:pPr lvl="4"/>
             <a:r>
-              <a:rPr lang="uk-UA"/>
-              <a:t>П’ятий рівень</a:t>
-            </a:r>
-            <a:endParaRPr lang="en-US"/>
-          </a:p>
-        </p:txBody>
-      </p:sp>
-      <p:sp>
-        <p:nvSpPr>
-          <p:cNvPr id="4" name="Місце для дати 3">
-            <a:extLst>
-              <a:ext uri="{FF2B5EF4-FFF2-40B4-BE49-F238E27FC236}">
-                <a16:creationId xmlns:a16="http://schemas.microsoft.com/office/drawing/2014/main" id="{D6DA0231-F3A7-C473-24B8-25532FAA8B2C}"/>
-              </a:ext>
-            </a:extLst>
-          </p:cNvPr>
+              <a:rPr lang="en-US"/>
+              <a:t>Fifth level</a:t>
+            </a:r>
+          </a:p>
+        </p:txBody>
+      </p:sp>
+      <p:sp>
+        <p:nvSpPr>
+          <p:cNvPr id="4" name="Date Placeholder 3"/>
           <p:cNvSpPr>
             <a:spLocks noGrp="1"/>
           </p:cNvSpPr>
@@ -2936,8 +2700,8 @@
         </p:nvSpPr>
         <p:spPr>
           <a:xfrm>
-            <a:off x="838200" y="6356350"/>
-            <a:ext cx="2743200" cy="365125"/>
+            <a:off x="457200" y="6356350"/>
+            <a:ext cx="2133600" cy="365125"/>
           </a:xfrm>
           <a:prstGeom prst="rect">
             <a:avLst/>
@@ -2950,16 +2714,16 @@
               <a:defRPr sz="1200">
                 <a:solidFill>
                   <a:schemeClr val="tx1">
-                    <a:tint val="82000"/>
+                    <a:tint val="75000"/>
                   </a:schemeClr>
                 </a:solidFill>
               </a:defRPr>
             </a:lvl1pPr>
           </a:lstStyle>
           <a:p>
-            <a:fld id="{6E69947A-EF42-4931-A170-4AC3F012DA2C}" type="datetimeFigureOut">
+            <a:fld id="{5BCAD085-E8A6-8845-BD4E-CB4CCA059FC4}" type="datetimeFigureOut">
               <a:rPr lang="en-US" smtClean="0"/>
-              <a:t>6/1/2025</a:t>
+              <a:t>6/2/2025</a:t>
             </a:fld>
             <a:endParaRPr lang="en-US"/>
           </a:p>
@@ -2967,13 +2731,7 @@
       </p:sp>
       <p:sp>
         <p:nvSpPr>
-          <p:cNvPr id="5" name="Місце для нижнього колонтитула 4">
-            <a:extLst>
-              <a:ext uri="{FF2B5EF4-FFF2-40B4-BE49-F238E27FC236}">
-                <a16:creationId xmlns:a16="http://schemas.microsoft.com/office/drawing/2014/main" id="{961AD408-4B8F-7F1C-4578-C8C63A76DB76}"/>
-              </a:ext>
-            </a:extLst>
-          </p:cNvPr>
+          <p:cNvPr id="5" name="Footer Placeholder 4"/>
           <p:cNvSpPr>
             <a:spLocks noGrp="1"/>
           </p:cNvSpPr>
@@ -2983,8 +2741,8 @@
         </p:nvSpPr>
         <p:spPr>
           <a:xfrm>
-            <a:off x="4038600" y="6356350"/>
-            <a:ext cx="4114800" cy="365125"/>
+            <a:off x="3124200" y="6356350"/>
+            <a:ext cx="2895600" cy="365125"/>
           </a:xfrm>
           <a:prstGeom prst="rect">
             <a:avLst/>
@@ -2997,7 +2755,7 @@
               <a:defRPr sz="1200">
                 <a:solidFill>
                   <a:schemeClr val="tx1">
-                    <a:tint val="82000"/>
+                    <a:tint val="75000"/>
                   </a:schemeClr>
                 </a:solidFill>
               </a:defRPr>
@@ -3010,13 +2768,7 @@
       </p:sp>
       <p:sp>
         <p:nvSpPr>
-          <p:cNvPr id="6" name="Місце для номера слайда 5">
-            <a:extLst>
-              <a:ext uri="{FF2B5EF4-FFF2-40B4-BE49-F238E27FC236}">
-                <a16:creationId xmlns:a16="http://schemas.microsoft.com/office/drawing/2014/main" id="{FB84F546-C600-4B82-DC39-8C34537D6137}"/>
-              </a:ext>
-            </a:extLst>
-          </p:cNvPr>
+          <p:cNvPr id="6" name="Slide Number Placeholder 5"/>
           <p:cNvSpPr>
             <a:spLocks noGrp="1"/>
           </p:cNvSpPr>
@@ -3026,8 +2778,8 @@
         </p:nvSpPr>
         <p:spPr>
           <a:xfrm>
-            <a:off x="8610600" y="6356350"/>
-            <a:ext cx="2743200" cy="365125"/>
+            <a:off x="6553200" y="6356350"/>
+            <a:ext cx="2133600" cy="365125"/>
           </a:xfrm>
           <a:prstGeom prst="rect">
             <a:avLst/>
@@ -3040,14 +2792,14 @@
               <a:defRPr sz="1200">
                 <a:solidFill>
                   <a:schemeClr val="tx1">
-                    <a:tint val="82000"/>
+                    <a:tint val="75000"/>
                   </a:schemeClr>
                 </a:solidFill>
               </a:defRPr>
             </a:lvl1pPr>
           </a:lstStyle>
           <a:p>
-            <a:fld id="{EF5F5AF1-9EFB-44E5-B679-0B3BA2C10A2C}" type="slidenum">
+            <a:fld id="{C1FF6DA9-008F-8B48-92A6-B652298478BF}" type="slidenum">
               <a:rPr lang="en-US" smtClean="0"/>
               <a:t>‹№›</a:t>
             </a:fld>
@@ -3055,57 +2807,10 @@
           </a:p>
         </p:txBody>
       </p:sp>
-      <p:sp>
-        <p:nvSpPr>
-          <p:cNvPr id="8" name="TextBox 7">
-            <a:extLst>
-              <a:ext uri="{FF2B5EF4-FFF2-40B4-BE49-F238E27FC236}">
-                <a16:creationId xmlns:a16="http://schemas.microsoft.com/office/drawing/2014/main" id="{725566BF-F200-90BE-318A-E8090A547E6B}"/>
-              </a:ext>
-            </a:extLst>
-          </p:cNvPr>
-          <p:cNvSpPr txBox="1"/>
-          <p:nvPr userDrawn="1">
-            <p:extLst>
-              <p:ext uri="{1162E1C5-73C7-4A58-AE30-91384D911F3F}">
-                <p184:classification xmlns:p184="http://schemas.microsoft.com/office/powerpoint/2018/4/main" val="hdr"/>
-              </p:ext>
-            </p:extLst>
-          </p:nvPr>
-        </p:nvSpPr>
-        <p:spPr>
-          <a:xfrm>
-            <a:off x="10639425" y="63500"/>
-            <a:ext cx="1517650" cy="152400"/>
-          </a:xfrm>
-          <a:prstGeom prst="rect">
-            <a:avLst/>
-          </a:prstGeom>
-        </p:spPr>
-        <p:txBody>
-          <a:bodyPr horzOverflow="overflow" lIns="0" tIns="0" rIns="0" bIns="0">
-            <a:spAutoFit/>
-          </a:bodyPr>
-          <a:lstStyle/>
-          <a:p>
-            <a:pPr algn="l"/>
-            <a:r>
-              <a:rPr lang="en-US" sz="1000">
-                <a:solidFill>
-                  <a:srgbClr val="000000"/>
-                </a:solidFill>
-                <a:latin typeface="Calibri" panose="020F0502020204030204" pitchFamily="34" charset="0"/>
-                <a:cs typeface="Calibri" panose="020F0502020204030204" pitchFamily="34" charset="0"/>
-              </a:rPr>
-              <a:t>Конфіденційно/Confidential</a:t>
-            </a:r>
-          </a:p>
-        </p:txBody>
-      </p:sp>
     </p:spTree>
     <p:extLst>
       <p:ext uri="{BB962C8B-B14F-4D97-AF65-F5344CB8AC3E}">
-        <p14:creationId xmlns:p14="http://schemas.microsoft.com/office/powerpoint/2010/main" val="2504472008"/>
+        <p14:creationId xmlns:p14="http://schemas.microsoft.com/office/powerpoint/2010/main" val="2209977519"/>
       </p:ext>
     </p:extLst>
   </p:cSld>
@@ -3125,10 +2830,7 @@
   </p:sldLayoutIdLst>
   <p:txStyles>
     <p:titleStyle>
-      <a:lvl1pPr algn="l" defTabSz="914400" rtl="0" eaLnBrk="1" latinLnBrk="0" hangingPunct="1">
-        <a:lnSpc>
-          <a:spcPct val="90000"/>
-        </a:lnSpc>
+      <a:lvl1pPr algn="ctr" defTabSz="457200" rtl="0" eaLnBrk="1" latinLnBrk="0" hangingPunct="1">
         <a:spcBef>
           <a:spcPct val="0"/>
         </a:spcBef>
@@ -3144,15 +2846,27 @@
       </a:lvl1pPr>
     </p:titleStyle>
     <p:bodyStyle>
-      <a:lvl1pPr marL="228600" indent="-228600" algn="l" defTabSz="914400" rtl="0" eaLnBrk="1" latinLnBrk="0" hangingPunct="1">
-        <a:lnSpc>
-          <a:spcPct val="90000"/>
-        </a:lnSpc>
+      <a:lvl1pPr marL="342900" indent="-342900" algn="l" defTabSz="457200" rtl="0" eaLnBrk="1" latinLnBrk="0" hangingPunct="1">
         <a:spcBef>
-          <a:spcPts val="1000"/>
+          <a:spcPct val="20000"/>
         </a:spcBef>
-        <a:buFont typeface="Arial" panose="020B0604020202020204" pitchFamily="34" charset="0"/>
+        <a:buFont typeface="Arial"/>
         <a:buChar char="•"/>
+        <a:defRPr sz="3200" kern="1200">
+          <a:solidFill>
+            <a:schemeClr val="tx1"/>
+          </a:solidFill>
+          <a:latin typeface="+mn-lt"/>
+          <a:ea typeface="+mn-ea"/>
+          <a:cs typeface="+mn-cs"/>
+        </a:defRPr>
+      </a:lvl1pPr>
+      <a:lvl2pPr marL="742950" indent="-285750" algn="l" defTabSz="457200" rtl="0" eaLnBrk="1" latinLnBrk="0" hangingPunct="1">
+        <a:spcBef>
+          <a:spcPct val="20000"/>
+        </a:spcBef>
+        <a:buFont typeface="Arial"/>
+        <a:buChar char="–"/>
         <a:defRPr sz="2800" kern="1200">
           <a:solidFill>
             <a:schemeClr val="tx1"/>
@@ -3161,15 +2875,12 @@
           <a:ea typeface="+mn-ea"/>
           <a:cs typeface="+mn-cs"/>
         </a:defRPr>
-      </a:lvl1pPr>
-      <a:lvl2pPr marL="685800" indent="-228600" algn="l" defTabSz="914400" rtl="0" eaLnBrk="1" latinLnBrk="0" hangingPunct="1">
-        <a:lnSpc>
-          <a:spcPct val="90000"/>
-        </a:lnSpc>
+      </a:lvl2pPr>
+      <a:lvl3pPr marL="1143000" indent="-228600" algn="l" defTabSz="457200" rtl="0" eaLnBrk="1" latinLnBrk="0" hangingPunct="1">
         <a:spcBef>
-          <a:spcPts val="500"/>
+          <a:spcPct val="20000"/>
         </a:spcBef>
-        <a:buFont typeface="Arial" panose="020B0604020202020204" pitchFamily="34" charset="0"/>
+        <a:buFont typeface="Arial"/>
         <a:buChar char="•"/>
         <a:defRPr sz="2400" kern="1200">
           <a:solidFill>
@@ -3179,15 +2890,42 @@
           <a:ea typeface="+mn-ea"/>
           <a:cs typeface="+mn-cs"/>
         </a:defRPr>
-      </a:lvl2pPr>
-      <a:lvl3pPr marL="1143000" indent="-228600" algn="l" defTabSz="914400" rtl="0" eaLnBrk="1" latinLnBrk="0" hangingPunct="1">
-        <a:lnSpc>
-          <a:spcPct val="90000"/>
-        </a:lnSpc>
+      </a:lvl3pPr>
+      <a:lvl4pPr marL="1600200" indent="-228600" algn="l" defTabSz="457200" rtl="0" eaLnBrk="1" latinLnBrk="0" hangingPunct="1">
         <a:spcBef>
-          <a:spcPts val="500"/>
+          <a:spcPct val="20000"/>
         </a:spcBef>
-        <a:buFont typeface="Arial" panose="020B0604020202020204" pitchFamily="34" charset="0"/>
+        <a:buFont typeface="Arial"/>
+        <a:buChar char="–"/>
+        <a:defRPr sz="2000" kern="1200">
+          <a:solidFill>
+            <a:schemeClr val="tx1"/>
+          </a:solidFill>
+          <a:latin typeface="+mn-lt"/>
+          <a:ea typeface="+mn-ea"/>
+          <a:cs typeface="+mn-cs"/>
+        </a:defRPr>
+      </a:lvl4pPr>
+      <a:lvl5pPr marL="2057400" indent="-228600" algn="l" defTabSz="457200" rtl="0" eaLnBrk="1" latinLnBrk="0" hangingPunct="1">
+        <a:spcBef>
+          <a:spcPct val="20000"/>
+        </a:spcBef>
+        <a:buFont typeface="Arial"/>
+        <a:buChar char="»"/>
+        <a:defRPr sz="2000" kern="1200">
+          <a:solidFill>
+            <a:schemeClr val="tx1"/>
+          </a:solidFill>
+          <a:latin typeface="+mn-lt"/>
+          <a:ea typeface="+mn-ea"/>
+          <a:cs typeface="+mn-cs"/>
+        </a:defRPr>
+      </a:lvl5pPr>
+      <a:lvl6pPr marL="2514600" indent="-228600" algn="l" defTabSz="457200" rtl="0" eaLnBrk="1" latinLnBrk="0" hangingPunct="1">
+        <a:spcBef>
+          <a:spcPct val="20000"/>
+        </a:spcBef>
+        <a:buFont typeface="Arial"/>
         <a:buChar char="•"/>
         <a:defRPr sz="2000" kern="1200">
           <a:solidFill>
@@ -3197,71 +2935,14 @@
           <a:ea typeface="+mn-ea"/>
           <a:cs typeface="+mn-cs"/>
         </a:defRPr>
-      </a:lvl3pPr>
-      <a:lvl4pPr marL="1600200" indent="-228600" algn="l" defTabSz="914400" rtl="0" eaLnBrk="1" latinLnBrk="0" hangingPunct="1">
-        <a:lnSpc>
-          <a:spcPct val="90000"/>
-        </a:lnSpc>
+      </a:lvl6pPr>
+      <a:lvl7pPr marL="2971800" indent="-228600" algn="l" defTabSz="457200" rtl="0" eaLnBrk="1" latinLnBrk="0" hangingPunct="1">
         <a:spcBef>
-          <a:spcPts val="500"/>
+          <a:spcPct val="20000"/>
         </a:spcBef>
-        <a:buFont typeface="Arial" panose="020B0604020202020204" pitchFamily="34" charset="0"/>
+        <a:buFont typeface="Arial"/>
         <a:buChar char="•"/>
-        <a:defRPr sz="1800" kern="1200">
-          <a:solidFill>
-            <a:schemeClr val="tx1"/>
-          </a:solidFill>
-          <a:latin typeface="+mn-lt"/>
-          <a:ea typeface="+mn-ea"/>
-          <a:cs typeface="+mn-cs"/>
-        </a:defRPr>
-      </a:lvl4pPr>
-      <a:lvl5pPr marL="2057400" indent="-228600" algn="l" defTabSz="914400" rtl="0" eaLnBrk="1" latinLnBrk="0" hangingPunct="1">
-        <a:lnSpc>
-          <a:spcPct val="90000"/>
-        </a:lnSpc>
-        <a:spcBef>
-          <a:spcPts val="500"/>
-        </a:spcBef>
-        <a:buFont typeface="Arial" panose="020B0604020202020204" pitchFamily="34" charset="0"/>
-        <a:buChar char="•"/>
-        <a:defRPr sz="1800" kern="1200">
-          <a:solidFill>
-            <a:schemeClr val="tx1"/>
-          </a:solidFill>
-          <a:latin typeface="+mn-lt"/>
-          <a:ea typeface="+mn-ea"/>
-          <a:cs typeface="+mn-cs"/>
-        </a:defRPr>
-      </a:lvl5pPr>
-      <a:lvl6pPr marL="2514600" indent="-228600" algn="l" defTabSz="914400" rtl="0" eaLnBrk="1" latinLnBrk="0" hangingPunct="1">
-        <a:lnSpc>
-          <a:spcPct val="90000"/>
-        </a:lnSpc>
-        <a:spcBef>
-          <a:spcPts val="500"/>
-        </a:spcBef>
-        <a:buFont typeface="Arial" panose="020B0604020202020204" pitchFamily="34" charset="0"/>
-        <a:buChar char="•"/>
-        <a:defRPr sz="1800" kern="1200">
-          <a:solidFill>
-            <a:schemeClr val="tx1"/>
-          </a:solidFill>
-          <a:latin typeface="+mn-lt"/>
-          <a:ea typeface="+mn-ea"/>
-          <a:cs typeface="+mn-cs"/>
-        </a:defRPr>
-      </a:lvl6pPr>
-      <a:lvl7pPr marL="2971800" indent="-228600" algn="l" defTabSz="914400" rtl="0" eaLnBrk="1" latinLnBrk="0" hangingPunct="1">
-        <a:lnSpc>
-          <a:spcPct val="90000"/>
-        </a:lnSpc>
-        <a:spcBef>
-          <a:spcPts val="500"/>
-        </a:spcBef>
-        <a:buFont typeface="Arial" panose="020B0604020202020204" pitchFamily="34" charset="0"/>
-        <a:buChar char="•"/>
-        <a:defRPr sz="1800" kern="1200">
+        <a:defRPr sz="2000" kern="1200">
           <a:solidFill>
             <a:schemeClr val="tx1"/>
           </a:solidFill>
@@ -3270,16 +2951,13 @@
           <a:cs typeface="+mn-cs"/>
         </a:defRPr>
       </a:lvl7pPr>
-      <a:lvl8pPr marL="3429000" indent="-228600" algn="l" defTabSz="914400" rtl="0" eaLnBrk="1" latinLnBrk="0" hangingPunct="1">
-        <a:lnSpc>
-          <a:spcPct val="90000"/>
-        </a:lnSpc>
+      <a:lvl8pPr marL="3429000" indent="-228600" algn="l" defTabSz="457200" rtl="0" eaLnBrk="1" latinLnBrk="0" hangingPunct="1">
         <a:spcBef>
-          <a:spcPts val="500"/>
+          <a:spcPct val="20000"/>
         </a:spcBef>
-        <a:buFont typeface="Arial" panose="020B0604020202020204" pitchFamily="34" charset="0"/>
+        <a:buFont typeface="Arial"/>
         <a:buChar char="•"/>
-        <a:defRPr sz="1800" kern="1200">
+        <a:defRPr sz="2000" kern="1200">
           <a:solidFill>
             <a:schemeClr val="tx1"/>
           </a:solidFill>
@@ -3288,16 +2966,13 @@
           <a:cs typeface="+mn-cs"/>
         </a:defRPr>
       </a:lvl8pPr>
-      <a:lvl9pPr marL="3886200" indent="-228600" algn="l" defTabSz="914400" rtl="0" eaLnBrk="1" latinLnBrk="0" hangingPunct="1">
-        <a:lnSpc>
-          <a:spcPct val="90000"/>
-        </a:lnSpc>
+      <a:lvl9pPr marL="3886200" indent="-228600" algn="l" defTabSz="457200" rtl="0" eaLnBrk="1" latinLnBrk="0" hangingPunct="1">
         <a:spcBef>
-          <a:spcPts val="500"/>
+          <a:spcPct val="20000"/>
         </a:spcBef>
-        <a:buFont typeface="Arial" panose="020B0604020202020204" pitchFamily="34" charset="0"/>
+        <a:buFont typeface="Arial"/>
         <a:buChar char="•"/>
-        <a:defRPr sz="1800" kern="1200">
+        <a:defRPr sz="2000" kern="1200">
           <a:solidFill>
             <a:schemeClr val="tx1"/>
           </a:solidFill>
@@ -3309,9 +2984,9 @@
     </p:bodyStyle>
     <p:otherStyle>
       <a:defPPr>
-        <a:defRPr lang="uk-UA"/>
+        <a:defRPr lang="en-US"/>
       </a:defPPr>
-      <a:lvl1pPr marL="0" algn="l" defTabSz="914400" rtl="0" eaLnBrk="1" latinLnBrk="0" hangingPunct="1">
+      <a:lvl1pPr marL="0" algn="l" defTabSz="457200" rtl="0" eaLnBrk="1" latinLnBrk="0" hangingPunct="1">
         <a:defRPr sz="1800" kern="1200">
           <a:solidFill>
             <a:schemeClr val="tx1"/>
@@ -3321,7 +2996,7 @@
           <a:cs typeface="+mn-cs"/>
         </a:defRPr>
       </a:lvl1pPr>
-      <a:lvl2pPr marL="457200" algn="l" defTabSz="914400" rtl="0" eaLnBrk="1" latinLnBrk="0" hangingPunct="1">
+      <a:lvl2pPr marL="457200" algn="l" defTabSz="457200" rtl="0" eaLnBrk="1" latinLnBrk="0" hangingPunct="1">
         <a:defRPr sz="1800" kern="1200">
           <a:solidFill>
             <a:schemeClr val="tx1"/>
@@ -3331,7 +3006,7 @@
           <a:cs typeface="+mn-cs"/>
         </a:defRPr>
       </a:lvl2pPr>
-      <a:lvl3pPr marL="914400" algn="l" defTabSz="914400" rtl="0" eaLnBrk="1" latinLnBrk="0" hangingPunct="1">
+      <a:lvl3pPr marL="914400" algn="l" defTabSz="457200" rtl="0" eaLnBrk="1" latinLnBrk="0" hangingPunct="1">
         <a:defRPr sz="1800" kern="1200">
           <a:solidFill>
             <a:schemeClr val="tx1"/>
@@ -3341,7 +3016,7 @@
           <a:cs typeface="+mn-cs"/>
         </a:defRPr>
       </a:lvl3pPr>
-      <a:lvl4pPr marL="1371600" algn="l" defTabSz="914400" rtl="0" eaLnBrk="1" latinLnBrk="0" hangingPunct="1">
+      <a:lvl4pPr marL="1371600" algn="l" defTabSz="457200" rtl="0" eaLnBrk="1" latinLnBrk="0" hangingPunct="1">
         <a:defRPr sz="1800" kern="1200">
           <a:solidFill>
             <a:schemeClr val="tx1"/>
@@ -3351,7 +3026,7 @@
           <a:cs typeface="+mn-cs"/>
         </a:defRPr>
       </a:lvl4pPr>
-      <a:lvl5pPr marL="1828800" algn="l" defTabSz="914400" rtl="0" eaLnBrk="1" latinLnBrk="0" hangingPunct="1">
+      <a:lvl5pPr marL="1828800" algn="l" defTabSz="457200" rtl="0" eaLnBrk="1" latinLnBrk="0" hangingPunct="1">
         <a:defRPr sz="1800" kern="1200">
           <a:solidFill>
             <a:schemeClr val="tx1"/>
@@ -3361,7 +3036,7 @@
           <a:cs typeface="+mn-cs"/>
         </a:defRPr>
       </a:lvl5pPr>
-      <a:lvl6pPr marL="2286000" algn="l" defTabSz="914400" rtl="0" eaLnBrk="1" latinLnBrk="0" hangingPunct="1">
+      <a:lvl6pPr marL="2286000" algn="l" defTabSz="457200" rtl="0" eaLnBrk="1" latinLnBrk="0" hangingPunct="1">
         <a:defRPr sz="1800" kern="1200">
           <a:solidFill>
             <a:schemeClr val="tx1"/>
@@ -3371,7 +3046,7 @@
           <a:cs typeface="+mn-cs"/>
         </a:defRPr>
       </a:lvl6pPr>
-      <a:lvl7pPr marL="2743200" algn="l" defTabSz="914400" rtl="0" eaLnBrk="1" latinLnBrk="0" hangingPunct="1">
+      <a:lvl7pPr marL="2743200" algn="l" defTabSz="457200" rtl="0" eaLnBrk="1" latinLnBrk="0" hangingPunct="1">
         <a:defRPr sz="1800" kern="1200">
           <a:solidFill>
             <a:schemeClr val="tx1"/>
@@ -3381,7 +3056,7 @@
           <a:cs typeface="+mn-cs"/>
         </a:defRPr>
       </a:lvl7pPr>
-      <a:lvl8pPr marL="3200400" algn="l" defTabSz="914400" rtl="0" eaLnBrk="1" latinLnBrk="0" hangingPunct="1">
+      <a:lvl8pPr marL="3200400" algn="l" defTabSz="457200" rtl="0" eaLnBrk="1" latinLnBrk="0" hangingPunct="1">
         <a:defRPr sz="1800" kern="1200">
           <a:solidFill>
             <a:schemeClr val="tx1"/>
@@ -3391,7 +3066,7 @@
           <a:cs typeface="+mn-cs"/>
         </a:defRPr>
       </a:lvl8pPr>
-      <a:lvl9pPr marL="3657600" algn="l" defTabSz="914400" rtl="0" eaLnBrk="1" latinLnBrk="0" hangingPunct="1">
+      <a:lvl9pPr marL="3657600" algn="l" defTabSz="457200" rtl="0" eaLnBrk="1" latinLnBrk="0" hangingPunct="1">
         <a:defRPr sz="1800" kern="1200">
           <a:solidFill>
             <a:schemeClr val="tx1"/>
@@ -3425,13 +3100,7 @@
       </p:grpSpPr>
       <p:sp>
         <p:nvSpPr>
-          <p:cNvPr id="2" name="Заголовок 1">
-            <a:extLst>
-              <a:ext uri="{FF2B5EF4-FFF2-40B4-BE49-F238E27FC236}">
-                <a16:creationId xmlns:a16="http://schemas.microsoft.com/office/drawing/2014/main" id="{2AB8D70E-A2F5-B71F-EB8A-8043A9F60B0B}"/>
-              </a:ext>
-            </a:extLst>
-          </p:cNvPr>
+          <p:cNvPr id="2" name="Title 1"/>
           <p:cNvSpPr>
             <a:spLocks noGrp="1"/>
           </p:cNvSpPr>
@@ -3439,59 +3108,19 @@
             <p:ph type="ctrTitle"/>
           </p:nvPr>
         </p:nvSpPr>
-        <p:spPr>
-          <a:xfrm>
-            <a:off x="1524000" y="1122364"/>
-            <a:ext cx="8808720" cy="646802"/>
-          </a:xfrm>
-        </p:spPr>
-        <p:txBody>
-          <a:bodyPr>
-            <a:normAutofit/>
-          </a:bodyPr>
-          <a:lstStyle/>
-          <a:p>
-            <a:r>
-              <a:rPr lang="en-US" sz="4000" dirty="0"/>
-              <a:t>CAPSTONE GEN AI</a:t>
-            </a:r>
-          </a:p>
-        </p:txBody>
-      </p:sp>
-      <p:sp>
-        <p:nvSpPr>
-          <p:cNvPr id="3" name="Підзаголовок 2">
-            <a:extLst>
-              <a:ext uri="{FF2B5EF4-FFF2-40B4-BE49-F238E27FC236}">
-                <a16:creationId xmlns:a16="http://schemas.microsoft.com/office/drawing/2014/main" id="{3CDA08A7-EFBD-9A43-4F57-C1261CC945E9}"/>
-              </a:ext>
-            </a:extLst>
-          </p:cNvPr>
-          <p:cNvSpPr>
-            <a:spLocks noGrp="1"/>
-          </p:cNvSpPr>
-          <p:nvPr>
-            <p:ph type="subTitle" idx="1"/>
-          </p:nvPr>
-        </p:nvSpPr>
         <p:spPr/>
         <p:txBody>
           <a:bodyPr/>
           <a:lstStyle/>
           <a:p>
             <a:r>
-              <a:rPr lang="en-US" dirty="0"/>
-              <a:t>Voice_2_Voice_translator</a:t>
+              <a:rPr dirty="0"/>
+              <a:t>Voice_2_Voice Translator</a:t>
             </a:r>
           </a:p>
         </p:txBody>
       </p:sp>
     </p:spTree>
-    <p:extLst>
-      <p:ext uri="{BB962C8B-B14F-4D97-AF65-F5344CB8AC3E}">
-        <p14:creationId xmlns:p14="http://schemas.microsoft.com/office/powerpoint/2010/main" val="3248118437"/>
-      </p:ext>
-    </p:extLst>
   </p:cSld>
   <p:clrMapOvr>
     <a:masterClrMapping/>
@@ -3518,13 +3147,7 @@
       </p:grpSpPr>
       <p:sp>
         <p:nvSpPr>
-          <p:cNvPr id="2" name="Заголовок 1">
-            <a:extLst>
-              <a:ext uri="{FF2B5EF4-FFF2-40B4-BE49-F238E27FC236}">
-                <a16:creationId xmlns:a16="http://schemas.microsoft.com/office/drawing/2014/main" id="{184E494A-44F3-F66E-8E74-AA2248D6803C}"/>
-              </a:ext>
-            </a:extLst>
-          </p:cNvPr>
+          <p:cNvPr id="2" name="Title 1"/>
           <p:cNvSpPr>
             <a:spLocks noGrp="1"/>
           </p:cNvSpPr>
@@ -3538,22 +3161,14 @@
           <a:lstStyle/>
           <a:p>
             <a:r>
-              <a:rPr lang="uk-UA" dirty="0"/>
-              <a:t>Ціль та мотивація проекту</a:t>
-            </a:r>
-            <a:endParaRPr lang="en-US" dirty="0"/>
-          </a:p>
-        </p:txBody>
-      </p:sp>
-      <p:sp>
-        <p:nvSpPr>
-          <p:cNvPr id="3" name="Місце для вмісту 2">
-            <a:extLst>
-              <a:ext uri="{FF2B5EF4-FFF2-40B4-BE49-F238E27FC236}">
-                <a16:creationId xmlns:a16="http://schemas.microsoft.com/office/drawing/2014/main" id="{C03D8B50-4A5E-FB84-04F4-F96AA5A2DBF1}"/>
-              </a:ext>
-            </a:extLst>
-          </p:cNvPr>
+              <a:t>Мотивація проєкту</a:t>
+            </a:r>
+          </a:p>
+        </p:txBody>
+      </p:sp>
+      <p:sp>
+        <p:nvSpPr>
+          <p:cNvPr id="3" name="Content Placeholder 2"/>
           <p:cNvSpPr>
             <a:spLocks noGrp="1"/>
           </p:cNvSpPr>
@@ -3561,59 +3176,140 @@
             <p:ph idx="1"/>
           </p:nvPr>
         </p:nvSpPr>
-        <p:spPr>
-          <a:xfrm>
-            <a:off x="838200" y="1825625"/>
-            <a:ext cx="10515600" cy="2905401"/>
-          </a:xfrm>
-        </p:spPr>
-        <p:txBody>
-          <a:bodyPr/>
-          <a:lstStyle/>
-          <a:p>
-            <a:r>
-              <a:rPr lang="en-US" dirty="0"/>
-              <a:t>c</a:t>
-            </a:r>
-            <a:r>
-              <a:rPr lang="uk-UA" dirty="0"/>
-              <a:t>творити на базі генеративних моделей продукт, який би дозволив на базі відкритих джерел робити автоматичний переклад надиктованого тексту в будь-якій парі мов (до прикладу, взято </a:t>
-            </a:r>
-            <a:r>
-              <a:rPr lang="en-US" dirty="0"/>
-              <a:t>EN_UKR.</a:t>
-            </a:r>
-          </a:p>
-          <a:p>
-            <a:r>
-              <a:rPr lang="uk-UA" dirty="0"/>
-              <a:t>мотивація: своєрідний </a:t>
-            </a:r>
-            <a:r>
-              <a:rPr lang="uk-UA" dirty="0" err="1"/>
-              <a:t>челендж</a:t>
-            </a:r>
-            <a:r>
-              <a:rPr lang="uk-UA" dirty="0"/>
-              <a:t> виключності нововведення </a:t>
-            </a:r>
-            <a:r>
-              <a:rPr lang="en-US" dirty="0"/>
-              <a:t>GOOGLE</a:t>
-            </a:r>
-            <a:r>
-              <a:rPr lang="uk-UA" dirty="0"/>
-              <a:t> з синхронного перекладу текстів </a:t>
-            </a:r>
+        <p:spPr/>
+        <p:txBody>
+          <a:bodyPr/>
+          <a:lstStyle/>
+          <a:p>
+            <a:r>
+              <a:rPr dirty="0"/>
+              <a:t> </a:t>
+            </a:r>
+            <a:r>
+              <a:rPr dirty="0" err="1"/>
+              <a:t>Виклик</a:t>
+            </a:r>
+            <a:r>
+              <a:rPr dirty="0"/>
+              <a:t> </a:t>
+            </a:r>
+            <a:r>
+              <a:rPr dirty="0" err="1"/>
+              <a:t>синхронного</a:t>
+            </a:r>
+            <a:r>
+              <a:rPr dirty="0"/>
+              <a:t> </a:t>
+            </a:r>
+            <a:r>
+              <a:rPr dirty="0" err="1"/>
+              <a:t>перекладу</a:t>
+            </a:r>
+            <a:r>
+              <a:rPr dirty="0"/>
+              <a:t>, </a:t>
+            </a:r>
+            <a:r>
+              <a:rPr dirty="0" err="1"/>
+              <a:t>реакція</a:t>
+            </a:r>
+            <a:r>
+              <a:rPr dirty="0"/>
+              <a:t> </a:t>
+            </a:r>
+            <a:r>
+              <a:rPr dirty="0" err="1"/>
+              <a:t>на</a:t>
+            </a:r>
+            <a:r>
+              <a:rPr dirty="0"/>
+              <a:t> </a:t>
+            </a:r>
+            <a:r>
+              <a:rPr dirty="0" err="1"/>
+              <a:t>нововведення</a:t>
+            </a:r>
+            <a:r>
+              <a:rPr dirty="0"/>
+              <a:t> Google</a:t>
+            </a:r>
+          </a:p>
+          <a:p>
+            <a:r>
+              <a:rPr dirty="0"/>
+              <a:t> </a:t>
+            </a:r>
+            <a:r>
+              <a:rPr dirty="0" err="1"/>
+              <a:t>Повний</a:t>
+            </a:r>
+            <a:r>
+              <a:rPr dirty="0"/>
+              <a:t> </a:t>
+            </a:r>
+            <a:r>
+              <a:rPr dirty="0" err="1"/>
+              <a:t>цикл</a:t>
+            </a:r>
+            <a:r>
+              <a:rPr dirty="0"/>
+              <a:t> </a:t>
+            </a:r>
+            <a:r>
+              <a:rPr dirty="0" err="1"/>
+              <a:t>генеративної</a:t>
+            </a:r>
+            <a:r>
+              <a:rPr dirty="0"/>
+              <a:t> </a:t>
+            </a:r>
+            <a:r>
+              <a:rPr dirty="0" err="1"/>
+              <a:t>моделі</a:t>
+            </a:r>
+            <a:r>
+              <a:rPr dirty="0"/>
+              <a:t>: STT → MT → TTS</a:t>
+            </a:r>
+          </a:p>
+          <a:p>
+            <a:r>
+              <a:rPr dirty="0"/>
+              <a:t> </a:t>
+            </a:r>
+            <a:r>
+              <a:rPr dirty="0" err="1"/>
+              <a:t>Прагнення</a:t>
+            </a:r>
+            <a:r>
+              <a:rPr dirty="0"/>
+              <a:t> </a:t>
+            </a:r>
+            <a:r>
+              <a:rPr dirty="0" err="1"/>
+              <a:t>до</a:t>
+            </a:r>
+            <a:r>
+              <a:rPr dirty="0"/>
+              <a:t> open-source </a:t>
+            </a:r>
+            <a:r>
+              <a:rPr dirty="0" err="1"/>
+              <a:t>кастомного</a:t>
+            </a:r>
+            <a:r>
+              <a:rPr dirty="0"/>
+              <a:t> </a:t>
+            </a:r>
+            <a:r>
+              <a:rPr dirty="0" err="1"/>
+              <a:t>рішення</a:t>
+            </a:r>
+            <a:endParaRPr dirty="0"/>
           </a:p>
         </p:txBody>
       </p:sp>
     </p:spTree>
-    <p:extLst>
-      <p:ext uri="{BB962C8B-B14F-4D97-AF65-F5344CB8AC3E}">
-        <p14:creationId xmlns:p14="http://schemas.microsoft.com/office/powerpoint/2010/main" val="3887524103"/>
-      </p:ext>
-    </p:extLst>
   </p:cSld>
   <p:clrMapOvr>
     <a:masterClrMapping/>
@@ -3640,13 +3336,7 @@
       </p:grpSpPr>
       <p:sp>
         <p:nvSpPr>
-          <p:cNvPr id="2" name="Заголовок 1">
-            <a:extLst>
-              <a:ext uri="{FF2B5EF4-FFF2-40B4-BE49-F238E27FC236}">
-                <a16:creationId xmlns:a16="http://schemas.microsoft.com/office/drawing/2014/main" id="{B1CA0424-D5CB-8B6C-1212-66E466AB7383}"/>
-              </a:ext>
-            </a:extLst>
-          </p:cNvPr>
+          <p:cNvPr id="2" name="Title 1"/>
           <p:cNvSpPr>
             <a:spLocks noGrp="1"/>
           </p:cNvSpPr>
@@ -3660,22 +3350,14 @@
           <a:lstStyle/>
           <a:p>
             <a:r>
-              <a:rPr lang="uk-UA" dirty="0"/>
-              <a:t>Компоненти та логіка реалізації</a:t>
-            </a:r>
-            <a:endParaRPr lang="en-US" dirty="0"/>
-          </a:p>
-        </p:txBody>
-      </p:sp>
-      <p:sp>
-        <p:nvSpPr>
-          <p:cNvPr id="3" name="Місце для вмісту 2">
-            <a:extLst>
-              <a:ext uri="{FF2B5EF4-FFF2-40B4-BE49-F238E27FC236}">
-                <a16:creationId xmlns:a16="http://schemas.microsoft.com/office/drawing/2014/main" id="{A1BA2503-3025-03AF-BCD5-6B316CD944A1}"/>
-              </a:ext>
-            </a:extLst>
-          </p:cNvPr>
+              <a:t>Загальна архітектура рішення</a:t>
+            </a:r>
+          </a:p>
+        </p:txBody>
+      </p:sp>
+      <p:sp>
+        <p:nvSpPr>
+          <p:cNvPr id="3" name="Content Placeholder 2"/>
           <p:cNvSpPr>
             <a:spLocks noGrp="1"/>
           </p:cNvSpPr>
@@ -3683,125 +3365,134 @@
             <p:ph idx="1"/>
           </p:nvPr>
         </p:nvSpPr>
-        <p:spPr>
-          <a:xfrm>
-            <a:off x="705678" y="1421297"/>
-            <a:ext cx="10648122" cy="5071578"/>
-          </a:xfrm>
-        </p:spPr>
-        <p:txBody>
-          <a:bodyPr>
-            <a:normAutofit lnSpcReduction="10000"/>
-          </a:bodyPr>
-          <a:lstStyle/>
-          <a:p>
-            <a:r>
-              <a:rPr lang="uk-UA" dirty="0"/>
-              <a:t> використання </a:t>
-            </a:r>
-            <a:r>
-              <a:rPr lang="en-US" dirty="0"/>
-              <a:t>LLM </a:t>
-            </a:r>
-            <a:r>
-              <a:rPr lang="uk-UA" dirty="0"/>
-              <a:t>з перетворення голосу в текст (з </a:t>
-            </a:r>
-            <a:r>
-              <a:rPr lang="uk-UA" dirty="0" err="1"/>
-              <a:t>автодетекцією</a:t>
-            </a:r>
-            <a:r>
-              <a:rPr lang="uk-UA" dirty="0"/>
-              <a:t> на вході мови мовлення) </a:t>
-            </a:r>
-          </a:p>
-          <a:p>
-            <a:r>
-              <a:rPr lang="uk-UA" dirty="0"/>
-              <a:t> пошук створеної найбільш релевантної до перекладу </a:t>
-            </a:r>
-            <a:r>
-              <a:rPr lang="en-US" dirty="0"/>
-              <a:t>LLM</a:t>
-            </a:r>
-            <a:r>
-              <a:rPr lang="uk-UA" dirty="0"/>
-              <a:t>, пошук прийнятного дата-сету, </a:t>
-            </a:r>
-            <a:r>
-              <a:rPr lang="uk-UA" dirty="0" err="1"/>
-              <a:t>файн-тюнінг</a:t>
-            </a:r>
-            <a:r>
-              <a:rPr lang="uk-UA" dirty="0"/>
-              <a:t>/навчання моделі для перекладу в обидві сторони, оцінка результатів, подальше застосування </a:t>
-            </a:r>
-          </a:p>
-          <a:p>
-            <a:r>
-              <a:rPr lang="uk-UA" dirty="0"/>
-              <a:t> використання </a:t>
-            </a:r>
-            <a:r>
-              <a:rPr lang="en-US" dirty="0"/>
-              <a:t>LLM </a:t>
-            </a:r>
-            <a:r>
-              <a:rPr lang="uk-UA" dirty="0"/>
-              <a:t>з перетворення тексту в голос (з </a:t>
-            </a:r>
-            <a:r>
-              <a:rPr lang="uk-UA" dirty="0" err="1"/>
-              <a:t>автодетекцією</a:t>
-            </a:r>
-            <a:r>
-              <a:rPr lang="uk-UA" dirty="0"/>
-              <a:t> на вході мови мовлення) </a:t>
-            </a:r>
-          </a:p>
-          <a:p>
-            <a:r>
-              <a:rPr lang="uk-UA" dirty="0"/>
-              <a:t>  отримання та оцінювання результатів </a:t>
-            </a:r>
-          </a:p>
-          <a:p>
-            <a:r>
-              <a:rPr lang="uk-UA" dirty="0"/>
-              <a:t>  (що було б ідеально встигнути зробити) адаптувати код для </a:t>
-            </a:r>
-            <a:r>
-              <a:rPr lang="en-US" dirty="0"/>
-              <a:t>flask </a:t>
-            </a:r>
-            <a:r>
-              <a:rPr lang="uk-UA" dirty="0"/>
-              <a:t>та створення простої </a:t>
-            </a:r>
-            <a:r>
-              <a:rPr lang="en-US" dirty="0"/>
-              <a:t>html - </a:t>
-            </a:r>
-            <a:r>
-              <a:rPr lang="uk-UA" dirty="0"/>
-              <a:t>сторінки/додатку з відповідною генерацією перекладів</a:t>
-            </a:r>
-          </a:p>
-          <a:p>
-            <a:endParaRPr lang="uk-UA" dirty="0"/>
-          </a:p>
-          <a:p>
-            <a:endParaRPr lang="en-US" dirty="0"/>
+        <p:spPr/>
+        <p:txBody>
+          <a:bodyPr/>
+          <a:lstStyle/>
+          <a:p>
+            <a:pPr marL="0" indent="0">
+              <a:buNone/>
+            </a:pPr>
+            <a:r>
+              <a:rPr dirty="0"/>
+              <a:t>🎤 </a:t>
+            </a:r>
+            <a:r>
+              <a:rPr dirty="0" err="1"/>
+              <a:t>Голос</a:t>
+            </a:r>
+            <a:r>
+              <a:rPr dirty="0"/>
+              <a:t> → Whisper (STT)</a:t>
+            </a:r>
+          </a:p>
+          <a:p>
+            <a:pPr marL="0" indent="0">
+              <a:buNone/>
+            </a:pPr>
+            <a:r>
+              <a:rPr dirty="0"/>
+              <a:t>→ </a:t>
+            </a:r>
+            <a:r>
+              <a:rPr dirty="0" err="1"/>
+              <a:t>LanguageTool</a:t>
+            </a:r>
+            <a:r>
+              <a:rPr dirty="0"/>
+              <a:t> (</a:t>
+            </a:r>
+            <a:r>
+              <a:rPr dirty="0" err="1"/>
+              <a:t>граматика</a:t>
+            </a:r>
+            <a:r>
+              <a:rPr dirty="0"/>
+              <a:t>, </a:t>
+            </a:r>
+            <a:r>
+              <a:rPr dirty="0" err="1"/>
+              <a:t>детекція</a:t>
+            </a:r>
+            <a:r>
+              <a:rPr dirty="0"/>
+              <a:t> </a:t>
+            </a:r>
+            <a:r>
+              <a:rPr dirty="0" err="1"/>
+              <a:t>мови</a:t>
+            </a:r>
+            <a:r>
+              <a:rPr dirty="0"/>
+              <a:t>)</a:t>
+            </a:r>
+          </a:p>
+          <a:p>
+            <a:pPr marL="0" indent="0">
+              <a:buNone/>
+            </a:pPr>
+            <a:r>
+              <a:rPr dirty="0"/>
+              <a:t>→ </a:t>
+            </a:r>
+            <a:r>
+              <a:rPr dirty="0" err="1"/>
+              <a:t>MarianMT</a:t>
+            </a:r>
+            <a:r>
+              <a:rPr dirty="0"/>
+              <a:t> (</a:t>
+            </a:r>
+            <a:r>
+              <a:rPr dirty="0" err="1"/>
+              <a:t>машинний</a:t>
+            </a:r>
+            <a:r>
+              <a:rPr dirty="0"/>
+              <a:t> </a:t>
+            </a:r>
+            <a:r>
+              <a:rPr dirty="0" err="1"/>
+              <a:t>переклад</a:t>
+            </a:r>
+            <a:r>
+              <a:rPr dirty="0"/>
+              <a:t>)</a:t>
+            </a:r>
+          </a:p>
+          <a:p>
+            <a:pPr marL="0" indent="0">
+              <a:buNone/>
+            </a:pPr>
+            <a:r>
+              <a:rPr dirty="0"/>
+              <a:t>→ </a:t>
+            </a:r>
+            <a:r>
+              <a:rPr dirty="0" err="1"/>
+              <a:t>NeMo</a:t>
+            </a:r>
+            <a:r>
+              <a:rPr dirty="0"/>
+              <a:t> TTS (</a:t>
+            </a:r>
+            <a:r>
+              <a:rPr dirty="0" err="1"/>
+              <a:t>озвучка</a:t>
+            </a:r>
+            <a:r>
+              <a:rPr dirty="0"/>
+              <a:t>) → 🎧 </a:t>
+            </a:r>
+            <a:r>
+              <a:rPr dirty="0" err="1"/>
+              <a:t>результат</a:t>
+            </a:r>
+            <a:endParaRPr dirty="0"/>
           </a:p>
         </p:txBody>
       </p:sp>
     </p:spTree>
-    <p:extLst>
-      <p:ext uri="{BB962C8B-B14F-4D97-AF65-F5344CB8AC3E}">
-        <p14:creationId xmlns:p14="http://schemas.microsoft.com/office/powerpoint/2010/main" val="2386223071"/>
-      </p:ext>
-    </p:extLst>
   </p:cSld>
   <p:clrMapOvr>
     <a:masterClrMapping/>
@@ -3828,13 +3519,7 @@
       </p:grpSpPr>
       <p:sp>
         <p:nvSpPr>
-          <p:cNvPr id="2" name="Заголовок 1">
-            <a:extLst>
-              <a:ext uri="{FF2B5EF4-FFF2-40B4-BE49-F238E27FC236}">
-                <a16:creationId xmlns:a16="http://schemas.microsoft.com/office/drawing/2014/main" id="{02DC81A6-A972-95F7-C3DB-C0574D2FA816}"/>
-              </a:ext>
-            </a:extLst>
-          </p:cNvPr>
+          <p:cNvPr id="2" name="Title 1"/>
           <p:cNvSpPr>
             <a:spLocks noGrp="1"/>
           </p:cNvSpPr>
@@ -3848,241 +3533,272 @@
           <a:lstStyle/>
           <a:p>
             <a:r>
-              <a:rPr lang="uk-UA" dirty="0"/>
-              <a:t>Практичні сторони реалізації проекту</a:t>
-            </a:r>
-            <a:endParaRPr lang="en-US" dirty="0"/>
-          </a:p>
-        </p:txBody>
-      </p:sp>
-      <p:sp>
-        <p:nvSpPr>
-          <p:cNvPr id="3" name="Місце для вмісту 2">
-            <a:extLst>
-              <a:ext uri="{FF2B5EF4-FFF2-40B4-BE49-F238E27FC236}">
-                <a16:creationId xmlns:a16="http://schemas.microsoft.com/office/drawing/2014/main" id="{895C41B7-65B5-EBF0-CB81-FD60EFEE99C7}"/>
-              </a:ext>
-            </a:extLst>
-          </p:cNvPr>
-          <p:cNvSpPr>
-            <a:spLocks noGrp="1"/>
-          </p:cNvSpPr>
-          <p:nvPr>
-            <p:ph idx="1"/>
-          </p:nvPr>
-        </p:nvSpPr>
-        <p:spPr/>
-        <p:txBody>
-          <a:bodyPr/>
-          <a:lstStyle/>
-          <a:p>
-            <a:r>
-              <a:rPr lang="uk-UA" dirty="0"/>
-              <a:t>Фаза_1 , застосування голосової </a:t>
-            </a:r>
-            <a:r>
-              <a:rPr lang="en-US" dirty="0"/>
-              <a:t>TTS </a:t>
-            </a:r>
-            <a:r>
-              <a:rPr lang="uk-UA" dirty="0"/>
-              <a:t>для трансформації голосу в текст: </a:t>
-            </a:r>
-          </a:p>
-          <a:p>
-            <a:pPr lvl="1"/>
-            <a:r>
-              <a:rPr lang="uk-UA" dirty="0"/>
-              <a:t> створення простого </a:t>
-            </a:r>
-            <a:r>
-              <a:rPr lang="uk-UA" dirty="0" err="1"/>
-              <a:t>скрипта</a:t>
-            </a:r>
-            <a:r>
-              <a:rPr lang="uk-UA" dirty="0"/>
-              <a:t> на базі використання зв'язки </a:t>
-            </a:r>
-          </a:p>
-          <a:p>
-            <a:pPr marL="457200" lvl="1" indent="0">
-              <a:buNone/>
-            </a:pPr>
-            <a:r>
-              <a:rPr lang="uk-UA" b="0" dirty="0">
-                <a:solidFill>
-                  <a:srgbClr val="6A9955"/>
-                </a:solidFill>
-                <a:effectLst/>
-                <a:latin typeface="Consolas" panose="020B0609020204030204" pitchFamily="49" charset="0"/>
-              </a:rPr>
-              <a:t> </a:t>
-            </a:r>
-            <a:r>
-              <a:rPr lang="en-US" b="0" dirty="0">
-                <a:solidFill>
-                  <a:srgbClr val="6A9955"/>
-                </a:solidFill>
-                <a:effectLst/>
-                <a:latin typeface="Consolas" panose="020B0609020204030204" pitchFamily="49" charset="0"/>
-              </a:rPr>
-              <a:t>Whisper + </a:t>
-            </a:r>
-            <a:r>
-              <a:rPr lang="en-US" b="0" dirty="0" err="1">
-                <a:solidFill>
-                  <a:srgbClr val="6A9955"/>
-                </a:solidFill>
-                <a:effectLst/>
-                <a:latin typeface="Consolas" panose="020B0609020204030204" pitchFamily="49" charset="0"/>
-              </a:rPr>
-              <a:t>LanguageTool</a:t>
-            </a:r>
-            <a:r>
-              <a:rPr lang="en-US" b="0" dirty="0">
-                <a:solidFill>
-                  <a:srgbClr val="6A9955"/>
-                </a:solidFill>
-                <a:effectLst/>
-                <a:latin typeface="Consolas" panose="020B0609020204030204" pitchFamily="49" charset="0"/>
-              </a:rPr>
-              <a:t> </a:t>
-            </a:r>
-            <a:r>
-              <a:rPr lang="uk-UA" dirty="0">
-                <a:latin typeface="Consolas" panose="020B0609020204030204" pitchFamily="49" charset="0"/>
-              </a:rPr>
-              <a:t>для перекладу в одну сторону</a:t>
-            </a:r>
-          </a:p>
-          <a:p>
-            <a:pPr marL="457200" lvl="1" indent="0">
-              <a:buNone/>
-            </a:pPr>
-            <a:r>
-              <a:rPr lang="uk-UA" b="0" dirty="0">
-                <a:effectLst/>
-                <a:latin typeface="Consolas" panose="020B0609020204030204" pitchFamily="49" charset="0"/>
-              </a:rPr>
-              <a:t>  (</a:t>
-            </a:r>
-            <a:r>
-              <a:rPr lang="en-US" b="0" dirty="0">
-                <a:effectLst/>
-                <a:latin typeface="Consolas" panose="020B0609020204030204" pitchFamily="49" charset="0"/>
-              </a:rPr>
-              <a:t>dictophone.py</a:t>
-            </a:r>
-            <a:r>
-              <a:rPr lang="uk-UA" b="0" dirty="0">
-                <a:effectLst/>
-                <a:latin typeface="Consolas" panose="020B0609020204030204" pitchFamily="49" charset="0"/>
-              </a:rPr>
-              <a:t>)</a:t>
-            </a:r>
-            <a:endParaRPr lang="en-US" b="0" dirty="0">
-              <a:effectLst/>
-              <a:latin typeface="Consolas" panose="020B0609020204030204" pitchFamily="49" charset="0"/>
-            </a:endParaRPr>
-          </a:p>
-          <a:p>
-            <a:pPr lvl="1"/>
-            <a:r>
-              <a:rPr lang="uk-UA" dirty="0"/>
-              <a:t>труднощі : встановлення </a:t>
-            </a:r>
-            <a:r>
-              <a:rPr lang="en-US" dirty="0" err="1"/>
-              <a:t>ffmpeg</a:t>
-            </a:r>
-            <a:r>
-              <a:rPr lang="uk-UA" dirty="0"/>
-              <a:t>, складність : низька</a:t>
-            </a:r>
-          </a:p>
-          <a:p>
-            <a:pPr lvl="1"/>
-            <a:r>
-              <a:rPr lang="uk-UA" dirty="0"/>
-              <a:t>створення модифікованого </a:t>
-            </a:r>
-            <a:r>
-              <a:rPr lang="uk-UA" dirty="0" err="1"/>
-              <a:t>скрипта</a:t>
-            </a:r>
-            <a:r>
-              <a:rPr lang="uk-UA" dirty="0"/>
-              <a:t> з ідентифікацією мови за допомогою </a:t>
-            </a:r>
-            <a:r>
-              <a:rPr lang="en-US" b="0" dirty="0" err="1">
-                <a:solidFill>
-                  <a:srgbClr val="4EC9B0"/>
-                </a:solidFill>
-                <a:effectLst/>
-                <a:latin typeface="Consolas" panose="020B0609020204030204" pitchFamily="49" charset="0"/>
-              </a:rPr>
-              <a:t>language_tool_python</a:t>
-            </a:r>
-            <a:endParaRPr lang="uk-UA" b="0" dirty="0">
-              <a:solidFill>
-                <a:srgbClr val="4EC9B0"/>
-              </a:solidFill>
-              <a:effectLst/>
-              <a:latin typeface="Consolas" panose="020B0609020204030204" pitchFamily="49" charset="0"/>
-            </a:endParaRPr>
-          </a:p>
-          <a:p>
-            <a:pPr marL="457200" lvl="1" indent="0">
-              <a:buNone/>
-            </a:pPr>
-            <a:r>
-              <a:rPr lang="uk-UA" dirty="0">
-                <a:solidFill>
-                  <a:srgbClr val="4EC9B0"/>
-                </a:solidFill>
-                <a:latin typeface="Consolas" panose="020B0609020204030204" pitchFamily="49" charset="0"/>
-              </a:rPr>
-              <a:t>  </a:t>
-            </a:r>
-            <a:r>
-              <a:rPr lang="uk-UA" dirty="0">
-                <a:latin typeface="Consolas" panose="020B0609020204030204" pitchFamily="49" charset="0"/>
-              </a:rPr>
-              <a:t>(</a:t>
-            </a:r>
-            <a:r>
-              <a:rPr lang="en-US" dirty="0">
-                <a:latin typeface="Consolas" panose="020B0609020204030204" pitchFamily="49" charset="0"/>
-              </a:rPr>
-              <a:t>dictophone_duo.py</a:t>
-            </a:r>
-            <a:r>
-              <a:rPr lang="uk-UA" dirty="0">
-                <a:latin typeface="Consolas" panose="020B0609020204030204" pitchFamily="49" charset="0"/>
-              </a:rPr>
-              <a:t>)</a:t>
-            </a:r>
-            <a:endParaRPr lang="en-US" b="0" dirty="0">
-              <a:effectLst/>
-              <a:latin typeface="Consolas" panose="020B0609020204030204" pitchFamily="49" charset="0"/>
-            </a:endParaRPr>
-          </a:p>
-          <a:p>
-            <a:pPr lvl="1"/>
-            <a:r>
-              <a:rPr lang="uk-UA" dirty="0"/>
-              <a:t>результат – успішна транскрипція голосового повідомлення в текстовий формат.</a:t>
-            </a:r>
-          </a:p>
-        </p:txBody>
-      </p:sp>
+              <a:t>Технічні компоненти</a:t>
+            </a:r>
+          </a:p>
+        </p:txBody>
+      </p:sp>
+      <p:graphicFrame>
+        <p:nvGraphicFramePr>
+          <p:cNvPr id="3" name="Table 2"/>
+          <p:cNvGraphicFramePr>
+            <a:graphicFrameLocks noGrp="1"/>
+          </p:cNvGraphicFramePr>
+          <p:nvPr/>
+        </p:nvGraphicFramePr>
+        <p:xfrm>
+          <a:off x="457200" y="1371600"/>
+          <a:ext cx="8229600" cy="2322576"/>
+        </p:xfrm>
+        <a:graphic>
+          <a:graphicData uri="http://schemas.openxmlformats.org/drawingml/2006/table">
+            <a:tbl>
+              <a:tblPr firstRow="1" bandRow="1">
+                <a:tableStyleId>{5C22544A-7EE6-4342-B048-85BDC9FD1C3A}</a:tableStyleId>
+              </a:tblPr>
+              <a:tblGrid>
+                <a:gridCol w="2743200">
+                  <a:extLst>
+                    <a:ext uri="{9D8B030D-6E8A-4147-A177-3AD203B41FA5}">
+                      <a16:colId xmlns:a16="http://schemas.microsoft.com/office/drawing/2014/main" val="20000"/>
+                    </a:ext>
+                  </a:extLst>
+                </a:gridCol>
+                <a:gridCol w="2743200">
+                  <a:extLst>
+                    <a:ext uri="{9D8B030D-6E8A-4147-A177-3AD203B41FA5}">
+                      <a16:colId xmlns:a16="http://schemas.microsoft.com/office/drawing/2014/main" val="20001"/>
+                    </a:ext>
+                  </a:extLst>
+                </a:gridCol>
+                <a:gridCol w="2743200">
+                  <a:extLst>
+                    <a:ext uri="{9D8B030D-6E8A-4147-A177-3AD203B41FA5}">
+                      <a16:colId xmlns:a16="http://schemas.microsoft.com/office/drawing/2014/main" val="20002"/>
+                    </a:ext>
+                  </a:extLst>
+                </a:gridCol>
+              </a:tblGrid>
+              <a:tr h="420624">
+                <a:tc>
+                  <a:txBody>
+                    <a:bodyPr/>
+                    <a:lstStyle/>
+                    <a:p>
+                      <a:r>
+                        <a:t>Етап</a:t>
+                      </a:r>
+                    </a:p>
+                  </a:txBody>
+                  <a:tcPr/>
+                </a:tc>
+                <a:tc>
+                  <a:txBody>
+                    <a:bodyPr/>
+                    <a:lstStyle/>
+                    <a:p>
+                      <a:r>
+                        <a:t>Технології</a:t>
+                      </a:r>
+                    </a:p>
+                  </a:txBody>
+                  <a:tcPr/>
+                </a:tc>
+                <a:tc>
+                  <a:txBody>
+                    <a:bodyPr/>
+                    <a:lstStyle/>
+                    <a:p>
+                      <a:r>
+                        <a:t>Коментар</a:t>
+                      </a:r>
+                    </a:p>
+                  </a:txBody>
+                  <a:tcPr/>
+                </a:tc>
+                <a:extLst>
+                  <a:ext uri="{0D108BD9-81ED-4DB2-BD59-A6C34878D82A}">
+                    <a16:rowId xmlns:a16="http://schemas.microsoft.com/office/drawing/2014/main" val="10000"/>
+                  </a:ext>
+                </a:extLst>
+              </a:tr>
+              <a:tr h="420624">
+                <a:tc>
+                  <a:txBody>
+                    <a:bodyPr/>
+                    <a:lstStyle/>
+                    <a:p>
+                      <a:r>
+                        <a:t>STT</a:t>
+                      </a:r>
+                    </a:p>
+                  </a:txBody>
+                  <a:tcPr/>
+                </a:tc>
+                <a:tc>
+                  <a:txBody>
+                    <a:bodyPr/>
+                    <a:lstStyle/>
+                    <a:p>
+                      <a:r>
+                        <a:t>Whisper, LanguageTool</a:t>
+                      </a:r>
+                    </a:p>
+                  </a:txBody>
+                  <a:tcPr/>
+                </a:tc>
+                <a:tc>
+                  <a:txBody>
+                    <a:bodyPr/>
+                    <a:lstStyle/>
+                    <a:p>
+                      <a:r>
+                        <a:t>Автодетекція мови, граматика</a:t>
+                      </a:r>
+                    </a:p>
+                  </a:txBody>
+                  <a:tcPr/>
+                </a:tc>
+                <a:extLst>
+                  <a:ext uri="{0D108BD9-81ED-4DB2-BD59-A6C34878D82A}">
+                    <a16:rowId xmlns:a16="http://schemas.microsoft.com/office/drawing/2014/main" val="10001"/>
+                  </a:ext>
+                </a:extLst>
+              </a:tr>
+              <a:tr h="420624">
+                <a:tc>
+                  <a:txBody>
+                    <a:bodyPr/>
+                    <a:lstStyle/>
+                    <a:p>
+                      <a:r>
+                        <a:t>MT</a:t>
+                      </a:r>
+                    </a:p>
+                  </a:txBody>
+                  <a:tcPr/>
+                </a:tc>
+                <a:tc>
+                  <a:txBody>
+                    <a:bodyPr/>
+                    <a:lstStyle/>
+                    <a:p>
+                      <a:r>
+                        <a:t>MarianMT</a:t>
+                      </a:r>
+                    </a:p>
+                  </a:txBody>
+                  <a:tcPr/>
+                </a:tc>
+                <a:tc>
+                  <a:txBody>
+                    <a:bodyPr/>
+                    <a:lstStyle/>
+                    <a:p>
+                      <a:r>
+                        <a:t>Fine-tune HPLT dataset</a:t>
+                      </a:r>
+                    </a:p>
+                  </a:txBody>
+                  <a:tcPr/>
+                </a:tc>
+                <a:extLst>
+                  <a:ext uri="{0D108BD9-81ED-4DB2-BD59-A6C34878D82A}">
+                    <a16:rowId xmlns:a16="http://schemas.microsoft.com/office/drawing/2014/main" val="10002"/>
+                  </a:ext>
+                </a:extLst>
+              </a:tr>
+              <a:tr h="420624">
+                <a:tc>
+                  <a:txBody>
+                    <a:bodyPr/>
+                    <a:lstStyle/>
+                    <a:p>
+                      <a:r>
+                        <a:t>TTS</a:t>
+                      </a:r>
+                    </a:p>
+                  </a:txBody>
+                  <a:tcPr/>
+                </a:tc>
+                <a:tc>
+                  <a:txBody>
+                    <a:bodyPr/>
+                    <a:lstStyle/>
+                    <a:p>
+                      <a:r>
+                        <a:t>NeMo, FastPitch</a:t>
+                      </a:r>
+                    </a:p>
+                  </a:txBody>
+                  <a:tcPr/>
+                </a:tc>
+                <a:tc>
+                  <a:txBody>
+                    <a:bodyPr/>
+                    <a:lstStyle/>
+                    <a:p>
+                      <a:r>
+                        <a:t>Український синтезатор</a:t>
+                      </a:r>
+                    </a:p>
+                  </a:txBody>
+                  <a:tcPr/>
+                </a:tc>
+                <a:extLst>
+                  <a:ext uri="{0D108BD9-81ED-4DB2-BD59-A6C34878D82A}">
+                    <a16:rowId xmlns:a16="http://schemas.microsoft.com/office/drawing/2014/main" val="10003"/>
+                  </a:ext>
+                </a:extLst>
+              </a:tr>
+              <a:tr h="420624">
+                <a:tc>
+                  <a:txBody>
+                    <a:bodyPr/>
+                    <a:lstStyle/>
+                    <a:p>
+                      <a:r>
+                        <a:t>Web</a:t>
+                      </a:r>
+                    </a:p>
+                  </a:txBody>
+                  <a:tcPr/>
+                </a:tc>
+                <a:tc>
+                  <a:txBody>
+                    <a:bodyPr/>
+                    <a:lstStyle/>
+                    <a:p>
+                      <a:r>
+                        <a:t>Flask + HTML</a:t>
+                      </a:r>
+                    </a:p>
+                  </a:txBody>
+                  <a:tcPr/>
+                </a:tc>
+                <a:tc>
+                  <a:txBody>
+                    <a:bodyPr/>
+                    <a:lstStyle/>
+                    <a:p>
+                      <a:r>
+                        <a:t>Інтерфейс користувача</a:t>
+                      </a:r>
+                    </a:p>
+                  </a:txBody>
+                  <a:tcPr/>
+                </a:tc>
+                <a:extLst>
+                  <a:ext uri="{0D108BD9-81ED-4DB2-BD59-A6C34878D82A}">
+                    <a16:rowId xmlns:a16="http://schemas.microsoft.com/office/drawing/2014/main" val="10004"/>
+                  </a:ext>
+                </a:extLst>
+              </a:tr>
+            </a:tbl>
+          </a:graphicData>
+        </a:graphic>
+      </p:graphicFrame>
     </p:spTree>
-    <p:extLst>
-      <p:ext uri="{BB962C8B-B14F-4D97-AF65-F5344CB8AC3E}">
-        <p14:creationId xmlns:p14="http://schemas.microsoft.com/office/powerpoint/2010/main" val="1884902540"/>
-      </p:ext>
-    </p:extLst>
   </p:cSld>
   <p:clrMapOvr>
     <a:masterClrMapping/>
@@ -4109,13 +3825,7 @@
       </p:grpSpPr>
       <p:sp>
         <p:nvSpPr>
-          <p:cNvPr id="2" name="Заголовок 1">
-            <a:extLst>
-              <a:ext uri="{FF2B5EF4-FFF2-40B4-BE49-F238E27FC236}">
-                <a16:creationId xmlns:a16="http://schemas.microsoft.com/office/drawing/2014/main" id="{3397C276-316F-C0A6-D693-F74566F1C72D}"/>
-              </a:ext>
-            </a:extLst>
-          </p:cNvPr>
+          <p:cNvPr id="2" name="Title 1"/>
           <p:cNvSpPr>
             <a:spLocks noGrp="1"/>
           </p:cNvSpPr>
@@ -4129,22 +3839,14 @@
           <a:lstStyle/>
           <a:p>
             <a:r>
-              <a:rPr lang="uk-UA" dirty="0"/>
-              <a:t>Практичні сторони реалізації проекту</a:t>
-            </a:r>
-            <a:endParaRPr lang="en-US" dirty="0"/>
-          </a:p>
-        </p:txBody>
-      </p:sp>
-      <p:sp>
-        <p:nvSpPr>
-          <p:cNvPr id="3" name="Місце для вмісту 2">
-            <a:extLst>
-              <a:ext uri="{FF2B5EF4-FFF2-40B4-BE49-F238E27FC236}">
-                <a16:creationId xmlns:a16="http://schemas.microsoft.com/office/drawing/2014/main" id="{54699BB8-D4AB-B304-B596-E8F2C528B533}"/>
-              </a:ext>
-            </a:extLst>
-          </p:cNvPr>
+              <a:t>Фаза 1 – Розпізнавання мовлення</a:t>
+            </a:r>
+          </a:p>
+        </p:txBody>
+      </p:sp>
+      <p:sp>
+        <p:nvSpPr>
+          <p:cNvPr id="3" name="Content Placeholder 2"/>
           <p:cNvSpPr>
             <a:spLocks noGrp="1"/>
           </p:cNvSpPr>
@@ -4152,270 +3854,120 @@
             <p:ph idx="1"/>
           </p:nvPr>
         </p:nvSpPr>
-        <p:spPr>
-          <a:xfrm>
-            <a:off x="838200" y="1510748"/>
-            <a:ext cx="10515600" cy="4666215"/>
-          </a:xfrm>
-        </p:spPr>
-        <p:txBody>
-          <a:bodyPr>
-            <a:normAutofit fontScale="85000" lnSpcReduction="20000"/>
-          </a:bodyPr>
-          <a:lstStyle/>
-          <a:p>
-            <a:r>
-              <a:rPr lang="uk-UA" dirty="0"/>
-              <a:t>Фаза_2, пошук та тренування моделі, найбільш прийнятної для перекладів:</a:t>
-            </a:r>
-          </a:p>
-          <a:p>
-            <a:pPr lvl="1"/>
-            <a:r>
-              <a:rPr lang="uk-UA" dirty="0"/>
-              <a:t>в результаті пошуку було знайдено та використано </a:t>
-            </a:r>
-            <a:r>
-              <a:rPr lang="en-US" dirty="0"/>
-              <a:t>LLM </a:t>
-            </a:r>
-            <a:r>
-              <a:rPr lang="en-US" b="0" dirty="0" err="1">
-                <a:solidFill>
-                  <a:srgbClr val="6A9955"/>
-                </a:solidFill>
-                <a:effectLst/>
-                <a:latin typeface="Consolas" panose="020B0609020204030204" pitchFamily="49" charset="0"/>
-              </a:rPr>
-              <a:t>MarianMT</a:t>
-            </a:r>
-            <a:endParaRPr lang="en-US" b="0" dirty="0">
-              <a:solidFill>
-                <a:srgbClr val="CCCCCC"/>
-              </a:solidFill>
-              <a:effectLst/>
-              <a:latin typeface="Consolas" panose="020B0609020204030204" pitchFamily="49" charset="0"/>
-            </a:endParaRPr>
-          </a:p>
-          <a:p>
-            <a:pPr lvl="1"/>
-            <a:r>
-              <a:rPr lang="uk-UA" dirty="0"/>
-              <a:t>в якості дата-сету для тренування/</a:t>
-            </a:r>
-            <a:r>
-              <a:rPr lang="uk-UA" dirty="0" err="1"/>
-              <a:t>файн-тюнінгу</a:t>
-            </a:r>
-            <a:r>
-              <a:rPr lang="uk-UA" dirty="0"/>
-              <a:t> використано </a:t>
-            </a:r>
-            <a:r>
-              <a:rPr lang="en-US" dirty="0"/>
-              <a:t>HPLT </a:t>
-            </a:r>
-            <a:r>
-              <a:rPr lang="uk-UA" dirty="0"/>
-              <a:t>файли (джерело: </a:t>
-            </a:r>
-            <a:r>
-              <a:rPr lang="en-US" dirty="0">
-                <a:hlinkClick r:id="rId2"/>
-              </a:rPr>
-              <a:t>https://opus.nlpl.eu/results/uk&amp;en/corpus-result-table</a:t>
-            </a:r>
-            <a:r>
-              <a:rPr lang="uk-UA" dirty="0"/>
+        <p:spPr/>
+        <p:txBody>
+          <a:bodyPr/>
+          <a:lstStyle/>
+          <a:p>
+            <a:pPr marL="0" indent="0">
+              <a:buNone/>
+            </a:pPr>
+            <a:r>
+              <a:rPr dirty="0"/>
               <a:t> </a:t>
             </a:r>
             <a:r>
-              <a:rPr lang="en-US" dirty="0">
-                <a:hlinkClick r:id="rId3"/>
-              </a:rPr>
-              <a:t>https://object.pouta.csc.fi/OPUS-HPLT/v2/mono/uk.txt.gz</a:t>
-            </a:r>
-            <a:r>
-              <a:rPr lang="uk-UA" dirty="0"/>
-              <a:t> )</a:t>
-            </a:r>
-          </a:p>
-          <a:p>
-            <a:pPr marL="457200" lvl="1" indent="0">
+              <a:rPr dirty="0" err="1"/>
+              <a:t>Скрипти</a:t>
+            </a:r>
+            <a:r>
+              <a:rPr dirty="0"/>
+              <a:t>: dictophone.py, dictophone_duo.py</a:t>
+            </a:r>
+          </a:p>
+          <a:p>
+            <a:pPr marL="0" indent="0">
               <a:buNone/>
             </a:pPr>
             <a:r>
-              <a:rPr lang="uk-UA" dirty="0"/>
-              <a:t>      труднощі роботи з </a:t>
-            </a:r>
-            <a:r>
-              <a:rPr lang="uk-UA" dirty="0" err="1"/>
-              <a:t>датасетом</a:t>
-            </a:r>
-            <a:r>
-              <a:rPr lang="uk-UA" dirty="0"/>
-              <a:t>, дуже великий </a:t>
-            </a:r>
-            <a:r>
-              <a:rPr lang="uk-UA" dirty="0" err="1"/>
-              <a:t>датасет</a:t>
-            </a:r>
-            <a:r>
-              <a:rPr lang="uk-UA" dirty="0"/>
-              <a:t>, для тренування   відповідно займає багато ресурсів, навіть за умов використання </a:t>
-            </a:r>
-            <a:r>
-              <a:rPr lang="uk-UA" dirty="0" err="1"/>
-              <a:t>сабсетів</a:t>
-            </a:r>
-            <a:r>
-              <a:rPr lang="uk-UA" dirty="0"/>
-              <a:t> меншого розміру  (генерація </a:t>
-            </a:r>
-            <a:r>
-              <a:rPr lang="uk-UA" dirty="0" err="1"/>
-              <a:t>датасету</a:t>
-            </a:r>
-            <a:r>
-              <a:rPr lang="uk-UA" dirty="0"/>
-              <a:t> файли: </a:t>
-            </a:r>
-            <a:r>
-              <a:rPr lang="en-US" dirty="0" err="1"/>
-              <a:t>tsv_uk_en.ipynb</a:t>
-            </a:r>
-            <a:r>
-              <a:rPr lang="uk-UA" dirty="0"/>
+              <a:rPr dirty="0"/>
+              <a:t>🎤  Whisper + </a:t>
+            </a:r>
+            <a:r>
+              <a:rPr dirty="0" err="1"/>
+              <a:t>LanguageTool</a:t>
+            </a:r>
+            <a:endParaRPr dirty="0"/>
+          </a:p>
+          <a:p>
+            <a:pPr marL="0" indent="0">
+              <a:buNone/>
+            </a:pPr>
+            <a:r>
+              <a:rPr dirty="0"/>
+              <a:t>✍️  </a:t>
+            </a:r>
+            <a:r>
+              <a:rPr dirty="0" err="1"/>
+              <a:t>Успішна</a:t>
+            </a:r>
+            <a:r>
+              <a:rPr dirty="0"/>
+              <a:t> </a:t>
+            </a:r>
+            <a:r>
+              <a:rPr dirty="0" err="1"/>
+              <a:t>транскрипція</a:t>
+            </a:r>
+            <a:r>
+              <a:rPr dirty="0"/>
+              <a:t> з </a:t>
+            </a:r>
+            <a:r>
+              <a:rPr dirty="0" err="1"/>
+              <a:t>автодетекцією</a:t>
+            </a:r>
+            <a:r>
+              <a:rPr dirty="0"/>
+              <a:t> </a:t>
+            </a:r>
+            <a:r>
+              <a:rPr dirty="0" err="1"/>
+              <a:t>мови</a:t>
+            </a:r>
+            <a:endParaRPr dirty="0"/>
+          </a:p>
+          <a:p>
+            <a:pPr marL="0" indent="0">
+              <a:buNone/>
+            </a:pPr>
+            <a:r>
+              <a:rPr dirty="0"/>
+              <a:t>⚠️  </a:t>
+            </a:r>
+            <a:r>
+              <a:rPr dirty="0" err="1"/>
+              <a:t>Проблема</a:t>
+            </a:r>
+            <a:r>
+              <a:rPr dirty="0"/>
+              <a:t>: </a:t>
+            </a:r>
+            <a:r>
+              <a:rPr dirty="0" err="1"/>
+              <a:t>ffmpeg</a:t>
+            </a:r>
+            <a:r>
+              <a:rPr dirty="0"/>
               <a:t>, </a:t>
             </a:r>
             <a:r>
-              <a:rPr lang="en-US" dirty="0" err="1"/>
-              <a:t>tsv_en_uk.ipynb</a:t>
-            </a:r>
-            <a:r>
-              <a:rPr lang="en-US" dirty="0"/>
-              <a:t>)</a:t>
-            </a:r>
-          </a:p>
-          <a:p>
-            <a:pPr lvl="1"/>
-            <a:r>
-              <a:rPr lang="uk-UA" dirty="0"/>
-              <a:t>відповідно, навчено два підтипи моделі згідно напрямку перекладу: </a:t>
-            </a:r>
-          </a:p>
-          <a:p>
-            <a:pPr marL="457200" lvl="1" indent="0">
-              <a:buNone/>
-            </a:pPr>
-            <a:r>
-              <a:rPr lang="uk-UA" dirty="0"/>
-              <a:t>   файли </a:t>
-            </a:r>
-            <a:r>
-              <a:rPr lang="en-US" dirty="0" err="1"/>
-              <a:t>trainer_uk_en_pynb.ipynb</a:t>
-            </a:r>
-            <a:r>
-              <a:rPr lang="uk-UA" dirty="0"/>
-              <a:t>, </a:t>
-            </a:r>
-            <a:r>
-              <a:rPr lang="nl-NL" dirty="0"/>
-              <a:t>trainer_en_uk_4.ipynb</a:t>
-            </a:r>
-            <a:endParaRPr lang="uk-UA" dirty="0"/>
-          </a:p>
-          <a:p>
-            <a:pPr lvl="1"/>
-            <a:r>
-              <a:rPr lang="uk-UA" dirty="0"/>
-              <a:t>Проведено </a:t>
-            </a:r>
-            <a:r>
-              <a:rPr lang="uk-UA" dirty="0" err="1"/>
-              <a:t>валідацію</a:t>
-            </a:r>
-            <a:r>
-              <a:rPr lang="uk-UA" dirty="0"/>
-              <a:t>, тестування якості обох моделей, згідно метрик </a:t>
-            </a:r>
-            <a:r>
-              <a:rPr lang="en-US" dirty="0"/>
-              <a:t>BLEU </a:t>
-            </a:r>
-            <a:r>
-              <a:rPr lang="uk-UA" dirty="0"/>
-              <a:t>зафіксовано </a:t>
-            </a:r>
-            <a:r>
-              <a:rPr lang="en-US" dirty="0"/>
-              <a:t>EN_UK </a:t>
-            </a:r>
-            <a:r>
-              <a:rPr lang="uk-UA" dirty="0"/>
-              <a:t>-</a:t>
-            </a:r>
-            <a:r>
-              <a:rPr lang="en-US" dirty="0"/>
-              <a:t>&gt; 19.88, UK_EN -&gt; 32.14</a:t>
-            </a:r>
-            <a:r>
-              <a:rPr lang="uk-UA" dirty="0"/>
-              <a:t>. </a:t>
-            </a:r>
-          </a:p>
-          <a:p>
-            <a:pPr marL="457200" lvl="1" indent="0">
-              <a:buNone/>
-            </a:pPr>
-            <a:r>
-              <a:rPr lang="uk-UA" dirty="0"/>
-              <a:t>	труднощі виникли з </a:t>
-            </a:r>
-            <a:r>
-              <a:rPr lang="uk-UA" dirty="0" err="1"/>
-              <a:t>дотренування</a:t>
-            </a:r>
-            <a:r>
-              <a:rPr lang="uk-UA" dirty="0"/>
-              <a:t> першої моделі, так як велика кількість розрахункових ітерацій, </a:t>
-            </a:r>
-            <a:r>
-              <a:rPr lang="en-US" dirty="0"/>
-              <a:t>GOOGLE </a:t>
-            </a:r>
-            <a:r>
-              <a:rPr lang="en-US" dirty="0" err="1"/>
-              <a:t>Colab</a:t>
-            </a:r>
-            <a:r>
-              <a:rPr lang="en-US" dirty="0"/>
+              <a:rPr dirty="0" err="1"/>
+              <a:t>сумісність</a:t>
+            </a:r>
+            <a:r>
+              <a:rPr dirty="0"/>
               <a:t> </a:t>
             </a:r>
             <a:r>
-              <a:rPr lang="uk-UA" dirty="0"/>
-              <a:t>постійно викидав і не давав можливості завершити процес. Було прийнято рішення рухатися далі. </a:t>
-            </a:r>
-          </a:p>
-          <a:p>
-            <a:pPr marL="457200" lvl="1" indent="0">
-              <a:buNone/>
-            </a:pPr>
-            <a:r>
-              <a:rPr lang="uk-UA" dirty="0"/>
-              <a:t>           </a:t>
-            </a:r>
-            <a:endParaRPr lang="en-US" dirty="0"/>
+              <a:rPr dirty="0" err="1"/>
+              <a:t>систем</a:t>
+            </a:r>
+            <a:endParaRPr dirty="0"/>
           </a:p>
         </p:txBody>
       </p:sp>
     </p:spTree>
-    <p:extLst>
-      <p:ext uri="{BB962C8B-B14F-4D97-AF65-F5344CB8AC3E}">
-        <p14:creationId xmlns:p14="http://schemas.microsoft.com/office/powerpoint/2010/main" val="1622910223"/>
-      </p:ext>
-    </p:extLst>
   </p:cSld>
   <p:clrMapOvr>
     <a:masterClrMapping/>
@@ -4442,10 +3994,635 @@
       </p:grpSpPr>
       <p:sp>
         <p:nvSpPr>
+          <p:cNvPr id="2" name="Title 1"/>
+          <p:cNvSpPr>
+            <a:spLocks noGrp="1"/>
+          </p:cNvSpPr>
+          <p:nvPr>
+            <p:ph type="title"/>
+          </p:nvPr>
+        </p:nvSpPr>
+        <p:spPr/>
+        <p:txBody>
+          <a:bodyPr/>
+          <a:lstStyle/>
+          <a:p>
+            <a:r>
+              <a:t>Фаза 2 – Машинний переклад</a:t>
+            </a:r>
+          </a:p>
+        </p:txBody>
+      </p:sp>
+      <p:sp>
+        <p:nvSpPr>
+          <p:cNvPr id="3" name="Content Placeholder 2"/>
+          <p:cNvSpPr>
+            <a:spLocks noGrp="1"/>
+          </p:cNvSpPr>
+          <p:nvPr>
+            <p:ph idx="1"/>
+          </p:nvPr>
+        </p:nvSpPr>
+        <p:spPr/>
+        <p:txBody>
+          <a:bodyPr/>
+          <a:lstStyle/>
+          <a:p>
+            <a:pPr marL="0" indent="0">
+              <a:buNone/>
+            </a:pPr>
+            <a:r>
+              <a:rPr dirty="0"/>
+              <a:t>🔁  </a:t>
+            </a:r>
+            <a:r>
+              <a:rPr dirty="0" err="1"/>
+              <a:t>MarianMT</a:t>
+            </a:r>
+            <a:r>
+              <a:rPr dirty="0"/>
+              <a:t> (</a:t>
+            </a:r>
+            <a:r>
+              <a:rPr dirty="0" err="1"/>
+              <a:t>HuggingFace</a:t>
+            </a:r>
+            <a:r>
+              <a:rPr dirty="0"/>
+              <a:t>)</a:t>
+            </a:r>
+          </a:p>
+          <a:p>
+            <a:pPr marL="0" indent="0">
+              <a:buNone/>
+            </a:pPr>
+            <a:r>
+              <a:rPr dirty="0"/>
+              <a:t>📂  Dataset: OPUS HPLT (UK ↔ EN)</a:t>
+            </a:r>
+          </a:p>
+          <a:p>
+            <a:pPr marL="0" indent="0">
+              <a:buNone/>
+            </a:pPr>
+            <a:r>
+              <a:rPr dirty="0"/>
+              <a:t>📊  BLEU: EN→UK = 19.88, UK→EN = 32.14</a:t>
+            </a:r>
+          </a:p>
+          <a:p>
+            <a:pPr marL="0" indent="0">
+              <a:buNone/>
+            </a:pPr>
+            <a:r>
+              <a:rPr dirty="0"/>
+              <a:t>☁️  </a:t>
+            </a:r>
+            <a:r>
+              <a:rPr dirty="0" err="1"/>
+              <a:t>Проблема</a:t>
+            </a:r>
+            <a:r>
+              <a:rPr dirty="0"/>
+              <a:t>: </a:t>
+            </a:r>
+            <a:r>
+              <a:rPr dirty="0" err="1"/>
+              <a:t>нестабільність</a:t>
+            </a:r>
+            <a:r>
+              <a:rPr dirty="0"/>
+              <a:t> </a:t>
+            </a:r>
+            <a:r>
+              <a:rPr dirty="0" err="1"/>
+              <a:t>Colab</a:t>
+            </a:r>
+            <a:r>
+              <a:rPr dirty="0"/>
+              <a:t>, </a:t>
+            </a:r>
+            <a:r>
+              <a:rPr dirty="0" err="1"/>
+              <a:t>довгі</a:t>
+            </a:r>
+            <a:r>
+              <a:rPr dirty="0"/>
+              <a:t> </a:t>
+            </a:r>
+            <a:r>
+              <a:rPr dirty="0" err="1"/>
+              <a:t>ітерації</a:t>
+            </a:r>
+            <a:endParaRPr dirty="0"/>
+          </a:p>
+        </p:txBody>
+      </p:sp>
+    </p:spTree>
+  </p:cSld>
+  <p:clrMapOvr>
+    <a:masterClrMapping/>
+  </p:clrMapOvr>
+</p:sld>
+</file>
+
+<file path=ppt/slides/slide7.xml><?xml version="1.0" encoding="utf-8"?>
+<p:sld xmlns:a="http://schemas.openxmlformats.org/drawingml/2006/main" xmlns:r="http://schemas.openxmlformats.org/officeDocument/2006/relationships" xmlns:p="http://schemas.openxmlformats.org/presentationml/2006/main">
+  <p:cSld>
+    <p:spTree>
+      <p:nvGrpSpPr>
+        <p:cNvPr id="1" name=""/>
+        <p:cNvGrpSpPr/>
+        <p:nvPr/>
+      </p:nvGrpSpPr>
+      <p:grpSpPr>
+        <a:xfrm>
+          <a:off x="0" y="0"/>
+          <a:ext cx="0" cy="0"/>
+          <a:chOff x="0" y="0"/>
+          <a:chExt cx="0" cy="0"/>
+        </a:xfrm>
+      </p:grpSpPr>
+      <p:sp>
+        <p:nvSpPr>
+          <p:cNvPr id="2" name="Title 1"/>
+          <p:cNvSpPr>
+            <a:spLocks noGrp="1"/>
+          </p:cNvSpPr>
+          <p:nvPr>
+            <p:ph type="title"/>
+          </p:nvPr>
+        </p:nvSpPr>
+        <p:spPr/>
+        <p:txBody>
+          <a:bodyPr/>
+          <a:lstStyle/>
+          <a:p>
+            <a:r>
+              <a:t>Фаза 3 – Озвучка результату</a:t>
+            </a:r>
+          </a:p>
+        </p:txBody>
+      </p:sp>
+      <p:sp>
+        <p:nvSpPr>
+          <p:cNvPr id="3" name="Content Placeholder 2"/>
+          <p:cNvSpPr>
+            <a:spLocks noGrp="1"/>
+          </p:cNvSpPr>
+          <p:nvPr>
+            <p:ph idx="1"/>
+          </p:nvPr>
+        </p:nvSpPr>
+        <p:spPr/>
+        <p:txBody>
+          <a:bodyPr/>
+          <a:lstStyle/>
+          <a:p>
+            <a:pPr marL="0" indent="0">
+              <a:buNone/>
+            </a:pPr>
+            <a:r>
+              <a:rPr dirty="0"/>
+              <a:t>🗣️  </a:t>
+            </a:r>
+            <a:r>
+              <a:rPr dirty="0" err="1"/>
+              <a:t>NeMo</a:t>
+            </a:r>
+            <a:r>
+              <a:rPr dirty="0"/>
+              <a:t> TTS, </a:t>
+            </a:r>
+            <a:r>
+              <a:rPr dirty="0" err="1"/>
+              <a:t>theodotus</a:t>
+            </a:r>
+            <a:r>
+              <a:rPr dirty="0"/>
+              <a:t>/</a:t>
+            </a:r>
+            <a:r>
+              <a:rPr dirty="0" err="1"/>
+              <a:t>tts_uk_fastpitch</a:t>
+            </a:r>
+            <a:endParaRPr dirty="0"/>
+          </a:p>
+          <a:p>
+            <a:pPr marL="0" indent="0">
+              <a:buNone/>
+            </a:pPr>
+            <a:r>
+              <a:rPr dirty="0"/>
+              <a:t>• </a:t>
+            </a:r>
+            <a:r>
+              <a:rPr dirty="0" err="1"/>
+              <a:t>Ручний</a:t>
+            </a:r>
+            <a:r>
+              <a:rPr dirty="0"/>
+              <a:t> </a:t>
+            </a:r>
+            <a:r>
+              <a:rPr dirty="0" err="1"/>
+              <a:t>пошук</a:t>
+            </a:r>
+            <a:r>
+              <a:rPr dirty="0"/>
+              <a:t> </a:t>
+            </a:r>
+            <a:r>
+              <a:rPr dirty="0" err="1"/>
+              <a:t>токенайзера</a:t>
+            </a:r>
+            <a:r>
+              <a:rPr dirty="0"/>
+              <a:t> й </a:t>
+            </a:r>
+            <a:r>
+              <a:rPr dirty="0" err="1"/>
+              <a:t>транслітератора</a:t>
+            </a:r>
+            <a:endParaRPr dirty="0"/>
+          </a:p>
+          <a:p>
+            <a:pPr marL="0" indent="0">
+              <a:buNone/>
+            </a:pPr>
+            <a:r>
+              <a:rPr dirty="0"/>
+              <a:t>🔈 </a:t>
+            </a:r>
+            <a:r>
+              <a:rPr dirty="0" err="1"/>
+              <a:t>Успішна</a:t>
+            </a:r>
+            <a:r>
+              <a:rPr dirty="0"/>
+              <a:t> </a:t>
+            </a:r>
+            <a:r>
+              <a:rPr dirty="0" err="1"/>
+              <a:t>реалізація</a:t>
+            </a:r>
+            <a:r>
+              <a:rPr dirty="0"/>
+              <a:t> </a:t>
+            </a:r>
+            <a:r>
+              <a:rPr dirty="0" err="1"/>
+              <a:t>озвучення</a:t>
+            </a:r>
+            <a:r>
+              <a:rPr dirty="0"/>
+              <a:t> </a:t>
+            </a:r>
+            <a:r>
+              <a:rPr lang="uk-UA" dirty="0"/>
+              <a:t>переведеного тексту</a:t>
+            </a:r>
+            <a:endParaRPr dirty="0"/>
+          </a:p>
+        </p:txBody>
+      </p:sp>
+    </p:spTree>
+  </p:cSld>
+  <p:clrMapOvr>
+    <a:masterClrMapping/>
+  </p:clrMapOvr>
+</p:sld>
+</file>
+
+<file path=ppt/slides/slide8.xml><?xml version="1.0" encoding="utf-8"?>
+<p:sld xmlns:a="http://schemas.openxmlformats.org/drawingml/2006/main" xmlns:r="http://schemas.openxmlformats.org/officeDocument/2006/relationships" xmlns:p="http://schemas.openxmlformats.org/presentationml/2006/main">
+  <p:cSld>
+    <p:spTree>
+      <p:nvGrpSpPr>
+        <p:cNvPr id="1" name=""/>
+        <p:cNvGrpSpPr/>
+        <p:nvPr/>
+      </p:nvGrpSpPr>
+      <p:grpSpPr>
+        <a:xfrm>
+          <a:off x="0" y="0"/>
+          <a:ext cx="0" cy="0"/>
+          <a:chOff x="0" y="0"/>
+          <a:chExt cx="0" cy="0"/>
+        </a:xfrm>
+      </p:grpSpPr>
+      <p:sp>
+        <p:nvSpPr>
+          <p:cNvPr id="2" name="Title 1"/>
+          <p:cNvSpPr>
+            <a:spLocks noGrp="1"/>
+          </p:cNvSpPr>
+          <p:nvPr>
+            <p:ph type="title"/>
+          </p:nvPr>
+        </p:nvSpPr>
+        <p:spPr/>
+        <p:txBody>
+          <a:bodyPr/>
+          <a:lstStyle/>
+          <a:p>
+            <a:r>
+              <a:t>Статус реалізації</a:t>
+            </a:r>
+          </a:p>
+        </p:txBody>
+      </p:sp>
+      <p:graphicFrame>
+        <p:nvGraphicFramePr>
+          <p:cNvPr id="3" name="Table 2"/>
+          <p:cNvGraphicFramePr>
+            <a:graphicFrameLocks noGrp="1"/>
+          </p:cNvGraphicFramePr>
+          <p:nvPr/>
+        </p:nvGraphicFramePr>
+        <p:xfrm>
+          <a:off x="457200" y="1371600"/>
+          <a:ext cx="8229600" cy="2322576"/>
+        </p:xfrm>
+        <a:graphic>
+          <a:graphicData uri="http://schemas.openxmlformats.org/drawingml/2006/table">
+            <a:tbl>
+              <a:tblPr firstRow="1" bandRow="1">
+                <a:tableStyleId>{5C22544A-7EE6-4342-B048-85BDC9FD1C3A}</a:tableStyleId>
+              </a:tblPr>
+              <a:tblGrid>
+                <a:gridCol w="2743200">
+                  <a:extLst>
+                    <a:ext uri="{9D8B030D-6E8A-4147-A177-3AD203B41FA5}">
+                      <a16:colId xmlns:a16="http://schemas.microsoft.com/office/drawing/2014/main" val="20000"/>
+                    </a:ext>
+                  </a:extLst>
+                </a:gridCol>
+                <a:gridCol w="2743200">
+                  <a:extLst>
+                    <a:ext uri="{9D8B030D-6E8A-4147-A177-3AD203B41FA5}">
+                      <a16:colId xmlns:a16="http://schemas.microsoft.com/office/drawing/2014/main" val="20001"/>
+                    </a:ext>
+                  </a:extLst>
+                </a:gridCol>
+                <a:gridCol w="2743200">
+                  <a:extLst>
+                    <a:ext uri="{9D8B030D-6E8A-4147-A177-3AD203B41FA5}">
+                      <a16:colId xmlns:a16="http://schemas.microsoft.com/office/drawing/2014/main" val="20002"/>
+                    </a:ext>
+                  </a:extLst>
+                </a:gridCol>
+              </a:tblGrid>
+              <a:tr h="420624">
+                <a:tc>
+                  <a:txBody>
+                    <a:bodyPr/>
+                    <a:lstStyle/>
+                    <a:p>
+                      <a:r>
+                        <a:t>Етап</a:t>
+                      </a:r>
+                    </a:p>
+                  </a:txBody>
+                  <a:tcPr/>
+                </a:tc>
+                <a:tc>
+                  <a:txBody>
+                    <a:bodyPr/>
+                    <a:lstStyle/>
+                    <a:p>
+                      <a:r>
+                        <a:t>Стан</a:t>
+                      </a:r>
+                    </a:p>
+                  </a:txBody>
+                  <a:tcPr/>
+                </a:tc>
+                <a:tc>
+                  <a:txBody>
+                    <a:bodyPr/>
+                    <a:lstStyle/>
+                    <a:p>
+                      <a:r>
+                        <a:t>Коментар</a:t>
+                      </a:r>
+                    </a:p>
+                  </a:txBody>
+                  <a:tcPr/>
+                </a:tc>
+                <a:extLst>
+                  <a:ext uri="{0D108BD9-81ED-4DB2-BD59-A6C34878D82A}">
+                    <a16:rowId xmlns:a16="http://schemas.microsoft.com/office/drawing/2014/main" val="10000"/>
+                  </a:ext>
+                </a:extLst>
+              </a:tr>
+              <a:tr h="420624">
+                <a:tc>
+                  <a:txBody>
+                    <a:bodyPr/>
+                    <a:lstStyle/>
+                    <a:p>
+                      <a:r>
+                        <a:t>STT</a:t>
+                      </a:r>
+                    </a:p>
+                  </a:txBody>
+                  <a:tcPr/>
+                </a:tc>
+                <a:tc>
+                  <a:txBody>
+                    <a:bodyPr/>
+                    <a:lstStyle/>
+                    <a:p>
+                      <a:r>
+                        <a:t>✅ завершено</a:t>
+                      </a:r>
+                    </a:p>
+                  </a:txBody>
+                  <a:tcPr/>
+                </a:tc>
+                <a:tc>
+                  <a:txBody>
+                    <a:bodyPr/>
+                    <a:lstStyle/>
+                    <a:p>
+                      <a:r>
+                        <a:t>Якісна транскрипція</a:t>
+                      </a:r>
+                    </a:p>
+                  </a:txBody>
+                  <a:tcPr/>
+                </a:tc>
+                <a:extLst>
+                  <a:ext uri="{0D108BD9-81ED-4DB2-BD59-A6C34878D82A}">
+                    <a16:rowId xmlns:a16="http://schemas.microsoft.com/office/drawing/2014/main" val="10001"/>
+                  </a:ext>
+                </a:extLst>
+              </a:tr>
+              <a:tr h="420624">
+                <a:tc>
+                  <a:txBody>
+                    <a:bodyPr/>
+                    <a:lstStyle/>
+                    <a:p>
+                      <a:r>
+                        <a:t>MT</a:t>
+                      </a:r>
+                    </a:p>
+                  </a:txBody>
+                  <a:tcPr/>
+                </a:tc>
+                <a:tc>
+                  <a:txBody>
+                    <a:bodyPr/>
+                    <a:lstStyle/>
+                    <a:p>
+                      <a:r>
+                        <a:t>✅ частково</a:t>
+                      </a:r>
+                    </a:p>
+                  </a:txBody>
+                  <a:tcPr/>
+                </a:tc>
+                <a:tc>
+                  <a:txBody>
+                    <a:bodyPr/>
+                    <a:lstStyle/>
+                    <a:p>
+                      <a:r>
+                        <a:t>Обидва напрямки навчені</a:t>
+                      </a:r>
+                    </a:p>
+                  </a:txBody>
+                  <a:tcPr/>
+                </a:tc>
+                <a:extLst>
+                  <a:ext uri="{0D108BD9-81ED-4DB2-BD59-A6C34878D82A}">
+                    <a16:rowId xmlns:a16="http://schemas.microsoft.com/office/drawing/2014/main" val="10002"/>
+                  </a:ext>
+                </a:extLst>
+              </a:tr>
+              <a:tr h="420624">
+                <a:tc>
+                  <a:txBody>
+                    <a:bodyPr/>
+                    <a:lstStyle/>
+                    <a:p>
+                      <a:r>
+                        <a:t>TTS</a:t>
+                      </a:r>
+                    </a:p>
+                  </a:txBody>
+                  <a:tcPr/>
+                </a:tc>
+                <a:tc>
+                  <a:txBody>
+                    <a:bodyPr/>
+                    <a:lstStyle/>
+                    <a:p>
+                      <a:r>
+                        <a:t>✅ завершено</a:t>
+                      </a:r>
+                    </a:p>
+                  </a:txBody>
+                  <a:tcPr/>
+                </a:tc>
+                <a:tc>
+                  <a:txBody>
+                    <a:bodyPr/>
+                    <a:lstStyle/>
+                    <a:p>
+                      <a:r>
+                        <a:t>Український TTS працює</a:t>
+                      </a:r>
+                    </a:p>
+                  </a:txBody>
+                  <a:tcPr/>
+                </a:tc>
+                <a:extLst>
+                  <a:ext uri="{0D108BD9-81ED-4DB2-BD59-A6C34878D82A}">
+                    <a16:rowId xmlns:a16="http://schemas.microsoft.com/office/drawing/2014/main" val="10003"/>
+                  </a:ext>
+                </a:extLst>
+              </a:tr>
+              <a:tr h="420624">
+                <a:tc>
+                  <a:txBody>
+                    <a:bodyPr/>
+                    <a:lstStyle/>
+                    <a:p>
+                      <a:r>
+                        <a:t>Web</a:t>
+                      </a:r>
+                    </a:p>
+                  </a:txBody>
+                  <a:tcPr/>
+                </a:tc>
+                <a:tc>
+                  <a:txBody>
+                    <a:bodyPr/>
+                    <a:lstStyle/>
+                    <a:p>
+                      <a:r>
+                        <a:t>🔄 в процесі</a:t>
+                      </a:r>
+                    </a:p>
+                  </a:txBody>
+                  <a:tcPr/>
+                </a:tc>
+                <a:tc>
+                  <a:txBody>
+                    <a:bodyPr/>
+                    <a:lstStyle/>
+                    <a:p>
+                      <a:r>
+                        <a:t>Планується інтеграція Flask</a:t>
+                      </a:r>
+                    </a:p>
+                  </a:txBody>
+                  <a:tcPr/>
+                </a:tc>
+                <a:extLst>
+                  <a:ext uri="{0D108BD9-81ED-4DB2-BD59-A6C34878D82A}">
+                    <a16:rowId xmlns:a16="http://schemas.microsoft.com/office/drawing/2014/main" val="10004"/>
+                  </a:ext>
+                </a:extLst>
+              </a:tr>
+            </a:tbl>
+          </a:graphicData>
+        </a:graphic>
+      </p:graphicFrame>
+    </p:spTree>
+  </p:cSld>
+  <p:clrMapOvr>
+    <a:masterClrMapping/>
+  </p:clrMapOvr>
+</p:sld>
+</file>
+
+<file path=ppt/slides/slide9.xml><?xml version="1.0" encoding="utf-8"?>
+<p:sld xmlns:a="http://schemas.openxmlformats.org/drawingml/2006/main" xmlns:r="http://schemas.openxmlformats.org/officeDocument/2006/relationships" xmlns:p="http://schemas.openxmlformats.org/presentationml/2006/main">
+  <p:cSld>
+    <p:spTree>
+      <p:nvGrpSpPr>
+        <p:cNvPr id="1" name=""/>
+        <p:cNvGrpSpPr/>
+        <p:nvPr/>
+      </p:nvGrpSpPr>
+      <p:grpSpPr>
+        <a:xfrm>
+          <a:off x="0" y="0"/>
+          <a:ext cx="0" cy="0"/>
+          <a:chOff x="0" y="0"/>
+          <a:chExt cx="0" cy="0"/>
+        </a:xfrm>
+      </p:grpSpPr>
+      <p:sp>
+        <p:nvSpPr>
           <p:cNvPr id="2" name="Заголовок 1">
             <a:extLst>
               <a:ext uri="{FF2B5EF4-FFF2-40B4-BE49-F238E27FC236}">
-                <a16:creationId xmlns:a16="http://schemas.microsoft.com/office/drawing/2014/main" id="{6B12FEED-C9D6-2AE7-F997-46F48C1D0DCA}"/>
+                <a16:creationId xmlns:a16="http://schemas.microsoft.com/office/drawing/2014/main" id="{A8F69F72-7C0E-17A4-5F18-3CAB99A7B62E}"/>
               </a:ext>
             </a:extLst>
           </p:cNvPr>
@@ -4456,217 +4633,413 @@
             <p:ph type="title"/>
           </p:nvPr>
         </p:nvSpPr>
-        <p:spPr/>
-        <p:txBody>
-          <a:bodyPr/>
-          <a:lstStyle/>
-          <a:p>
-            <a:r>
-              <a:rPr lang="uk-UA" dirty="0"/>
-              <a:t>Практичні сторони реалізації проекту</a:t>
-            </a:r>
-            <a:endParaRPr lang="en-US" dirty="0"/>
-          </a:p>
-        </p:txBody>
-      </p:sp>
-      <p:sp>
-        <p:nvSpPr>
-          <p:cNvPr id="3" name="Місце для вмісту 2">
+        <p:spPr>
+          <a:xfrm>
+            <a:off x="457200" y="274638"/>
+            <a:ext cx="8229600" cy="777985"/>
+          </a:xfrm>
+        </p:spPr>
+        <p:txBody>
+          <a:bodyPr>
+            <a:noAutofit/>
+          </a:bodyPr>
+          <a:lstStyle/>
+          <a:p>
+            <a:r>
+              <a:rPr lang="ru-RU" sz="3200" dirty="0" err="1"/>
+              <a:t>Перелік</a:t>
+            </a:r>
+            <a:r>
+              <a:rPr lang="ru-RU" sz="3200" dirty="0"/>
+              <a:t> </a:t>
+            </a:r>
+            <a:r>
+              <a:rPr lang="ru-RU" sz="3200" dirty="0" err="1"/>
+              <a:t>релевантних</a:t>
+            </a:r>
+            <a:r>
+              <a:rPr lang="ru-RU" sz="3200" dirty="0"/>
+              <a:t> </a:t>
+            </a:r>
+            <a:r>
+              <a:rPr lang="ru-RU" sz="3200" dirty="0" err="1"/>
+              <a:t>файлів</a:t>
+            </a:r>
+            <a:r>
+              <a:rPr lang="ru-RU" sz="3200" dirty="0"/>
+              <a:t>/папок на </a:t>
+            </a:r>
+            <a:r>
+              <a:rPr lang="ru-RU" sz="3200" dirty="0" err="1"/>
+              <a:t>Github</a:t>
+            </a:r>
+            <a:r>
+              <a:rPr lang="ru-RU" sz="3200" dirty="0"/>
+              <a:t>: </a:t>
+            </a:r>
+            <a:endParaRPr lang="en-US" sz="3200" dirty="0"/>
+          </a:p>
+        </p:txBody>
+      </p:sp>
+      <p:sp>
+        <p:nvSpPr>
+          <p:cNvPr id="6" name="TextBox 5">
             <a:extLst>
               <a:ext uri="{FF2B5EF4-FFF2-40B4-BE49-F238E27FC236}">
-                <a16:creationId xmlns:a16="http://schemas.microsoft.com/office/drawing/2014/main" id="{9D6194FF-9DB6-2710-B5C2-35D0F1CCC0D5}"/>
+                <a16:creationId xmlns:a16="http://schemas.microsoft.com/office/drawing/2014/main" id="{576CFF40-C5FE-3A20-D33B-2414BAAF1741}"/>
               </a:ext>
             </a:extLst>
           </p:cNvPr>
-          <p:cNvSpPr>
-            <a:spLocks noGrp="1"/>
-          </p:cNvSpPr>
-          <p:nvPr>
-            <p:ph idx="1"/>
-          </p:nvPr>
-        </p:nvSpPr>
-        <p:spPr/>
-        <p:txBody>
-          <a:bodyPr/>
+          <p:cNvSpPr txBox="1"/>
+          <p:nvPr/>
+        </p:nvSpPr>
+        <p:spPr>
+          <a:xfrm>
+            <a:off x="637953" y="1052623"/>
+            <a:ext cx="7517219" cy="5632311"/>
+          </a:xfrm>
+          <a:prstGeom prst="rect">
+            <a:avLst/>
+          </a:prstGeom>
+          <a:noFill/>
+        </p:spPr>
+        <p:txBody>
+          <a:bodyPr wrap="square" rtlCol="0">
+            <a:spAutoFit/>
+          </a:bodyPr>
           <a:lstStyle/>
           <a:p>
             <a:r>
               <a:rPr lang="uk-UA" dirty="0"/>
-              <a:t>Фаза_3, пошук та використання </a:t>
+              <a:t>  </a:t>
             </a:r>
             <a:r>
               <a:rPr lang="en-US" dirty="0"/>
-              <a:t>TTS </a:t>
+              <a:t>-&gt; __</a:t>
+            </a:r>
+            <a:r>
+              <a:rPr lang="en-US" dirty="0" err="1"/>
+              <a:t>pycache</a:t>
+            </a:r>
+            <a:r>
+              <a:rPr lang="en-US" dirty="0"/>
+              <a:t>__  - </a:t>
+            </a:r>
+            <a:r>
+              <a:rPr lang="uk-UA" dirty="0" err="1"/>
+              <a:t>кешовані</a:t>
             </a:r>
             <a:r>
               <a:rPr lang="uk-UA" dirty="0"/>
-              <a:t>моделі </a:t>
+              <a:t> файли </a:t>
+            </a:r>
+            <a:r>
+              <a:rPr lang="uk-UA" dirty="0" err="1"/>
+              <a:t>токенайзера</a:t>
+            </a:r>
+            <a:r>
+              <a:rPr lang="uk-UA" dirty="0"/>
+              <a:t> при виконанні коду</a:t>
+            </a:r>
+          </a:p>
+          <a:p>
+            <a:r>
+              <a:rPr lang="uk-UA" dirty="0"/>
+              <a:t>  -&gt; </a:t>
+            </a:r>
+            <a:r>
+              <a:rPr lang="en-US" dirty="0" err="1"/>
+              <a:t>bleu_results</a:t>
             </a:r>
             <a:r>
               <a:rPr lang="en-US" dirty="0"/>
-              <a:t>text_2_speech</a:t>
+              <a:t> - </a:t>
             </a:r>
             <a:r>
               <a:rPr lang="uk-UA" dirty="0"/>
-              <a:t>:</a:t>
+              <a:t>автоматизовані (1000 тест на прикладів) результати </a:t>
+            </a:r>
+            <a:r>
+              <a:rPr lang="uk-UA" dirty="0" err="1"/>
+              <a:t>яості</a:t>
+            </a:r>
+            <a:r>
+              <a:rPr lang="uk-UA" dirty="0"/>
+              <a:t> навчання </a:t>
+            </a:r>
+            <a:r>
+              <a:rPr lang="en-US" dirty="0"/>
+              <a:t>LLM </a:t>
+            </a:r>
+            <a:r>
+              <a:rPr lang="uk-UA" dirty="0"/>
+              <a:t>за метрикою </a:t>
+            </a:r>
+            <a:r>
+              <a:rPr lang="en-US" dirty="0"/>
+              <a:t>BLEU</a:t>
+            </a:r>
+          </a:p>
+          <a:p>
+            <a:r>
+              <a:rPr lang="en-US" dirty="0"/>
+              <a:t>  -&gt; </a:t>
+            </a:r>
+            <a:r>
+              <a:rPr lang="en-US" dirty="0" err="1"/>
+              <a:t>examples_tests</a:t>
+            </a:r>
+            <a:r>
+              <a:rPr lang="en-US" dirty="0"/>
+              <a:t> - wav </a:t>
+            </a:r>
+            <a:r>
+              <a:rPr lang="uk-UA" dirty="0"/>
+              <a:t>файли тестування фінального коду з перекладом в обидві сторони</a:t>
+            </a:r>
+          </a:p>
+          <a:p>
+            <a:r>
+              <a:rPr lang="uk-UA" dirty="0"/>
+              <a:t>  -&gt; </a:t>
+            </a:r>
+            <a:r>
+              <a:rPr lang="en-US" dirty="0" err="1"/>
+              <a:t>fine_tuning_auto_validation</a:t>
+            </a:r>
+            <a:r>
+              <a:rPr lang="en-US" dirty="0"/>
+              <a:t> - </a:t>
+            </a:r>
+            <a:r>
+              <a:rPr lang="uk-UA" dirty="0"/>
+              <a:t>папка зі скриптами по </a:t>
+            </a:r>
+            <a:r>
+              <a:rPr lang="uk-UA" dirty="0" err="1"/>
+              <a:t>файн-тюнінгу</a:t>
+            </a:r>
+            <a:r>
+              <a:rPr lang="uk-UA" dirty="0"/>
+              <a:t> моделі</a:t>
             </a:r>
             <a:endParaRPr lang="en-US" dirty="0"/>
           </a:p>
           <a:p>
             <a:r>
+              <a:rPr lang="en-US" dirty="0"/>
+              <a:t>  -&gt; speech_2_voice_ai - </a:t>
+            </a:r>
+            <a:r>
               <a:rPr lang="uk-UA" dirty="0"/>
-              <a:t>використано бібліотеку </a:t>
-            </a:r>
-            <a:r>
-              <a:rPr lang="en-US" b="0" dirty="0" err="1">
-                <a:solidFill>
-                  <a:srgbClr val="CCCCCC"/>
-                </a:solidFill>
-                <a:effectLst/>
-                <a:latin typeface="Consolas" panose="020B0609020204030204" pitchFamily="49" charset="0"/>
-              </a:rPr>
-              <a:t>nemo.collections.tts.models</a:t>
-            </a:r>
-            <a:endParaRPr lang="uk-UA" b="0" dirty="0">
-              <a:solidFill>
-                <a:srgbClr val="CCCCCC"/>
-              </a:solidFill>
-              <a:effectLst/>
-              <a:latin typeface="Consolas" panose="020B0609020204030204" pitchFamily="49" charset="0"/>
-            </a:endParaRPr>
-          </a:p>
-          <a:p>
+              <a:t>папка зі скриптами і </a:t>
+            </a:r>
+            <a:r>
+              <a:rPr lang="uk-UA" dirty="0" err="1"/>
+              <a:t>фіналізованим</a:t>
+            </a:r>
             <a:r>
               <a:rPr lang="uk-UA" dirty="0"/>
-              <a:t>Труднощі, пошук української версії моделі, використано</a:t>
-            </a:r>
-            <a:r>
-              <a:rPr lang="uk-UA" dirty="0">
-                <a:solidFill>
-                  <a:srgbClr val="CCCCCC"/>
-                </a:solidFill>
-                <a:latin typeface="Consolas" panose="020B0609020204030204" pitchFamily="49" charset="0"/>
-              </a:rPr>
+              <a:t> кодом інтегрованої моделі перекладу </a:t>
+            </a:r>
+          </a:p>
+          <a:p>
+            <a:r>
+              <a:rPr lang="uk-UA" dirty="0"/>
+              <a:t>            -&gt;  </a:t>
+            </a:r>
+            <a:r>
+              <a:rPr lang="en-US" dirty="0"/>
+              <a:t>dictophone_trio_3.py  - </a:t>
+            </a:r>
+            <a:r>
+              <a:rPr lang="uk-UA" dirty="0"/>
+              <a:t>фінальний код моделі</a:t>
+            </a:r>
+          </a:p>
+          <a:p>
+            <a:r>
+              <a:rPr lang="uk-UA" dirty="0"/>
+              <a:t>  -&gt; </a:t>
+            </a:r>
+            <a:r>
+              <a:rPr lang="en-US" dirty="0" err="1"/>
+              <a:t>stati</a:t>
+            </a:r>
+            <a:r>
+              <a:rPr lang="uk-UA" dirty="0"/>
+              <a:t>с - наразі пуста папка </a:t>
+            </a:r>
+            <a:r>
+              <a:rPr lang="uk-UA" dirty="0" err="1"/>
+              <a:t>длі</a:t>
+            </a:r>
+            <a:r>
+              <a:rPr lang="uk-UA" dirty="0"/>
+              <a:t> веб інтегрованого коду</a:t>
+            </a:r>
+          </a:p>
+          <a:p>
+            <a:r>
+              <a:rPr lang="uk-UA" dirty="0"/>
+              <a:t>  -&gt; </a:t>
+            </a:r>
+            <a:r>
+              <a:rPr lang="en-US" dirty="0"/>
+              <a:t>templates - </a:t>
+            </a:r>
+            <a:r>
+              <a:rPr lang="uk-UA" dirty="0"/>
+              <a:t>папка для веб - інтеграції </a:t>
+            </a:r>
+            <a:r>
+              <a:rPr lang="en-US" dirty="0"/>
+              <a:t>index.html</a:t>
+            </a:r>
+          </a:p>
+          <a:p>
+            <a:r>
+              <a:rPr lang="en-US" dirty="0"/>
+              <a:t>  -&gt; </a:t>
+            </a:r>
+            <a:r>
+              <a:rPr lang="en-US" dirty="0" err="1"/>
+              <a:t>trained_models</a:t>
+            </a:r>
+            <a:r>
+              <a:rPr lang="en-US" dirty="0"/>
+              <a:t> - </a:t>
+            </a:r>
+            <a:r>
+              <a:rPr lang="uk-UA" dirty="0"/>
+              <a:t>лінки на скачування натренованих </a:t>
+            </a:r>
+            <a:r>
+              <a:rPr lang="en-US" dirty="0"/>
+              <a:t>LLM/MT </a:t>
+            </a:r>
+            <a:r>
+              <a:rPr lang="uk-UA" dirty="0"/>
+              <a:t>моделей, які перекладають текст</a:t>
+            </a:r>
+          </a:p>
+          <a:p>
+            <a:r>
+              <a:rPr lang="uk-UA" dirty="0"/>
+              <a:t>  -&gt; </a:t>
+            </a:r>
+            <a:r>
+              <a:rPr lang="en-US" dirty="0" err="1"/>
+              <a:t>training_inputs</a:t>
+            </a:r>
+            <a:r>
+              <a:rPr lang="en-US" dirty="0"/>
+              <a:t> - </a:t>
+            </a:r>
+            <a:r>
+              <a:rPr lang="uk-UA" dirty="0"/>
+              <a:t>скрипти для </a:t>
+            </a:r>
+            <a:r>
+              <a:rPr lang="uk-UA" dirty="0" err="1"/>
+              <a:t>обєднання</a:t>
+            </a:r>
+            <a:r>
+              <a:rPr lang="uk-UA" dirty="0"/>
+              <a:t> дата-сету для тренування </a:t>
+            </a:r>
+            <a:r>
+              <a:rPr lang="en-US" dirty="0"/>
+              <a:t>LLM/MT, </a:t>
+            </a:r>
+            <a:r>
+              <a:rPr lang="uk-UA" dirty="0"/>
+              <a:t>лінки на джерело відкритого дата-сету </a:t>
+            </a:r>
+          </a:p>
+          <a:p>
+            <a:r>
+              <a:rPr lang="uk-UA" dirty="0"/>
+              <a:t>  Файли: </a:t>
+            </a:r>
+          </a:p>
+          <a:p>
+            <a:r>
+              <a:rPr lang="uk-UA" dirty="0"/>
+              <a:t>  </a:t>
+            </a:r>
+            <a:r>
+              <a:rPr lang="en-US" dirty="0"/>
+              <a:t>readme.txt - </a:t>
+            </a:r>
+            <a:r>
+              <a:rPr lang="uk-UA" dirty="0"/>
+              <a:t>короткий огляд та структура матеріалів </a:t>
+            </a:r>
+          </a:p>
+          <a:p>
+            <a:r>
+              <a:rPr lang="uk-UA" dirty="0"/>
+              <a:t>  </a:t>
+            </a:r>
+            <a:r>
+              <a:rPr lang="en-US" dirty="0"/>
+              <a:t>CAPSTONE GEN AI.pptx - </a:t>
+            </a:r>
+            <a:r>
+              <a:rPr lang="uk-UA" dirty="0"/>
+              <a:t>звіт про виконаний </a:t>
+            </a:r>
+            <a:r>
+              <a:rPr lang="uk-UA" dirty="0" err="1"/>
+              <a:t>проєкт</a:t>
+            </a:r>
+            <a:r>
+              <a:rPr lang="uk-UA" dirty="0"/>
+              <a:t>, логіка/фази</a:t>
+            </a:r>
+          </a:p>
+          <a:p>
+            <a:r>
+              <a:rPr lang="uk-UA" dirty="0"/>
+              <a:t>  </a:t>
+            </a:r>
+            <a:r>
+              <a:rPr lang="en-US" dirty="0"/>
+              <a:t>tokenizer.py - </a:t>
+            </a:r>
+            <a:r>
+              <a:rPr lang="uk-UA" dirty="0"/>
+              <a:t>бекап-</a:t>
+            </a:r>
+            <a:r>
+              <a:rPr lang="uk-UA" dirty="0" err="1"/>
+              <a:t>версі</a:t>
+            </a:r>
+            <a:r>
+              <a:rPr lang="uk-UA" dirty="0"/>
               <a:t> </a:t>
             </a:r>
             <a:r>
-              <a:rPr lang="en-US" b="0" dirty="0" err="1">
-                <a:solidFill>
-                  <a:srgbClr val="CE9178"/>
-                </a:solidFill>
-                <a:effectLst/>
-                <a:latin typeface="Consolas" panose="020B0609020204030204" pitchFamily="49" charset="0"/>
-              </a:rPr>
-              <a:t>theodotus</a:t>
-            </a:r>
-            <a:r>
-              <a:rPr lang="en-US" b="0" dirty="0">
-                <a:solidFill>
-                  <a:srgbClr val="CE9178"/>
-                </a:solidFill>
-                <a:effectLst/>
-                <a:latin typeface="Consolas" panose="020B0609020204030204" pitchFamily="49" charset="0"/>
-              </a:rPr>
-              <a:t>/</a:t>
-            </a:r>
-            <a:r>
-              <a:rPr lang="en-US" b="0" dirty="0" err="1">
-                <a:solidFill>
-                  <a:srgbClr val="CE9178"/>
-                </a:solidFill>
-                <a:effectLst/>
-                <a:latin typeface="Consolas" panose="020B0609020204030204" pitchFamily="49" charset="0"/>
-              </a:rPr>
-              <a:t>tts_uk_fastpitch</a:t>
-            </a:r>
-            <a:r>
-              <a:rPr lang="uk-UA" b="0" dirty="0">
-                <a:solidFill>
-                  <a:srgbClr val="CE9178"/>
-                </a:solidFill>
-                <a:effectLst/>
-                <a:latin typeface="Consolas" panose="020B0609020204030204" pitchFamily="49" charset="0"/>
-              </a:rPr>
-              <a:t>, </a:t>
+              <a:rPr lang="uk-UA" dirty="0" err="1"/>
+              <a:t>токенайзера</a:t>
             </a:r>
             <a:r>
               <a:rPr lang="uk-UA" dirty="0"/>
-              <a:t>додатково потрібно було вручну знайти український </a:t>
+              <a:t> для української </a:t>
             </a:r>
             <a:r>
               <a:rPr lang="uk-UA" dirty="0" err="1"/>
-              <a:t>токенайзер</a:t>
-            </a:r>
-            <a:r>
-              <a:rPr lang="uk-UA" dirty="0"/>
-              <a:t> та </a:t>
-            </a:r>
-            <a:r>
-              <a:rPr lang="uk-UA" dirty="0" err="1"/>
-              <a:t>транслітератор</a:t>
-            </a:r>
-            <a:r>
-              <a:rPr lang="uk-UA" dirty="0"/>
-              <a:t> для </a:t>
-            </a:r>
-            <a:r>
-              <a:rPr lang="uk-UA" dirty="0" err="1"/>
-              <a:t>коретного</a:t>
-            </a:r>
-            <a:r>
-              <a:rPr lang="uk-UA" dirty="0"/>
-              <a:t> озвучення перекладеного на </a:t>
-            </a:r>
-            <a:r>
-              <a:rPr lang="uk-UA" dirty="0" err="1"/>
-              <a:t>україньску</a:t>
-            </a:r>
-            <a:r>
-              <a:rPr lang="uk-UA"/>
-              <a:t> тексту. </a:t>
-            </a:r>
-            <a:endParaRPr lang="en-US" dirty="0"/>
-          </a:p>
-          <a:p>
-            <a:endParaRPr lang="en-US" b="0" dirty="0">
-              <a:solidFill>
-                <a:srgbClr val="CCCCCC"/>
-              </a:solidFill>
-              <a:effectLst/>
-              <a:latin typeface="Consolas" panose="020B0609020204030204" pitchFamily="49" charset="0"/>
-            </a:endParaRPr>
-          </a:p>
-          <a:p>
-            <a:pPr marL="0" indent="0">
-              <a:buNone/>
-            </a:pPr>
-            <a:endParaRPr lang="en-US" b="0" dirty="0">
-              <a:solidFill>
-                <a:srgbClr val="CCCCCC"/>
-              </a:solidFill>
-              <a:effectLst/>
-              <a:latin typeface="Consolas" panose="020B0609020204030204" pitchFamily="49" charset="0"/>
-            </a:endParaRPr>
-          </a:p>
-          <a:p>
-            <a:pPr marL="0" indent="0">
-              <a:buNone/>
-            </a:pPr>
-            <a:r>
-              <a:rPr lang="en-US" dirty="0"/>
-              <a:t>	 	</a:t>
+              <a:t>озвучки</a:t>
             </a:r>
             <a:endParaRPr lang="uk-UA" dirty="0"/>
-          </a:p>
-          <a:p>
-            <a:endParaRPr lang="en-US" dirty="0"/>
           </a:p>
         </p:txBody>
       </p:sp>
     </p:spTree>
     <p:extLst>
       <p:ext uri="{BB962C8B-B14F-4D97-AF65-F5344CB8AC3E}">
-        <p14:creationId xmlns:p14="http://schemas.microsoft.com/office/powerpoint/2010/main" val="3539098690"/>
+        <p14:creationId xmlns:p14="http://schemas.microsoft.com/office/powerpoint/2010/main" val="1624113108"/>
       </p:ext>
     </p:extLst>
   </p:cSld>
@@ -4677,9 +5050,9 @@
 </file>
 
 <file path=ppt/theme/theme1.xml><?xml version="1.0" encoding="utf-8"?>
-<a:theme xmlns:a="http://schemas.openxmlformats.org/drawingml/2006/main" name="Тема Office">
+<a:theme xmlns:a="http://schemas.openxmlformats.org/drawingml/2006/main" name="Office Theme">
   <a:themeElements>
-    <a:clrScheme name="Офіс">
+    <a:clrScheme name="Office">
       <a:dk1>
         <a:sysClr val="windowText" lastClr="000000"/>
       </a:dk1>
@@ -4687,44 +5060,44 @@
         <a:sysClr val="window" lastClr="FFFFFF"/>
       </a:lt1>
       <a:dk2>
-        <a:srgbClr val="0E2841"/>
+        <a:srgbClr val="1F497D"/>
       </a:dk2>
       <a:lt2>
-        <a:srgbClr val="E8E8E8"/>
+        <a:srgbClr val="EEECE1"/>
       </a:lt2>
       <a:accent1>
-        <a:srgbClr val="156082"/>
+        <a:srgbClr val="4F81BD"/>
       </a:accent1>
       <a:accent2>
-        <a:srgbClr val="E97132"/>
+        <a:srgbClr val="C0504D"/>
       </a:accent2>
       <a:accent3>
-        <a:srgbClr val="196B24"/>
+        <a:srgbClr val="9BBB59"/>
       </a:accent3>
       <a:accent4>
-        <a:srgbClr val="0F9ED5"/>
+        <a:srgbClr val="8064A2"/>
       </a:accent4>
       <a:accent5>
-        <a:srgbClr val="A02B93"/>
+        <a:srgbClr val="4BACC6"/>
       </a:accent5>
       <a:accent6>
-        <a:srgbClr val="4EA72E"/>
+        <a:srgbClr val="F79646"/>
       </a:accent6>
       <a:hlink>
-        <a:srgbClr val="467886"/>
+        <a:srgbClr val="0000FF"/>
       </a:hlink>
       <a:folHlink>
-        <a:srgbClr val="96607D"/>
+        <a:srgbClr val="800080"/>
       </a:folHlink>
     </a:clrScheme>
-    <a:fontScheme name="Офіс">
+    <a:fontScheme name="Office">
       <a:majorFont>
-        <a:latin typeface="Aptos Display" panose="02110004020202020204"/>
+        <a:latin typeface="Calibri"/>
         <a:ea typeface=""/>
         <a:cs typeface=""/>
-        <a:font script="Jpan" typeface="游ゴシック Light"/>
+        <a:font script="Jpan" typeface="ＭＳ Ｐゴシック"/>
         <a:font script="Hang" typeface="맑은 고딕"/>
-        <a:font script="Hans" typeface="等线 Light"/>
+        <a:font script="Hans" typeface="宋体"/>
         <a:font script="Hant" typeface="新細明體"/>
         <a:font script="Arab" typeface="Times New Roman"/>
         <a:font script="Hebr" typeface="Times New Roman"/>
@@ -4752,31 +5125,14 @@
         <a:font script="Viet" typeface="Times New Roman"/>
         <a:font script="Uigh" typeface="Microsoft Uighur"/>
         <a:font script="Geor" typeface="Sylfaen"/>
-        <a:font script="Armn" typeface="Arial"/>
-        <a:font script="Bugi" typeface="Leelawadee UI"/>
-        <a:font script="Bopo" typeface="Microsoft JhengHei"/>
-        <a:font script="Java" typeface="Javanese Text"/>
-        <a:font script="Lisu" typeface="Segoe UI"/>
-        <a:font script="Mymr" typeface="Myanmar Text"/>
-        <a:font script="Nkoo" typeface="Ebrima"/>
-        <a:font script="Olck" typeface="Nirmala UI"/>
-        <a:font script="Osma" typeface="Ebrima"/>
-        <a:font script="Phag" typeface="Phagspa"/>
-        <a:font script="Syrn" typeface="Estrangelo Edessa"/>
-        <a:font script="Syrj" typeface="Estrangelo Edessa"/>
-        <a:font script="Syre" typeface="Estrangelo Edessa"/>
-        <a:font script="Sora" typeface="Nirmala UI"/>
-        <a:font script="Tale" typeface="Microsoft Tai Le"/>
-        <a:font script="Talu" typeface="Microsoft New Tai Lue"/>
-        <a:font script="Tfng" typeface="Ebrima"/>
       </a:majorFont>
       <a:minorFont>
-        <a:latin typeface="Aptos" panose="02110004020202020204"/>
+        <a:latin typeface="Calibri"/>
         <a:ea typeface=""/>
         <a:cs typeface=""/>
-        <a:font script="Jpan" typeface="游ゴシック"/>
+        <a:font script="Jpan" typeface="ＭＳ Ｐゴシック"/>
         <a:font script="Hang" typeface="맑은 고딕"/>
-        <a:font script="Hans" typeface="等线"/>
+        <a:font script="Hans" typeface="宋体"/>
         <a:font script="Hant" typeface="新細明體"/>
         <a:font script="Arab" typeface="Arial"/>
         <a:font script="Hebr" typeface="Arial"/>
@@ -4804,26 +5160,9 @@
         <a:font script="Viet" typeface="Arial"/>
         <a:font script="Uigh" typeface="Microsoft Uighur"/>
         <a:font script="Geor" typeface="Sylfaen"/>
-        <a:font script="Armn" typeface="Arial"/>
-        <a:font script="Bugi" typeface="Leelawadee UI"/>
-        <a:font script="Bopo" typeface="Microsoft JhengHei"/>
-        <a:font script="Java" typeface="Javanese Text"/>
-        <a:font script="Lisu" typeface="Segoe UI"/>
-        <a:font script="Mymr" typeface="Myanmar Text"/>
-        <a:font script="Nkoo" typeface="Ebrima"/>
-        <a:font script="Olck" typeface="Nirmala UI"/>
-        <a:font script="Osma" typeface="Ebrima"/>
-        <a:font script="Phag" typeface="Phagspa"/>
-        <a:font script="Syrn" typeface="Estrangelo Edessa"/>
-        <a:font script="Syrj" typeface="Estrangelo Edessa"/>
-        <a:font script="Syre" typeface="Estrangelo Edessa"/>
-        <a:font script="Sora" typeface="Nirmala UI"/>
-        <a:font script="Tale" typeface="Microsoft Tai Le"/>
-        <a:font script="Talu" typeface="Microsoft New Tai Lue"/>
-        <a:font script="Tfng" typeface="Ebrima"/>
       </a:minorFont>
     </a:fontScheme>
-    <a:fmtScheme name="Офіс">
+    <a:fmtScheme name="Office">
       <a:fillStyleLst>
         <a:solidFill>
           <a:schemeClr val="phClr"/>
@@ -4832,136 +5171,180 @@
           <a:gsLst>
             <a:gs pos="0">
               <a:schemeClr val="phClr">
-                <a:lumMod val="110000"/>
-                <a:satMod val="105000"/>
-                <a:tint val="67000"/>
+                <a:tint val="50000"/>
+                <a:satMod val="300000"/>
               </a:schemeClr>
             </a:gs>
-            <a:gs pos="50000">
+            <a:gs pos="35000">
               <a:schemeClr val="phClr">
-                <a:lumMod val="105000"/>
-                <a:satMod val="103000"/>
-                <a:tint val="73000"/>
+                <a:tint val="37000"/>
+                <a:satMod val="300000"/>
               </a:schemeClr>
             </a:gs>
             <a:gs pos="100000">
               <a:schemeClr val="phClr">
-                <a:lumMod val="105000"/>
-                <a:satMod val="109000"/>
-                <a:tint val="81000"/>
+                <a:tint val="15000"/>
+                <a:satMod val="350000"/>
               </a:schemeClr>
             </a:gs>
           </a:gsLst>
-          <a:lin ang="5400000" scaled="0"/>
+          <a:lin ang="16200000" scaled="1"/>
         </a:gradFill>
         <a:gradFill rotWithShape="1">
           <a:gsLst>
             <a:gs pos="0">
               <a:schemeClr val="phClr">
-                <a:satMod val="103000"/>
-                <a:lumMod val="102000"/>
-                <a:tint val="94000"/>
-              </a:schemeClr>
-            </a:gs>
-            <a:gs pos="50000">
-              <a:schemeClr val="phClr">
-                <a:satMod val="110000"/>
-                <a:lumMod val="100000"/>
+                <a:tint val="100000"/>
                 <a:shade val="100000"/>
+                <a:satMod val="130000"/>
               </a:schemeClr>
             </a:gs>
             <a:gs pos="100000">
               <a:schemeClr val="phClr">
-                <a:lumMod val="99000"/>
-                <a:satMod val="120000"/>
-                <a:shade val="78000"/>
+                <a:tint val="50000"/>
+                <a:shade val="100000"/>
+                <a:satMod val="350000"/>
               </a:schemeClr>
             </a:gs>
           </a:gsLst>
-          <a:lin ang="5400000" scaled="0"/>
+          <a:lin ang="16200000" scaled="0"/>
         </a:gradFill>
       </a:fillStyleLst>
       <a:lnStyleLst>
-        <a:ln w="12700" cap="flat" cmpd="sng" algn="ctr">
+        <a:ln w="9525" cap="flat" cmpd="sng" algn="ctr">
           <a:solidFill>
-            <a:schemeClr val="phClr"/>
+            <a:schemeClr val="phClr">
+              <a:shade val="95000"/>
+              <a:satMod val="105000"/>
+            </a:schemeClr>
           </a:solidFill>
           <a:prstDash val="solid"/>
-          <a:miter lim="800000"/>
-        </a:ln>
-        <a:ln w="19050" cap="flat" cmpd="sng" algn="ctr">
-          <a:solidFill>
-            <a:schemeClr val="phClr"/>
-          </a:solidFill>
-          <a:prstDash val="solid"/>
-          <a:miter lim="800000"/>
         </a:ln>
         <a:ln w="25400" cap="flat" cmpd="sng" algn="ctr">
           <a:solidFill>
             <a:schemeClr val="phClr"/>
           </a:solidFill>
           <a:prstDash val="solid"/>
-          <a:miter lim="800000"/>
+        </a:ln>
+        <a:ln w="38100" cap="flat" cmpd="sng" algn="ctr">
+          <a:solidFill>
+            <a:schemeClr val="phClr"/>
+          </a:solidFill>
+          <a:prstDash val="solid"/>
         </a:ln>
       </a:lnStyleLst>
       <a:effectStyleLst>
         <a:effectStyle>
-          <a:effectLst/>
-        </a:effectStyle>
-        <a:effectStyle>
-          <a:effectLst/>
+          <a:effectLst>
+            <a:outerShdw blurRad="40000" dist="20000" dir="5400000" rotWithShape="0">
+              <a:srgbClr val="000000">
+                <a:alpha val="38000"/>
+              </a:srgbClr>
+            </a:outerShdw>
+          </a:effectLst>
         </a:effectStyle>
         <a:effectStyle>
           <a:effectLst>
-            <a:outerShdw blurRad="57150" dist="19050" dir="5400000" algn="ctr" rotWithShape="0">
+            <a:outerShdw blurRad="40000" dist="23000" dir="5400000" rotWithShape="0">
               <a:srgbClr val="000000">
-                <a:alpha val="63000"/>
+                <a:alpha val="35000"/>
               </a:srgbClr>
             </a:outerShdw>
           </a:effectLst>
+        </a:effectStyle>
+        <a:effectStyle>
+          <a:effectLst>
+            <a:outerShdw blurRad="40000" dist="23000" dir="5400000" rotWithShape="0">
+              <a:srgbClr val="000000">
+                <a:alpha val="35000"/>
+              </a:srgbClr>
+            </a:outerShdw>
+          </a:effectLst>
+          <a:scene3d>
+            <a:camera prst="orthographicFront">
+              <a:rot lat="0" lon="0" rev="0"/>
+            </a:camera>
+            <a:lightRig rig="threePt" dir="t">
+              <a:rot lat="0" lon="0" rev="1200000"/>
+            </a:lightRig>
+          </a:scene3d>
+          <a:sp3d>
+            <a:bevelT w="63500" h="25400"/>
+          </a:sp3d>
         </a:effectStyle>
       </a:effectStyleLst>
       <a:bgFillStyleLst>
         <a:solidFill>
           <a:schemeClr val="phClr"/>
         </a:solidFill>
-        <a:solidFill>
-          <a:schemeClr val="phClr">
-            <a:tint val="95000"/>
-            <a:satMod val="170000"/>
-          </a:schemeClr>
-        </a:solidFill>
         <a:gradFill rotWithShape="1">
           <a:gsLst>
             <a:gs pos="0">
               <a:schemeClr val="phClr">
-                <a:tint val="93000"/>
-                <a:satMod val="150000"/>
-                <a:shade val="98000"/>
-                <a:lumMod val="102000"/>
+                <a:tint val="40000"/>
+                <a:satMod val="350000"/>
               </a:schemeClr>
             </a:gs>
-            <a:gs pos="50000">
+            <a:gs pos="40000">
               <a:schemeClr val="phClr">
-                <a:tint val="98000"/>
-                <a:satMod val="130000"/>
-                <a:shade val="90000"/>
-                <a:lumMod val="103000"/>
+                <a:tint val="45000"/>
+                <a:shade val="99000"/>
+                <a:satMod val="350000"/>
               </a:schemeClr>
             </a:gs>
             <a:gs pos="100000">
               <a:schemeClr val="phClr">
-                <a:shade val="63000"/>
-                <a:satMod val="120000"/>
+                <a:shade val="20000"/>
+                <a:satMod val="255000"/>
               </a:schemeClr>
             </a:gs>
           </a:gsLst>
-          <a:lin ang="5400000" scaled="0"/>
+          <a:path path="circle">
+            <a:fillToRect l="50000" t="-80000" r="50000" b="180000"/>
+          </a:path>
+        </a:gradFill>
+        <a:gradFill rotWithShape="1">
+          <a:gsLst>
+            <a:gs pos="0">
+              <a:schemeClr val="phClr">
+                <a:tint val="80000"/>
+                <a:satMod val="300000"/>
+              </a:schemeClr>
+            </a:gs>
+            <a:gs pos="100000">
+              <a:schemeClr val="phClr">
+                <a:shade val="30000"/>
+                <a:satMod val="200000"/>
+              </a:schemeClr>
+            </a:gs>
+          </a:gsLst>
+          <a:path path="circle">
+            <a:fillToRect l="50000" t="50000" r="50000" b="50000"/>
+          </a:path>
         </a:gradFill>
       </a:bgFillStyleLst>
     </a:fmtScheme>
   </a:themeElements>
   <a:objectDefaults>
+    <a:spDef>
+      <a:spPr/>
+      <a:bodyPr/>
+      <a:lstStyle/>
+      <a:style>
+        <a:lnRef idx="1">
+          <a:schemeClr val="accent1"/>
+        </a:lnRef>
+        <a:fillRef idx="3">
+          <a:schemeClr val="accent1"/>
+        </a:fillRef>
+        <a:effectRef idx="2">
+          <a:schemeClr val="accent1"/>
+        </a:effectRef>
+        <a:fontRef idx="minor">
+          <a:schemeClr val="lt1"/>
+        </a:fontRef>
+      </a:style>
+    </a:spDef>
     <a:lnDef>
       <a:spPr/>
       <a:bodyPr/>
@@ -4983,10 +5366,5 @@
     </a:lnDef>
   </a:objectDefaults>
   <a:extraClrSchemeLst/>
-  <a:extLst>
-    <a:ext uri="{05A4C25C-085E-4340-85A3-A5531E510DB2}">
-      <thm15:themeFamily xmlns:thm15="http://schemas.microsoft.com/office/thememl/2012/main" name="Office Theme" id="{2E142A2C-CD16-42D6-873A-C26D2A0506FA}" vid="{1BDDFF52-6CD6-40A5-AB3C-68EB2F1E4D0A}"/>
-    </a:ext>
-  </a:extLst>
 </a:theme>
 </file>
--- a/CAPSTONE GEN AI.pptx
+++ b/CAPSTONE GEN AI.pptx
@@ -13,7 +13,8 @@
     <p:sldId id="261" r:id="rId7"/>
     <p:sldId id="262" r:id="rId8"/>
     <p:sldId id="263" r:id="rId9"/>
-    <p:sldId id="264" r:id="rId10"/>
+    <p:sldId id="265" r:id="rId10"/>
+    <p:sldId id="264" r:id="rId11"/>
   </p:sldIdLst>
   <p:sldSz cx="9144000" cy="6858000" type="screen4x3"/>
   <p:notesSz cx="6858000" cy="9144000"/>
@@ -3128,6 +3129,455 @@
 </p:sld>
 </file>
 
+<file path=ppt/slides/slide10.xml><?xml version="1.0" encoding="utf-8"?>
+<p:sld xmlns:a="http://schemas.openxmlformats.org/drawingml/2006/main" xmlns:r="http://schemas.openxmlformats.org/officeDocument/2006/relationships" xmlns:p="http://schemas.openxmlformats.org/presentationml/2006/main">
+  <p:cSld>
+    <p:spTree>
+      <p:nvGrpSpPr>
+        <p:cNvPr id="1" name=""/>
+        <p:cNvGrpSpPr/>
+        <p:nvPr/>
+      </p:nvGrpSpPr>
+      <p:grpSpPr>
+        <a:xfrm>
+          <a:off x="0" y="0"/>
+          <a:ext cx="0" cy="0"/>
+          <a:chOff x="0" y="0"/>
+          <a:chExt cx="0" cy="0"/>
+        </a:xfrm>
+      </p:grpSpPr>
+      <p:sp>
+        <p:nvSpPr>
+          <p:cNvPr id="2" name="Заголовок 1">
+            <a:extLst>
+              <a:ext uri="{FF2B5EF4-FFF2-40B4-BE49-F238E27FC236}">
+                <a16:creationId xmlns:a16="http://schemas.microsoft.com/office/drawing/2014/main" id="{A8F69F72-7C0E-17A4-5F18-3CAB99A7B62E}"/>
+              </a:ext>
+            </a:extLst>
+          </p:cNvPr>
+          <p:cNvSpPr>
+            <a:spLocks noGrp="1"/>
+          </p:cNvSpPr>
+          <p:nvPr>
+            <p:ph type="title"/>
+          </p:nvPr>
+        </p:nvSpPr>
+        <p:spPr>
+          <a:xfrm>
+            <a:off x="457200" y="274638"/>
+            <a:ext cx="8229600" cy="777985"/>
+          </a:xfrm>
+        </p:spPr>
+        <p:txBody>
+          <a:bodyPr>
+            <a:noAutofit/>
+          </a:bodyPr>
+          <a:lstStyle/>
+          <a:p>
+            <a:r>
+              <a:rPr lang="ru-RU" sz="3200" dirty="0" err="1"/>
+              <a:t>Перелік</a:t>
+            </a:r>
+            <a:r>
+              <a:rPr lang="ru-RU" sz="3200" dirty="0"/>
+              <a:t> </a:t>
+            </a:r>
+            <a:r>
+              <a:rPr lang="ru-RU" sz="3200" dirty="0" err="1"/>
+              <a:t>релевантних</a:t>
+            </a:r>
+            <a:r>
+              <a:rPr lang="ru-RU" sz="3200" dirty="0"/>
+              <a:t> </a:t>
+            </a:r>
+            <a:r>
+              <a:rPr lang="ru-RU" sz="3200" dirty="0" err="1"/>
+              <a:t>файлів</a:t>
+            </a:r>
+            <a:r>
+              <a:rPr lang="ru-RU" sz="3200" dirty="0"/>
+              <a:t>/папок на </a:t>
+            </a:r>
+            <a:r>
+              <a:rPr lang="ru-RU" sz="3200" dirty="0" err="1"/>
+              <a:t>Github</a:t>
+            </a:r>
+            <a:r>
+              <a:rPr lang="ru-RU" sz="3200" dirty="0"/>
+              <a:t>: </a:t>
+            </a:r>
+            <a:endParaRPr lang="en-US" sz="3200" dirty="0"/>
+          </a:p>
+        </p:txBody>
+      </p:sp>
+      <p:sp>
+        <p:nvSpPr>
+          <p:cNvPr id="6" name="TextBox 5">
+            <a:extLst>
+              <a:ext uri="{FF2B5EF4-FFF2-40B4-BE49-F238E27FC236}">
+                <a16:creationId xmlns:a16="http://schemas.microsoft.com/office/drawing/2014/main" id="{576CFF40-C5FE-3A20-D33B-2414BAAF1741}"/>
+              </a:ext>
+            </a:extLst>
+          </p:cNvPr>
+          <p:cNvSpPr txBox="1"/>
+          <p:nvPr/>
+        </p:nvSpPr>
+        <p:spPr>
+          <a:xfrm>
+            <a:off x="637953" y="1052623"/>
+            <a:ext cx="7517219" cy="5632311"/>
+          </a:xfrm>
+          <a:prstGeom prst="rect">
+            <a:avLst/>
+          </a:prstGeom>
+          <a:noFill/>
+        </p:spPr>
+        <p:txBody>
+          <a:bodyPr wrap="square" rtlCol="0">
+            <a:spAutoFit/>
+          </a:bodyPr>
+          <a:lstStyle/>
+          <a:p>
+            <a:r>
+              <a:rPr lang="uk-UA" dirty="0"/>
+              <a:t>  </a:t>
+            </a:r>
+            <a:r>
+              <a:rPr lang="en-US" dirty="0"/>
+              <a:t>-&gt; __</a:t>
+            </a:r>
+            <a:r>
+              <a:rPr lang="en-US" dirty="0" err="1"/>
+              <a:t>pycache</a:t>
+            </a:r>
+            <a:r>
+              <a:rPr lang="en-US" dirty="0"/>
+              <a:t>__  - </a:t>
+            </a:r>
+            <a:r>
+              <a:rPr lang="uk-UA" dirty="0" err="1"/>
+              <a:t>кешовані</a:t>
+            </a:r>
+            <a:r>
+              <a:rPr lang="uk-UA" dirty="0"/>
+              <a:t> файли </a:t>
+            </a:r>
+            <a:r>
+              <a:rPr lang="uk-UA" dirty="0" err="1"/>
+              <a:t>токенайзера</a:t>
+            </a:r>
+            <a:r>
+              <a:rPr lang="uk-UA" dirty="0"/>
+              <a:t> при виконанні коду</a:t>
+            </a:r>
+          </a:p>
+          <a:p>
+            <a:r>
+              <a:rPr lang="uk-UA" dirty="0"/>
+              <a:t>  -&gt; </a:t>
+            </a:r>
+            <a:r>
+              <a:rPr lang="en-US" dirty="0" err="1"/>
+              <a:t>bleu_results</a:t>
+            </a:r>
+            <a:r>
+              <a:rPr lang="en-US" dirty="0"/>
+              <a:t> - </a:t>
+            </a:r>
+            <a:r>
+              <a:rPr lang="uk-UA" dirty="0"/>
+              <a:t>автоматизовані (1000 тест на прикладів) результати </a:t>
+            </a:r>
+            <a:r>
+              <a:rPr lang="uk-UA" dirty="0" err="1"/>
+              <a:t>яості</a:t>
+            </a:r>
+            <a:r>
+              <a:rPr lang="uk-UA" dirty="0"/>
+              <a:t> навчання </a:t>
+            </a:r>
+            <a:r>
+              <a:rPr lang="en-US" dirty="0"/>
+              <a:t>LLM </a:t>
+            </a:r>
+            <a:r>
+              <a:rPr lang="uk-UA" dirty="0"/>
+              <a:t>за метрикою </a:t>
+            </a:r>
+            <a:r>
+              <a:rPr lang="en-US" dirty="0"/>
+              <a:t>BLEU</a:t>
+            </a:r>
+          </a:p>
+          <a:p>
+            <a:r>
+              <a:rPr lang="en-US" dirty="0"/>
+              <a:t>  -&gt; </a:t>
+            </a:r>
+            <a:r>
+              <a:rPr lang="en-US" dirty="0" err="1"/>
+              <a:t>examples_tests</a:t>
+            </a:r>
+            <a:r>
+              <a:rPr lang="en-US" dirty="0"/>
+              <a:t> - wav </a:t>
+            </a:r>
+            <a:r>
+              <a:rPr lang="uk-UA" dirty="0"/>
+              <a:t>файли тестування фінального коду з перекладом в обидві сторони</a:t>
+            </a:r>
+          </a:p>
+          <a:p>
+            <a:r>
+              <a:rPr lang="uk-UA" dirty="0"/>
+              <a:t>  -&gt; </a:t>
+            </a:r>
+            <a:r>
+              <a:rPr lang="en-US" dirty="0" err="1"/>
+              <a:t>fine_tuning_auto_validation</a:t>
+            </a:r>
+            <a:r>
+              <a:rPr lang="en-US" dirty="0"/>
+              <a:t> - </a:t>
+            </a:r>
+            <a:r>
+              <a:rPr lang="uk-UA" dirty="0"/>
+              <a:t>папка зі скриптами по </a:t>
+            </a:r>
+            <a:r>
+              <a:rPr lang="uk-UA" dirty="0" err="1"/>
+              <a:t>файн-тюнінгу</a:t>
+            </a:r>
+            <a:r>
+              <a:rPr lang="uk-UA" dirty="0"/>
+              <a:t> моделі</a:t>
+            </a:r>
+            <a:endParaRPr lang="en-US" dirty="0"/>
+          </a:p>
+          <a:p>
+            <a:r>
+              <a:rPr lang="en-US" dirty="0"/>
+              <a:t>  -&gt; speech_2_voice_ai - </a:t>
+            </a:r>
+            <a:r>
+              <a:rPr lang="uk-UA" dirty="0"/>
+              <a:t>папка зі скриптами і </a:t>
+            </a:r>
+            <a:r>
+              <a:rPr lang="uk-UA" dirty="0" err="1"/>
+              <a:t>фіналізованим</a:t>
+            </a:r>
+            <a:r>
+              <a:rPr lang="uk-UA" dirty="0"/>
+              <a:t> кодом інтегрованої моделі перекладу </a:t>
+            </a:r>
+          </a:p>
+          <a:p>
+            <a:r>
+              <a:rPr lang="uk-UA" dirty="0"/>
+              <a:t>            -&gt;  </a:t>
+            </a:r>
+            <a:r>
+              <a:rPr lang="en-US" dirty="0"/>
+              <a:t>dictophone_trio_3.py  - </a:t>
+            </a:r>
+            <a:r>
+              <a:rPr lang="uk-UA" dirty="0"/>
+              <a:t>фінальний код моделі</a:t>
+            </a:r>
+          </a:p>
+          <a:p>
+            <a:r>
+              <a:rPr lang="uk-UA" dirty="0"/>
+              <a:t>  -&gt; </a:t>
+            </a:r>
+            <a:r>
+              <a:rPr lang="en-US" dirty="0" err="1"/>
+              <a:t>stati</a:t>
+            </a:r>
+            <a:r>
+              <a:rPr lang="uk-UA" dirty="0"/>
+              <a:t>с - наразі пуста папка </a:t>
+            </a:r>
+            <a:r>
+              <a:rPr lang="uk-UA" dirty="0" err="1"/>
+              <a:t>длі</a:t>
+            </a:r>
+            <a:r>
+              <a:rPr lang="uk-UA" dirty="0"/>
+              <a:t> веб інтегрованого коду</a:t>
+            </a:r>
+          </a:p>
+          <a:p>
+            <a:r>
+              <a:rPr lang="uk-UA" dirty="0"/>
+              <a:t>  -&gt; </a:t>
+            </a:r>
+            <a:r>
+              <a:rPr lang="en-US" dirty="0"/>
+              <a:t>templates - </a:t>
+            </a:r>
+            <a:r>
+              <a:rPr lang="uk-UA" dirty="0"/>
+              <a:t>папка для веб - інтеграції </a:t>
+            </a:r>
+            <a:r>
+              <a:rPr lang="en-US" dirty="0"/>
+              <a:t>index.html</a:t>
+            </a:r>
+          </a:p>
+          <a:p>
+            <a:r>
+              <a:rPr lang="en-US" dirty="0"/>
+              <a:t>  -&gt; </a:t>
+            </a:r>
+            <a:r>
+              <a:rPr lang="en-US" dirty="0" err="1"/>
+              <a:t>trained_models</a:t>
+            </a:r>
+            <a:r>
+              <a:rPr lang="en-US" dirty="0"/>
+              <a:t> - </a:t>
+            </a:r>
+            <a:r>
+              <a:rPr lang="uk-UA" dirty="0"/>
+              <a:t>лінки на скачування натренованих </a:t>
+            </a:r>
+            <a:r>
+              <a:rPr lang="en-US" dirty="0"/>
+              <a:t>LLM/MT </a:t>
+            </a:r>
+            <a:r>
+              <a:rPr lang="uk-UA" dirty="0"/>
+              <a:t>моделей, які перекладають текст</a:t>
+            </a:r>
+          </a:p>
+          <a:p>
+            <a:r>
+              <a:rPr lang="uk-UA" dirty="0"/>
+              <a:t>  -&gt; </a:t>
+            </a:r>
+            <a:r>
+              <a:rPr lang="en-US" dirty="0" err="1"/>
+              <a:t>training_inputs</a:t>
+            </a:r>
+            <a:r>
+              <a:rPr lang="en-US" dirty="0"/>
+              <a:t> - </a:t>
+            </a:r>
+            <a:r>
+              <a:rPr lang="uk-UA" dirty="0"/>
+              <a:t>скрипти для </a:t>
+            </a:r>
+            <a:r>
+              <a:rPr lang="uk-UA" dirty="0" err="1"/>
+              <a:t>обєднання</a:t>
+            </a:r>
+            <a:r>
+              <a:rPr lang="uk-UA" dirty="0"/>
+              <a:t> дата-сету для тренування </a:t>
+            </a:r>
+            <a:r>
+              <a:rPr lang="en-US" dirty="0"/>
+              <a:t>LLM/MT, </a:t>
+            </a:r>
+            <a:r>
+              <a:rPr lang="uk-UA" dirty="0"/>
+              <a:t>лінки на джерело відкритого дата-сету </a:t>
+            </a:r>
+          </a:p>
+          <a:p>
+            <a:r>
+              <a:rPr lang="uk-UA" dirty="0"/>
+              <a:t>  Файли: </a:t>
+            </a:r>
+          </a:p>
+          <a:p>
+            <a:r>
+              <a:rPr lang="uk-UA" dirty="0"/>
+              <a:t>  </a:t>
+            </a:r>
+            <a:r>
+              <a:rPr lang="en-US" dirty="0"/>
+              <a:t>readme.txt - </a:t>
+            </a:r>
+            <a:r>
+              <a:rPr lang="uk-UA" dirty="0"/>
+              <a:t>короткий огляд та структура матеріалів </a:t>
+            </a:r>
+          </a:p>
+          <a:p>
+            <a:r>
+              <a:rPr lang="uk-UA" dirty="0"/>
+              <a:t>  </a:t>
+            </a:r>
+            <a:r>
+              <a:rPr lang="en-US" dirty="0"/>
+              <a:t>CAPSTONE GEN AI.pptx - </a:t>
+            </a:r>
+            <a:r>
+              <a:rPr lang="uk-UA" dirty="0"/>
+              <a:t>звіт про виконаний </a:t>
+            </a:r>
+            <a:r>
+              <a:rPr lang="uk-UA" dirty="0" err="1"/>
+              <a:t>проєкт</a:t>
+            </a:r>
+            <a:r>
+              <a:rPr lang="uk-UA" dirty="0"/>
+              <a:t>, логіка/фази</a:t>
+            </a:r>
+          </a:p>
+          <a:p>
+            <a:r>
+              <a:rPr lang="uk-UA" dirty="0"/>
+              <a:t>  </a:t>
+            </a:r>
+            <a:r>
+              <a:rPr lang="en-US" dirty="0"/>
+              <a:t>tokenizer.py - </a:t>
+            </a:r>
+            <a:r>
+              <a:rPr lang="uk-UA" dirty="0"/>
+              <a:t>бекап-</a:t>
+            </a:r>
+            <a:r>
+              <a:rPr lang="uk-UA" dirty="0" err="1"/>
+              <a:t>версі</a:t>
+            </a:r>
+            <a:r>
+              <a:rPr lang="uk-UA" dirty="0"/>
+              <a:t> </a:t>
+            </a:r>
+            <a:r>
+              <a:rPr lang="uk-UA" dirty="0" err="1"/>
+              <a:t>токенайзера</a:t>
+            </a:r>
+            <a:r>
+              <a:rPr lang="uk-UA" dirty="0"/>
+              <a:t> для української </a:t>
+            </a:r>
+            <a:r>
+              <a:rPr lang="uk-UA" dirty="0" err="1"/>
+              <a:t>озвучки</a:t>
+            </a:r>
+            <a:endParaRPr lang="uk-UA" dirty="0"/>
+          </a:p>
+        </p:txBody>
+      </p:sp>
+    </p:spTree>
+    <p:extLst>
+      <p:ext uri="{BB962C8B-B14F-4D97-AF65-F5344CB8AC3E}">
+        <p14:creationId xmlns:p14="http://schemas.microsoft.com/office/powerpoint/2010/main" val="1624113108"/>
+      </p:ext>
+    </p:extLst>
+  </p:cSld>
+  <p:clrMapOvr>
+    <a:masterClrMapping/>
+  </p:clrMapOvr>
+</p:sld>
+</file>
+
 <file path=ppt/slides/slide2.xml><?xml version="1.0" encoding="utf-8"?>
 <p:sld xmlns:a="http://schemas.openxmlformats.org/drawingml/2006/main" xmlns:r="http://schemas.openxmlformats.org/officeDocument/2006/relationships" xmlns:p="http://schemas.openxmlformats.org/presentationml/2006/main">
   <p:cSld>
@@ -4327,8 +4777,18 @@
           <a:lstStyle/>
           <a:p>
             <a:r>
-              <a:t>Статус реалізації</a:t>
-            </a:r>
+              <a:rPr dirty="0" err="1"/>
+              <a:t>Статус</a:t>
+            </a:r>
+            <a:r>
+              <a:rPr dirty="0"/>
+              <a:t> </a:t>
+            </a:r>
+            <a:r>
+              <a:rPr dirty="0" err="1"/>
+              <a:t>реалізації</a:t>
+            </a:r>
+            <a:endParaRPr dirty="0"/>
           </a:p>
         </p:txBody>
       </p:sp>
@@ -4622,7 +5082,7 @@
           <p:cNvPr id="2" name="Заголовок 1">
             <a:extLst>
               <a:ext uri="{FF2B5EF4-FFF2-40B4-BE49-F238E27FC236}">
-                <a16:creationId xmlns:a16="http://schemas.microsoft.com/office/drawing/2014/main" id="{A8F69F72-7C0E-17A4-5F18-3CAB99A7B62E}"/>
+                <a16:creationId xmlns:a16="http://schemas.microsoft.com/office/drawing/2014/main" id="{94E37962-A3D7-48EB-D8ED-171B65287090}"/>
               </a:ext>
             </a:extLst>
           </p:cNvPr>
@@ -4633,60 +5093,25 @@
             <p:ph type="title"/>
           </p:nvPr>
         </p:nvSpPr>
-        <p:spPr>
-          <a:xfrm>
-            <a:off x="457200" y="274638"/>
-            <a:ext cx="8229600" cy="777985"/>
-          </a:xfrm>
-        </p:spPr>
-        <p:txBody>
-          <a:bodyPr>
-            <a:noAutofit/>
-          </a:bodyPr>
-          <a:lstStyle/>
-          <a:p>
-            <a:r>
-              <a:rPr lang="ru-RU" sz="3200" dirty="0" err="1"/>
-              <a:t>Перелік</a:t>
-            </a:r>
-            <a:r>
-              <a:rPr lang="ru-RU" sz="3200" dirty="0"/>
-              <a:t> </a:t>
-            </a:r>
-            <a:r>
-              <a:rPr lang="ru-RU" sz="3200" dirty="0" err="1"/>
-              <a:t>релевантних</a:t>
-            </a:r>
-            <a:r>
-              <a:rPr lang="ru-RU" sz="3200" dirty="0"/>
-              <a:t> </a:t>
-            </a:r>
-            <a:r>
-              <a:rPr lang="ru-RU" sz="3200" dirty="0" err="1"/>
-              <a:t>файлів</a:t>
-            </a:r>
-            <a:r>
-              <a:rPr lang="ru-RU" sz="3200" dirty="0"/>
-              <a:t>/папок на </a:t>
-            </a:r>
-            <a:r>
-              <a:rPr lang="ru-RU" sz="3200" dirty="0" err="1"/>
-              <a:t>Github</a:t>
-            </a:r>
-            <a:r>
-              <a:rPr lang="ru-RU" sz="3200" dirty="0"/>
-              <a:t>: </a:t>
-            </a:r>
-            <a:endParaRPr lang="en-US" sz="3200" dirty="0"/>
-          </a:p>
-        </p:txBody>
-      </p:sp>
-      <p:sp>
-        <p:nvSpPr>
-          <p:cNvPr id="6" name="TextBox 5">
+        <p:spPr/>
+        <p:txBody>
+          <a:bodyPr/>
+          <a:lstStyle/>
+          <a:p>
+            <a:r>
+              <a:rPr lang="uk-UA" dirty="0"/>
+              <a:t>Фаза 4 – Наступні кроки</a:t>
+            </a:r>
+            <a:endParaRPr lang="en-US" dirty="0"/>
+          </a:p>
+        </p:txBody>
+      </p:sp>
+      <p:sp>
+        <p:nvSpPr>
+          <p:cNvPr id="4" name="TextBox 3">
             <a:extLst>
               <a:ext uri="{FF2B5EF4-FFF2-40B4-BE49-F238E27FC236}">
-                <a16:creationId xmlns:a16="http://schemas.microsoft.com/office/drawing/2014/main" id="{576CFF40-C5FE-3A20-D33B-2414BAAF1741}"/>
+                <a16:creationId xmlns:a16="http://schemas.microsoft.com/office/drawing/2014/main" id="{01BF9777-C188-F81F-8D0C-FFDF92B50705}"/>
               </a:ext>
             </a:extLst>
           </p:cNvPr>
@@ -4695,8 +5120,8 @@
         </p:nvSpPr>
         <p:spPr>
           <a:xfrm>
-            <a:off x="637953" y="1052623"/>
-            <a:ext cx="7517219" cy="5632311"/>
+            <a:off x="563526" y="1417638"/>
+            <a:ext cx="7963786" cy="3231654"/>
           </a:xfrm>
           <a:prstGeom prst="rect">
             <a:avLst/>
@@ -4704,342 +5129,101 @@
           <a:noFill/>
         </p:spPr>
         <p:txBody>
-          <a:bodyPr wrap="square" rtlCol="0">
+          <a:bodyPr wrap="square">
             <a:spAutoFit/>
           </a:bodyPr>
           <a:lstStyle/>
           <a:p>
-            <a:r>
-              <a:rPr lang="uk-UA" dirty="0"/>
-              <a:t>  </a:t>
-            </a:r>
-            <a:r>
-              <a:rPr lang="en-US" dirty="0"/>
-              <a:t>-&gt; __</a:t>
-            </a:r>
-            <a:r>
-              <a:rPr lang="en-US" dirty="0" err="1"/>
-              <a:t>pycache</a:t>
-            </a:r>
-            <a:r>
-              <a:rPr lang="en-US" dirty="0"/>
-              <a:t>__  - </a:t>
-            </a:r>
-            <a:r>
-              <a:rPr lang="uk-UA" dirty="0" err="1"/>
-              <a:t>кешовані</a:t>
-            </a:r>
-            <a:r>
-              <a:rPr lang="uk-UA" dirty="0"/>
-              <a:t> файли </a:t>
-            </a:r>
-            <a:r>
-              <a:rPr lang="uk-UA" dirty="0" err="1"/>
-              <a:t>токенайзера</a:t>
-            </a:r>
-            <a:r>
-              <a:rPr lang="uk-UA" dirty="0"/>
-              <a:t> при виконанні коду</a:t>
-            </a:r>
-          </a:p>
-          <a:p>
-            <a:r>
-              <a:rPr lang="uk-UA" dirty="0"/>
-              <a:t>  -&gt; </a:t>
-            </a:r>
-            <a:r>
-              <a:rPr lang="en-US" dirty="0" err="1"/>
-              <a:t>bleu_results</a:t>
-            </a:r>
-            <a:r>
-              <a:rPr lang="en-US" dirty="0"/>
-              <a:t> - </a:t>
-            </a:r>
-            <a:r>
-              <a:rPr lang="uk-UA" dirty="0"/>
-              <a:t>автоматизовані (1000 тест на прикладів) результати </a:t>
-            </a:r>
-            <a:r>
-              <a:rPr lang="uk-UA" dirty="0" err="1"/>
-              <a:t>яості</a:t>
-            </a:r>
-            <a:r>
-              <a:rPr lang="uk-UA" dirty="0"/>
-              <a:t> навчання </a:t>
-            </a:r>
-            <a:r>
-              <a:rPr lang="en-US" dirty="0"/>
-              <a:t>LLM </a:t>
-            </a:r>
-            <a:r>
-              <a:rPr lang="uk-UA" dirty="0"/>
-              <a:t>за метрикою </a:t>
-            </a:r>
-            <a:r>
-              <a:rPr lang="en-US" dirty="0"/>
-              <a:t>BLEU</a:t>
-            </a:r>
-          </a:p>
-          <a:p>
-            <a:r>
-              <a:rPr lang="en-US" dirty="0"/>
-              <a:t>  -&gt; </a:t>
-            </a:r>
-            <a:r>
-              <a:rPr lang="en-US" dirty="0" err="1"/>
-              <a:t>examples_tests</a:t>
-            </a:r>
-            <a:r>
-              <a:rPr lang="en-US" dirty="0"/>
-              <a:t> - wav </a:t>
-            </a:r>
-            <a:r>
-              <a:rPr lang="uk-UA" dirty="0"/>
-              <a:t>файли тестування фінального коду з перекладом в обидві сторони</a:t>
-            </a:r>
-          </a:p>
-          <a:p>
-            <a:r>
-              <a:rPr lang="uk-UA" dirty="0"/>
-              <a:t>  -&gt; </a:t>
-            </a:r>
-            <a:r>
-              <a:rPr lang="en-US" dirty="0" err="1"/>
-              <a:t>fine_tuning_auto_validation</a:t>
-            </a:r>
-            <a:r>
-              <a:rPr lang="en-US" dirty="0"/>
-              <a:t> - </a:t>
-            </a:r>
-            <a:r>
-              <a:rPr lang="uk-UA" dirty="0"/>
-              <a:t>папка зі скриптами по </a:t>
-            </a:r>
-            <a:r>
-              <a:rPr lang="uk-UA" dirty="0" err="1"/>
-              <a:t>файн-тюнінгу</a:t>
-            </a:r>
-            <a:r>
-              <a:rPr lang="uk-UA" dirty="0"/>
-              <a:t> моделі</a:t>
-            </a:r>
-            <a:endParaRPr lang="en-US" dirty="0"/>
-          </a:p>
-          <a:p>
-            <a:r>
-              <a:rPr lang="en-US" dirty="0"/>
-              <a:t>  -&gt; speech_2_voice_ai - </a:t>
-            </a:r>
-            <a:r>
-              <a:rPr lang="uk-UA" dirty="0"/>
-              <a:t>папка зі скриптами і </a:t>
-            </a:r>
-            <a:r>
-              <a:rPr lang="uk-UA" dirty="0" err="1"/>
-              <a:t>фіналізованим</a:t>
-            </a:r>
-            <a:r>
-              <a:rPr lang="uk-UA" dirty="0"/>
-              <a:t> кодом інтегрованої моделі перекладу </a:t>
-            </a:r>
-          </a:p>
-          <a:p>
-            <a:r>
-              <a:rPr lang="uk-UA" dirty="0"/>
-              <a:t>            -&gt;  </a:t>
-            </a:r>
-            <a:r>
-              <a:rPr lang="en-US" dirty="0"/>
-              <a:t>dictophone_trio_3.py  - </a:t>
-            </a:r>
-            <a:r>
-              <a:rPr lang="uk-UA" dirty="0"/>
-              <a:t>фінальний код моделі</a:t>
-            </a:r>
-          </a:p>
-          <a:p>
-            <a:r>
-              <a:rPr lang="uk-UA" dirty="0"/>
-              <a:t>  -&gt; </a:t>
-            </a:r>
-            <a:r>
-              <a:rPr lang="en-US" dirty="0" err="1"/>
-              <a:t>stati</a:t>
-            </a:r>
-            <a:r>
-              <a:rPr lang="uk-UA" dirty="0"/>
-              <a:t>с - наразі пуста папка </a:t>
-            </a:r>
-            <a:r>
-              <a:rPr lang="uk-UA" dirty="0" err="1"/>
-              <a:t>длі</a:t>
-            </a:r>
-            <a:r>
-              <a:rPr lang="uk-UA" dirty="0"/>
-              <a:t> веб інтегрованого коду</a:t>
-            </a:r>
-          </a:p>
-          <a:p>
-            <a:r>
-              <a:rPr lang="uk-UA" dirty="0"/>
-              <a:t>  -&gt; </a:t>
-            </a:r>
-            <a:r>
-              <a:rPr lang="en-US" dirty="0"/>
-              <a:t>templates - </a:t>
-            </a:r>
-            <a:r>
-              <a:rPr lang="uk-UA" dirty="0"/>
-              <a:t>папка для веб - інтеграції </a:t>
-            </a:r>
-            <a:r>
-              <a:rPr lang="en-US" dirty="0"/>
-              <a:t>index.html</a:t>
-            </a:r>
-          </a:p>
-          <a:p>
-            <a:r>
-              <a:rPr lang="en-US" dirty="0"/>
-              <a:t>  -&gt; </a:t>
-            </a:r>
-            <a:r>
-              <a:rPr lang="en-US" dirty="0" err="1"/>
-              <a:t>trained_models</a:t>
-            </a:r>
-            <a:r>
-              <a:rPr lang="en-US" dirty="0"/>
-              <a:t> - </a:t>
-            </a:r>
-            <a:r>
-              <a:rPr lang="uk-UA" dirty="0"/>
-              <a:t>лінки на скачування натренованих </a:t>
-            </a:r>
-            <a:r>
-              <a:rPr lang="en-US" dirty="0"/>
-              <a:t>LLM/MT </a:t>
-            </a:r>
-            <a:r>
-              <a:rPr lang="uk-UA" dirty="0"/>
-              <a:t>моделей, які перекладають текст</a:t>
-            </a:r>
-          </a:p>
-          <a:p>
-            <a:r>
-              <a:rPr lang="uk-UA" dirty="0"/>
-              <a:t>  -&gt; </a:t>
-            </a:r>
-            <a:r>
-              <a:rPr lang="en-US" dirty="0" err="1"/>
-              <a:t>training_inputs</a:t>
-            </a:r>
-            <a:r>
-              <a:rPr lang="en-US" dirty="0"/>
-              <a:t> - </a:t>
-            </a:r>
-            <a:r>
-              <a:rPr lang="uk-UA" dirty="0"/>
-              <a:t>скрипти для </a:t>
-            </a:r>
-            <a:r>
-              <a:rPr lang="uk-UA" dirty="0" err="1"/>
-              <a:t>обєднання</a:t>
-            </a:r>
-            <a:r>
-              <a:rPr lang="uk-UA" dirty="0"/>
-              <a:t> дата-сету для тренування </a:t>
-            </a:r>
-            <a:r>
-              <a:rPr lang="en-US" dirty="0"/>
-              <a:t>LLM/MT, </a:t>
-            </a:r>
-            <a:r>
-              <a:rPr lang="uk-UA" dirty="0"/>
-              <a:t>лінки на джерело відкритого дата-сету </a:t>
-            </a:r>
-          </a:p>
-          <a:p>
-            <a:r>
-              <a:rPr lang="uk-UA" dirty="0"/>
-              <a:t>  Файли: </a:t>
-            </a:r>
-          </a:p>
-          <a:p>
-            <a:r>
-              <a:rPr lang="uk-UA" dirty="0"/>
-              <a:t>  </a:t>
-            </a:r>
-            <a:r>
-              <a:rPr lang="en-US" dirty="0"/>
-              <a:t>readme.txt - </a:t>
-            </a:r>
-            <a:r>
-              <a:rPr lang="uk-UA" dirty="0"/>
-              <a:t>короткий огляд та структура матеріалів </a:t>
-            </a:r>
-          </a:p>
-          <a:p>
-            <a:r>
-              <a:rPr lang="uk-UA" dirty="0"/>
-              <a:t>  </a:t>
-            </a:r>
-            <a:r>
-              <a:rPr lang="en-US" dirty="0"/>
-              <a:t>CAPSTONE GEN AI.pptx - </a:t>
-            </a:r>
-            <a:r>
-              <a:rPr lang="uk-UA" dirty="0"/>
-              <a:t>звіт про виконаний </a:t>
-            </a:r>
-            <a:r>
-              <a:rPr lang="uk-UA" dirty="0" err="1"/>
-              <a:t>проєкт</a:t>
-            </a:r>
-            <a:r>
-              <a:rPr lang="uk-UA" dirty="0"/>
-              <a:t>, логіка/фази</a:t>
-            </a:r>
-          </a:p>
-          <a:p>
-            <a:r>
-              <a:rPr lang="uk-UA" dirty="0"/>
-              <a:t>  </a:t>
-            </a:r>
-            <a:r>
-              <a:rPr lang="en-US" dirty="0"/>
-              <a:t>tokenizer.py - </a:t>
-            </a:r>
-            <a:r>
-              <a:rPr lang="uk-UA" dirty="0"/>
-              <a:t>бекап-</a:t>
-            </a:r>
-            <a:r>
-              <a:rPr lang="uk-UA" dirty="0" err="1"/>
-              <a:t>версі</a:t>
-            </a:r>
-            <a:r>
-              <a:rPr lang="uk-UA" dirty="0"/>
+            <a:pPr marL="0" indent="0">
+              <a:buNone/>
+            </a:pPr>
+            <a:r>
+              <a:rPr lang="en-US" sz="3400" dirty="0"/>
+              <a:t>→</a:t>
+            </a:r>
+            <a:r>
+              <a:rPr lang="uk-UA" sz="3400" dirty="0"/>
+              <a:t> Завершення інтеграції в </a:t>
+            </a:r>
+            <a:r>
+              <a:rPr lang="en-US" sz="3400" dirty="0"/>
+              <a:t>web</a:t>
+            </a:r>
+            <a:endParaRPr lang="uk-UA" sz="3400" dirty="0"/>
+          </a:p>
+          <a:p>
+            <a:pPr marL="0" indent="0">
+              <a:buNone/>
+            </a:pPr>
+            <a:r>
+              <a:rPr lang="uk-UA" sz="3400" dirty="0"/>
+              <a:t>→</a:t>
+            </a:r>
+            <a:r>
+              <a:rPr lang="en-US" sz="3400" dirty="0"/>
               <a:t> </a:t>
             </a:r>
             <a:r>
-              <a:rPr lang="uk-UA" dirty="0" err="1"/>
-              <a:t>токенайзера</a:t>
-            </a:r>
-            <a:r>
-              <a:rPr lang="uk-UA" dirty="0"/>
-              <a:t> для української </a:t>
-            </a:r>
-            <a:r>
-              <a:rPr lang="uk-UA" dirty="0" err="1"/>
-              <a:t>озвучки</a:t>
-            </a:r>
-            <a:endParaRPr lang="uk-UA" dirty="0"/>
+              <a:rPr lang="uk-UA" sz="3400" dirty="0" err="1"/>
+              <a:t>Донавчання</a:t>
+            </a:r>
+            <a:r>
+              <a:rPr lang="uk-UA" sz="3400" dirty="0"/>
+              <a:t> </a:t>
+            </a:r>
+            <a:r>
+              <a:rPr lang="en-US" sz="3400" dirty="0"/>
+              <a:t>MT </a:t>
+            </a:r>
+            <a:r>
+              <a:rPr lang="uk-UA" sz="3400" dirty="0"/>
+              <a:t>моделі для покращення результатів, особливо </a:t>
+            </a:r>
+            <a:r>
+              <a:rPr lang="en-US" sz="3400" dirty="0"/>
+              <a:t>EN-UK</a:t>
+            </a:r>
+            <a:endParaRPr lang="uk-UA" sz="3400" dirty="0"/>
+          </a:p>
+          <a:p>
+            <a:pPr marL="0" indent="0">
+              <a:buNone/>
+            </a:pPr>
+            <a:r>
+              <a:rPr lang="uk-UA" sz="3400" dirty="0"/>
+              <a:t>→ </a:t>
+            </a:r>
+            <a:r>
+              <a:rPr lang="uk-UA" sz="3400" dirty="0" err="1"/>
+              <a:t>Челендж</a:t>
+            </a:r>
+            <a:r>
+              <a:rPr lang="uk-UA" sz="3400" dirty="0"/>
+              <a:t> часу синхронного перекладу, оптимізація, зменшення часу між </a:t>
+            </a:r>
+            <a:r>
+              <a:rPr lang="uk-UA" sz="3400" dirty="0" err="1"/>
+              <a:t>інпутом</a:t>
+            </a:r>
+            <a:r>
+              <a:rPr lang="uk-UA" sz="3400" dirty="0"/>
+              <a:t>- </a:t>
+            </a:r>
+            <a:r>
+              <a:rPr lang="uk-UA" sz="3400" dirty="0" err="1"/>
+              <a:t>аутпутом</a:t>
+            </a:r>
+            <a:r>
+              <a:rPr lang="uk-UA" sz="3400" dirty="0"/>
+              <a:t>. </a:t>
+            </a:r>
           </a:p>
         </p:txBody>
       </p:sp>
     </p:spTree>
     <p:extLst>
       <p:ext uri="{BB962C8B-B14F-4D97-AF65-F5344CB8AC3E}">
-        <p14:creationId xmlns:p14="http://schemas.microsoft.com/office/powerpoint/2010/main" val="1624113108"/>
+        <p14:creationId xmlns:p14="http://schemas.microsoft.com/office/powerpoint/2010/main" val="108885261"/>
       </p:ext>
     </p:extLst>
   </p:cSld>
